--- a/Slides/Lesson 4.2 Promises that Fail and Async.pptx
+++ b/Slides/Lesson 4.2 Promises that Fail and Async.pptx
@@ -5,64 +5,63 @@
     <p:sldMasterId id="2147483648" r:id="rId1"/>
   </p:sldMasterIdLst>
   <p:notesMasterIdLst>
-    <p:notesMasterId r:id="rId29"/>
+    <p:notesMasterId r:id="rId28"/>
   </p:notesMasterIdLst>
   <p:sldIdLst>
     <p:sldId id="256" r:id="rId2"/>
     <p:sldId id="302" r:id="rId3"/>
     <p:sldId id="330" r:id="rId4"/>
-    <p:sldId id="346" r:id="rId5"/>
-    <p:sldId id="349" r:id="rId6"/>
-    <p:sldId id="353" r:id="rId7"/>
-    <p:sldId id="365" r:id="rId8"/>
-    <p:sldId id="387" r:id="rId9"/>
-    <p:sldId id="366" r:id="rId10"/>
-    <p:sldId id="367" r:id="rId11"/>
-    <p:sldId id="369" r:id="rId12"/>
-    <p:sldId id="372" r:id="rId13"/>
-    <p:sldId id="370" r:id="rId14"/>
-    <p:sldId id="377" r:id="rId15"/>
-    <p:sldId id="373" r:id="rId16"/>
-    <p:sldId id="374" r:id="rId17"/>
-    <p:sldId id="380" r:id="rId18"/>
-    <p:sldId id="388" r:id="rId19"/>
-    <p:sldId id="381" r:id="rId20"/>
-    <p:sldId id="389" r:id="rId21"/>
-    <p:sldId id="390" r:id="rId22"/>
-    <p:sldId id="392" r:id="rId23"/>
-    <p:sldId id="393" r:id="rId24"/>
-    <p:sldId id="383" r:id="rId25"/>
-    <p:sldId id="384" r:id="rId26"/>
-    <p:sldId id="385" r:id="rId27"/>
-    <p:sldId id="386" r:id="rId28"/>
+    <p:sldId id="349" r:id="rId5"/>
+    <p:sldId id="394" r:id="rId6"/>
+    <p:sldId id="365" r:id="rId7"/>
+    <p:sldId id="387" r:id="rId8"/>
+    <p:sldId id="366" r:id="rId9"/>
+    <p:sldId id="367" r:id="rId10"/>
+    <p:sldId id="369" r:id="rId11"/>
+    <p:sldId id="372" r:id="rId12"/>
+    <p:sldId id="370" r:id="rId13"/>
+    <p:sldId id="377" r:id="rId14"/>
+    <p:sldId id="373" r:id="rId15"/>
+    <p:sldId id="374" r:id="rId16"/>
+    <p:sldId id="380" r:id="rId17"/>
+    <p:sldId id="395" r:id="rId18"/>
+    <p:sldId id="381" r:id="rId19"/>
+    <p:sldId id="389" r:id="rId20"/>
+    <p:sldId id="390" r:id="rId21"/>
+    <p:sldId id="392" r:id="rId22"/>
+    <p:sldId id="393" r:id="rId23"/>
+    <p:sldId id="383" r:id="rId24"/>
+    <p:sldId id="384" r:id="rId25"/>
+    <p:sldId id="385" r:id="rId26"/>
+    <p:sldId id="386" r:id="rId27"/>
   </p:sldIdLst>
   <p:sldSz cx="12192000" cy="6858000"/>
   <p:notesSz cx="6858000" cy="9144000"/>
   <p:embeddedFontLst>
     <p:embeddedFont>
       <p:font typeface="Calibri" panose="020F0502020204030204" pitchFamily="34" charset="0"/>
-      <p:regular r:id="rId30"/>
-      <p:bold r:id="rId31"/>
-      <p:italic r:id="rId32"/>
-      <p:boldItalic r:id="rId33"/>
+      <p:regular r:id="rId29"/>
+      <p:bold r:id="rId30"/>
+      <p:italic r:id="rId31"/>
+      <p:boldItalic r:id="rId32"/>
     </p:embeddedFont>
     <p:embeddedFont>
       <p:font typeface="Consolas" panose="020B0609020204030204" pitchFamily="49" charset="0"/>
-      <p:regular r:id="rId34"/>
-      <p:bold r:id="rId35"/>
-      <p:italic r:id="rId36"/>
-      <p:boldItalic r:id="rId37"/>
+      <p:regular r:id="rId33"/>
+      <p:bold r:id="rId34"/>
+      <p:italic r:id="rId35"/>
+      <p:boldItalic r:id="rId36"/>
     </p:embeddedFont>
     <p:embeddedFont>
       <p:font typeface="Ink Free" panose="03080402000500000000" pitchFamily="66" charset="0"/>
-      <p:regular r:id="rId38"/>
+      <p:regular r:id="rId37"/>
     </p:embeddedFont>
     <p:embeddedFont>
       <p:font typeface="Verdana" panose="020B0604030504040204" pitchFamily="34" charset="0"/>
-      <p:regular r:id="rId39"/>
-      <p:bold r:id="rId40"/>
-      <p:italic r:id="rId41"/>
-      <p:boldItalic r:id="rId42"/>
+      <p:regular r:id="rId38"/>
+      <p:bold r:id="rId39"/>
+      <p:italic r:id="rId40"/>
+      <p:boldItalic r:id="rId41"/>
     </p:embeddedFont>
   </p:embeddedFontLst>
   <p:defaultTextStyle>
@@ -168,9 +167,8 @@
             <p14:sldId id="256"/>
             <p14:sldId id="302"/>
             <p14:sldId id="330"/>
-            <p14:sldId id="346"/>
             <p14:sldId id="349"/>
-            <p14:sldId id="353"/>
+            <p14:sldId id="394"/>
             <p14:sldId id="365"/>
             <p14:sldId id="387"/>
             <p14:sldId id="366"/>
@@ -182,7 +180,7 @@
             <p14:sldId id="373"/>
             <p14:sldId id="374"/>
             <p14:sldId id="380"/>
-            <p14:sldId id="388"/>
+            <p14:sldId id="395"/>
             <p14:sldId id="381"/>
             <p14:sldId id="389"/>
             <p14:sldId id="390"/>
@@ -4578,7 +4576,7 @@
               <a:rPr lang="en-US" altLang="en-US" dirty="0">
                 <a:sym typeface="Calibri" charset="0"/>
               </a:rPr>
-              <a:t>4.2: Promises That Fail</a:t>
+              <a:t>4.2: Writing functions with async/await</a:t>
             </a:r>
             <a:endParaRPr lang="en-US" sz="3200" dirty="0"/>
           </a:p>
@@ -4776,127 +4774,6 @@
           <p:cNvPr id="2" name="Title 1">
             <a:extLst>
               <a:ext uri="{FF2B5EF4-FFF2-40B4-BE49-F238E27FC236}">
-                <a16:creationId xmlns:a16="http://schemas.microsoft.com/office/drawing/2014/main" id="{32CA20D4-2727-4BB3-841F-E04211F3CE56}"/>
-              </a:ext>
-            </a:extLst>
-          </p:cNvPr>
-          <p:cNvSpPr>
-            <a:spLocks noGrp="1"/>
-          </p:cNvSpPr>
-          <p:nvPr>
-            <p:ph type="title"/>
-          </p:nvPr>
-        </p:nvSpPr>
-        <p:spPr/>
-        <p:txBody>
-          <a:bodyPr/>
-          <a:lstStyle/>
-          <a:p>
-            <a:r>
-              <a:rPr lang="en-US" dirty="0"/>
-              <a:t>What happened here?</a:t>
-            </a:r>
-          </a:p>
-        </p:txBody>
-      </p:sp>
-      <p:sp>
-        <p:nvSpPr>
-          <p:cNvPr id="3" name="Content Placeholder 2">
-            <a:extLst>
-              <a:ext uri="{FF2B5EF4-FFF2-40B4-BE49-F238E27FC236}">
-                <a16:creationId xmlns:a16="http://schemas.microsoft.com/office/drawing/2014/main" id="{F63C6E13-161A-430E-974C-C58B20ACA6DC}"/>
-              </a:ext>
-            </a:extLst>
-          </p:cNvPr>
-          <p:cNvSpPr>
-            <a:spLocks noGrp="1"/>
-          </p:cNvSpPr>
-          <p:nvPr>
-            <p:ph idx="1"/>
-          </p:nvPr>
-        </p:nvSpPr>
-        <p:spPr/>
-        <p:txBody>
-          <a:bodyPr/>
-          <a:lstStyle/>
-          <a:p>
-            <a:r>
-              <a:rPr lang="en-US" dirty="0"/>
-              <a:t>.then handlers only handle promises that succeed</a:t>
-            </a:r>
-          </a:p>
-          <a:p>
-            <a:r>
-              <a:rPr lang="en-US" dirty="0"/>
-              <a:t>To handle failure, you need a .catch() handler</a:t>
-            </a:r>
-          </a:p>
-        </p:txBody>
-      </p:sp>
-      <p:sp>
-        <p:nvSpPr>
-          <p:cNvPr id="4" name="Slide Number Placeholder 3">
-            <a:extLst>
-              <a:ext uri="{FF2B5EF4-FFF2-40B4-BE49-F238E27FC236}">
-                <a16:creationId xmlns:a16="http://schemas.microsoft.com/office/drawing/2014/main" id="{35AB5398-3202-49BA-8722-16B6EA0D50D5}"/>
-              </a:ext>
-            </a:extLst>
-          </p:cNvPr>
-          <p:cNvSpPr>
-            <a:spLocks noGrp="1"/>
-          </p:cNvSpPr>
-          <p:nvPr>
-            <p:ph type="sldNum" sz="quarter" idx="12"/>
-          </p:nvPr>
-        </p:nvSpPr>
-        <p:spPr/>
-        <p:txBody>
-          <a:bodyPr/>
-          <a:lstStyle/>
-          <a:p>
-            <a:fld id="{20F37917-FD3A-4669-9018-DA04BCDD3D75}" type="slidenum">
-              <a:rPr lang="en-US" smtClean="0"/>
-              <a:t>10</a:t>
-            </a:fld>
-            <a:endParaRPr lang="en-US"/>
-          </a:p>
-        </p:txBody>
-      </p:sp>
-    </p:spTree>
-    <p:extLst>
-      <p:ext uri="{BB962C8B-B14F-4D97-AF65-F5344CB8AC3E}">
-        <p14:creationId xmlns:p14="http://schemas.microsoft.com/office/powerpoint/2010/main" val="3244481782"/>
-      </p:ext>
-    </p:extLst>
-  </p:cSld>
-  <p:clrMapOvr>
-    <a:masterClrMapping/>
-  </p:clrMapOvr>
-</p:sld>
-</file>
-
-<file path=ppt/slides/slide11.xml><?xml version="1.0" encoding="utf-8"?>
-<p:sld xmlns:a="http://schemas.openxmlformats.org/drawingml/2006/main" xmlns:r="http://schemas.openxmlformats.org/officeDocument/2006/relationships" xmlns:p="http://schemas.openxmlformats.org/presentationml/2006/main">
-  <p:cSld>
-    <p:spTree>
-      <p:nvGrpSpPr>
-        <p:cNvPr id="1" name=""/>
-        <p:cNvGrpSpPr/>
-        <p:nvPr/>
-      </p:nvGrpSpPr>
-      <p:grpSpPr>
-        <a:xfrm>
-          <a:off x="0" y="0"/>
-          <a:ext cx="0" cy="0"/>
-          <a:chOff x="0" y="0"/>
-          <a:chExt cx="0" cy="0"/>
-        </a:xfrm>
-      </p:grpSpPr>
-      <p:sp>
-        <p:nvSpPr>
-          <p:cNvPr id="2" name="Title 1">
-            <a:extLst>
-              <a:ext uri="{FF2B5EF4-FFF2-40B4-BE49-F238E27FC236}">
                 <a16:creationId xmlns:a16="http://schemas.microsoft.com/office/drawing/2014/main" id="{322A97E2-3816-473F-8A93-13CB7D058F8B}"/>
               </a:ext>
             </a:extLst>
@@ -4943,7 +4820,7 @@
           <a:p>
             <a:fld id="{20F37917-FD3A-4669-9018-DA04BCDD3D75}" type="slidenum">
               <a:rPr lang="en-US" smtClean="0"/>
-              <a:t>11</a:t>
+              <a:t>10</a:t>
             </a:fld>
             <a:endParaRPr lang="en-US"/>
           </a:p>
@@ -5674,6 +5551,114 @@
           </a:p>
         </p:txBody>
       </p:sp>
+      <p:sp>
+        <p:nvSpPr>
+          <p:cNvPr id="8" name="Rectangle 7">
+            <a:extLst>
+              <a:ext uri="{FF2B5EF4-FFF2-40B4-BE49-F238E27FC236}">
+                <a16:creationId xmlns:a16="http://schemas.microsoft.com/office/drawing/2014/main" id="{E1C10BC4-3E37-4960-BA6E-5FFD654221F7}"/>
+              </a:ext>
+            </a:extLst>
+          </p:cNvPr>
+          <p:cNvSpPr/>
+          <p:nvPr/>
+        </p:nvSpPr>
+        <p:spPr>
+          <a:xfrm>
+            <a:off x="2898632" y="5037550"/>
+            <a:ext cx="2743199" cy="1683925"/>
+          </a:xfrm>
+          <a:prstGeom prst="rect">
+            <a:avLst/>
+          </a:prstGeom>
+          <a:solidFill>
+            <a:schemeClr val="accent2">
+              <a:lumMod val="20000"/>
+              <a:lumOff val="80000"/>
+            </a:schemeClr>
+          </a:solidFill>
+          <a:ln>
+            <a:solidFill>
+              <a:srgbClr val="0070C0"/>
+            </a:solidFill>
+          </a:ln>
+        </p:spPr>
+        <p:style>
+          <a:lnRef idx="2">
+            <a:schemeClr val="accent1">
+              <a:shade val="50000"/>
+            </a:schemeClr>
+          </a:lnRef>
+          <a:fillRef idx="1">
+            <a:schemeClr val="accent1"/>
+          </a:fillRef>
+          <a:effectRef idx="0">
+            <a:schemeClr val="accent1"/>
+          </a:effectRef>
+          <a:fontRef idx="minor">
+            <a:schemeClr val="lt1"/>
+          </a:fontRef>
+        </p:style>
+        <p:txBody>
+          <a:bodyPr rtlCol="0" anchor="t"/>
+          <a:lstStyle/>
+          <a:p>
+            <a:r>
+              <a:rPr lang="en-US" b="1" dirty="0">
+                <a:solidFill>
+                  <a:schemeClr val="tx1"/>
+                </a:solidFill>
+                <a:latin typeface="Ink Free" panose="03080402000500000000" pitchFamily="66" charset="0"/>
+              </a:rPr>
+              <a:t>'n' is bound to the rejection message produced by the promise, in this case, "promise2 was rejected."</a:t>
+            </a:r>
+          </a:p>
+        </p:txBody>
+      </p:sp>
+      <p:cxnSp>
+        <p:nvCxnSpPr>
+          <p:cNvPr id="10" name="Straight Arrow Connector 9">
+            <a:extLst>
+              <a:ext uri="{FF2B5EF4-FFF2-40B4-BE49-F238E27FC236}">
+                <a16:creationId xmlns:a16="http://schemas.microsoft.com/office/drawing/2014/main" id="{D6435051-83BE-4F4E-8F94-ECDEAD970D8A}"/>
+              </a:ext>
+            </a:extLst>
+          </p:cNvPr>
+          <p:cNvCxnSpPr>
+            <a:stCxn id="8" idx="0"/>
+          </p:cNvCxnSpPr>
+          <p:nvPr/>
+        </p:nvCxnSpPr>
+        <p:spPr>
+          <a:xfrm flipH="1" flipV="1">
+            <a:off x="1942088" y="4094570"/>
+            <a:ext cx="2328144" cy="942980"/>
+          </a:xfrm>
+          <a:prstGeom prst="straightConnector1">
+            <a:avLst/>
+          </a:prstGeom>
+          <a:ln w="12700">
+            <a:solidFill>
+              <a:schemeClr val="tx1"/>
+            </a:solidFill>
+            <a:tailEnd type="triangle"/>
+          </a:ln>
+        </p:spPr>
+        <p:style>
+          <a:lnRef idx="1">
+            <a:schemeClr val="accent1"/>
+          </a:lnRef>
+          <a:fillRef idx="0">
+            <a:schemeClr val="accent1"/>
+          </a:fillRef>
+          <a:effectRef idx="0">
+            <a:schemeClr val="accent1"/>
+          </a:effectRef>
+          <a:fontRef idx="minor">
+            <a:schemeClr val="tx1"/>
+          </a:fontRef>
+        </p:style>
+      </p:cxnSp>
     </p:spTree>
     <p:extLst>
       <p:ext uri="{BB962C8B-B14F-4D97-AF65-F5344CB8AC3E}">
@@ -5684,10 +5669,206 @@
   <p:clrMapOvr>
     <a:masterClrMapping/>
   </p:clrMapOvr>
+  <p:timing>
+    <p:tnLst>
+      <p:par>
+        <p:cTn id="1" dur="indefinite" restart="never" nodeType="tmRoot">
+          <p:childTnLst>
+            <p:seq concurrent="1" nextAc="seek">
+              <p:cTn id="2" dur="indefinite" nodeType="mainSeq">
+                <p:childTnLst>
+                  <p:par>
+                    <p:cTn id="3" fill="hold">
+                      <p:stCondLst>
+                        <p:cond delay="indefinite"/>
+                      </p:stCondLst>
+                      <p:childTnLst>
+                        <p:par>
+                          <p:cTn id="4" fill="hold">
+                            <p:stCondLst>
+                              <p:cond delay="0"/>
+                            </p:stCondLst>
+                            <p:childTnLst>
+                              <p:par>
+                                <p:cTn id="5" presetID="1" presetClass="entr" presetSubtype="0" fill="hold" grpId="0" nodeType="clickEffect">
+                                  <p:stCondLst>
+                                    <p:cond delay="0"/>
+                                  </p:stCondLst>
+                                  <p:childTnLst>
+                                    <p:set>
+                                      <p:cBhvr>
+                                        <p:cTn id="6" dur="1" fill="hold">
+                                          <p:stCondLst>
+                                            <p:cond delay="9"/>
+                                          </p:stCondLst>
+                                        </p:cTn>
+                                        <p:tgtEl>
+                                          <p:spTgt spid="8"/>
+                                        </p:tgtEl>
+                                        <p:attrNameLst>
+                                          <p:attrName>style.visibility</p:attrName>
+                                        </p:attrNameLst>
+                                      </p:cBhvr>
+                                      <p:to>
+                                        <p:strVal val="visible"/>
+                                      </p:to>
+                                    </p:set>
+                                  </p:childTnLst>
+                                </p:cTn>
+                              </p:par>
+                              <p:par>
+                                <p:cTn id="7" presetID="1" presetClass="entr" presetSubtype="0" fill="hold" nodeType="withEffect">
+                                  <p:stCondLst>
+                                    <p:cond delay="0"/>
+                                  </p:stCondLst>
+                                  <p:childTnLst>
+                                    <p:set>
+                                      <p:cBhvr>
+                                        <p:cTn id="8" dur="1" fill="hold">
+                                          <p:stCondLst>
+                                            <p:cond delay="0"/>
+                                          </p:stCondLst>
+                                        </p:cTn>
+                                        <p:tgtEl>
+                                          <p:spTgt spid="10"/>
+                                        </p:tgtEl>
+                                        <p:attrNameLst>
+                                          <p:attrName>style.visibility</p:attrName>
+                                        </p:attrNameLst>
+                                      </p:cBhvr>
+                                      <p:to>
+                                        <p:strVal val="visible"/>
+                                      </p:to>
+                                    </p:set>
+                                  </p:childTnLst>
+                                </p:cTn>
+                              </p:par>
+                            </p:childTnLst>
+                          </p:cTn>
+                        </p:par>
+                      </p:childTnLst>
+                    </p:cTn>
+                  </p:par>
+                  <p:par>
+                    <p:cTn id="9" fill="hold">
+                      <p:stCondLst>
+                        <p:cond delay="indefinite"/>
+                      </p:stCondLst>
+                      <p:childTnLst>
+                        <p:par>
+                          <p:cTn id="10" fill="hold">
+                            <p:stCondLst>
+                              <p:cond delay="0"/>
+                            </p:stCondLst>
+                            <p:childTnLst>
+                              <p:par>
+                                <p:cTn id="11" presetID="1" presetClass="entr" presetSubtype="0" fill="hold" grpId="0" nodeType="clickEffect">
+                                  <p:stCondLst>
+                                    <p:cond delay="0"/>
+                                  </p:stCondLst>
+                                  <p:childTnLst>
+                                    <p:set>
+                                      <p:cBhvr>
+                                        <p:cTn id="12" dur="1" fill="hold">
+                                          <p:stCondLst>
+                                            <p:cond delay="0"/>
+                                          </p:stCondLst>
+                                        </p:cTn>
+                                        <p:tgtEl>
+                                          <p:spTgt spid="7"/>
+                                        </p:tgtEl>
+                                        <p:attrNameLst>
+                                          <p:attrName>style.visibility</p:attrName>
+                                        </p:attrNameLst>
+                                      </p:cBhvr>
+                                      <p:to>
+                                        <p:strVal val="visible"/>
+                                      </p:to>
+                                    </p:set>
+                                  </p:childTnLst>
+                                </p:cTn>
+                              </p:par>
+                            </p:childTnLst>
+                          </p:cTn>
+                        </p:par>
+                        <p:par>
+                          <p:cTn id="13" fill="hold">
+                            <p:stCondLst>
+                              <p:cond delay="0"/>
+                            </p:stCondLst>
+                            <p:childTnLst>
+                              <p:par>
+                                <p:cTn id="14" presetID="10" presetClass="entr" presetSubtype="0" fill="hold" grpId="0" nodeType="afterEffect">
+                                  <p:stCondLst>
+                                    <p:cond delay="0"/>
+                                  </p:stCondLst>
+                                  <p:childTnLst>
+                                    <p:set>
+                                      <p:cBhvr>
+                                        <p:cTn id="15" dur="1" fill="hold">
+                                          <p:stCondLst>
+                                            <p:cond delay="0"/>
+                                          </p:stCondLst>
+                                        </p:cTn>
+                                        <p:tgtEl>
+                                          <p:spTgt spid="6"/>
+                                        </p:tgtEl>
+                                        <p:attrNameLst>
+                                          <p:attrName>style.visibility</p:attrName>
+                                        </p:attrNameLst>
+                                      </p:cBhvr>
+                                      <p:to>
+                                        <p:strVal val="visible"/>
+                                      </p:to>
+                                    </p:set>
+                                    <p:animEffect transition="in" filter="fade">
+                                      <p:cBhvr>
+                                        <p:cTn id="16" dur="750"/>
+                                        <p:tgtEl>
+                                          <p:spTgt spid="6"/>
+                                        </p:tgtEl>
+                                      </p:cBhvr>
+                                    </p:animEffect>
+                                  </p:childTnLst>
+                                </p:cTn>
+                              </p:par>
+                            </p:childTnLst>
+                          </p:cTn>
+                        </p:par>
+                      </p:childTnLst>
+                    </p:cTn>
+                  </p:par>
+                </p:childTnLst>
+              </p:cTn>
+              <p:prevCondLst>
+                <p:cond evt="onPrev" delay="0">
+                  <p:tgtEl>
+                    <p:sldTgt/>
+                  </p:tgtEl>
+                </p:cond>
+              </p:prevCondLst>
+              <p:nextCondLst>
+                <p:cond evt="onNext" delay="0">
+                  <p:tgtEl>
+                    <p:sldTgt/>
+                  </p:tgtEl>
+                </p:cond>
+              </p:nextCondLst>
+            </p:seq>
+          </p:childTnLst>
+        </p:cTn>
+      </p:par>
+    </p:tnLst>
+    <p:bldLst>
+      <p:bldP spid="7" grpId="0" animBg="1"/>
+      <p:bldP spid="6" grpId="0" animBg="1"/>
+      <p:bldP spid="8" grpId="0" animBg="1"/>
+    </p:bldLst>
+  </p:timing>
 </p:sld>
 </file>
 
-<file path=ppt/slides/slide12.xml><?xml version="1.0" encoding="utf-8"?>
+<file path=ppt/slides/slide11.xml><?xml version="1.0" encoding="utf-8"?>
 <p:sld xmlns:a="http://schemas.openxmlformats.org/drawingml/2006/main" xmlns:r="http://schemas.openxmlformats.org/officeDocument/2006/relationships" xmlns:p="http://schemas.openxmlformats.org/presentationml/2006/main">
   <p:cSld>
     <p:spTree>
@@ -5798,7 +5979,7 @@
           <a:p>
             <a:fld id="{20F37917-FD3A-4669-9018-DA04BCDD3D75}" type="slidenum">
               <a:rPr lang="en-US" smtClean="0"/>
-              <a:t>12</a:t>
+              <a:t>11</a:t>
             </a:fld>
             <a:endParaRPr lang="en-US"/>
           </a:p>
@@ -5817,7 +5998,7 @@
 </p:sld>
 </file>
 
-<file path=ppt/slides/slide13.xml><?xml version="1.0" encoding="utf-8"?>
+<file path=ppt/slides/slide12.xml><?xml version="1.0" encoding="utf-8"?>
 <p:sld xmlns:a="http://schemas.openxmlformats.org/drawingml/2006/main" xmlns:r="http://schemas.openxmlformats.org/officeDocument/2006/relationships" xmlns:p="http://schemas.openxmlformats.org/presentationml/2006/main">
   <p:cSld>
     <p:spTree>
@@ -6725,7 +6906,7 @@
           <a:p>
             <a:fld id="{20F37917-FD3A-4669-9018-DA04BCDD3D75}" type="slidenum">
               <a:rPr lang="en-US" smtClean="0"/>
-              <a:t>13</a:t>
+              <a:t>12</a:t>
             </a:fld>
             <a:endParaRPr lang="en-US"/>
           </a:p>
@@ -7158,6 +7339,122 @@
                                   </p:childTnLst>
                                 </p:cTn>
                               </p:par>
+                              <p:par>
+                                <p:cTn id="7" presetID="1" presetClass="entr" presetSubtype="0" fill="hold" nodeType="withEffect">
+                                  <p:stCondLst>
+                                    <p:cond delay="0"/>
+                                  </p:stCondLst>
+                                  <p:childTnLst>
+                                    <p:set>
+                                      <p:cBhvr>
+                                        <p:cTn id="8" dur="1" fill="hold">
+                                          <p:stCondLst>
+                                            <p:cond delay="0"/>
+                                          </p:stCondLst>
+                                        </p:cTn>
+                                        <p:tgtEl>
+                                          <p:spTgt spid="7"/>
+                                        </p:tgtEl>
+                                        <p:attrNameLst>
+                                          <p:attrName>style.visibility</p:attrName>
+                                        </p:attrNameLst>
+                                      </p:cBhvr>
+                                      <p:to>
+                                        <p:strVal val="visible"/>
+                                      </p:to>
+                                    </p:set>
+                                  </p:childTnLst>
+                                </p:cTn>
+                              </p:par>
+                            </p:childTnLst>
+                          </p:cTn>
+                        </p:par>
+                      </p:childTnLst>
+                    </p:cTn>
+                  </p:par>
+                  <p:par>
+                    <p:cTn id="9" fill="hold">
+                      <p:stCondLst>
+                        <p:cond delay="indefinite"/>
+                      </p:stCondLst>
+                      <p:childTnLst>
+                        <p:par>
+                          <p:cTn id="10" fill="hold">
+                            <p:stCondLst>
+                              <p:cond delay="0"/>
+                            </p:stCondLst>
+                            <p:childTnLst>
+                              <p:par>
+                                <p:cTn id="11" presetID="1" presetClass="entr" presetSubtype="0" fill="hold" grpId="0" nodeType="clickEffect">
+                                  <p:stCondLst>
+                                    <p:cond delay="0"/>
+                                  </p:stCondLst>
+                                  <p:childTnLst>
+                                    <p:set>
+                                      <p:cBhvr>
+                                        <p:cTn id="12" dur="1" fill="hold">
+                                          <p:stCondLst>
+                                            <p:cond delay="0"/>
+                                          </p:stCondLst>
+                                        </p:cTn>
+                                        <p:tgtEl>
+                                          <p:spTgt spid="15"/>
+                                        </p:tgtEl>
+                                        <p:attrNameLst>
+                                          <p:attrName>style.visibility</p:attrName>
+                                        </p:attrNameLst>
+                                      </p:cBhvr>
+                                      <p:to>
+                                        <p:strVal val="visible"/>
+                                      </p:to>
+                                    </p:set>
+                                  </p:childTnLst>
+                                </p:cTn>
+                              </p:par>
+                            </p:childTnLst>
+                          </p:cTn>
+                        </p:par>
+                        <p:par>
+                          <p:cTn id="13" fill="hold">
+                            <p:stCondLst>
+                              <p:cond delay="0"/>
+                            </p:stCondLst>
+                            <p:childTnLst>
+                              <p:par>
+                                <p:cTn id="14" presetID="10" presetClass="entr" presetSubtype="0" fill="hold" grpId="0" nodeType="afterEffect">
+                                  <p:stCondLst>
+                                    <p:cond delay="500"/>
+                                  </p:stCondLst>
+                                  <p:childTnLst>
+                                    <p:set>
+                                      <p:cBhvr>
+                                        <p:cTn id="15" dur="1" fill="hold">
+                                          <p:stCondLst>
+                                            <p:cond delay="0"/>
+                                          </p:stCondLst>
+                                        </p:cTn>
+                                        <p:tgtEl>
+                                          <p:spTgt spid="5"/>
+                                        </p:tgtEl>
+                                        <p:attrNameLst>
+                                          <p:attrName>style.visibility</p:attrName>
+                                        </p:attrNameLst>
+                                      </p:cBhvr>
+                                      <p:to>
+                                        <p:strVal val="visible"/>
+                                      </p:to>
+                                    </p:set>
+                                    <p:animEffect transition="in" filter="fade">
+                                      <p:cBhvr>
+                                        <p:cTn id="16" dur="1000"/>
+                                        <p:tgtEl>
+                                          <p:spTgt spid="5"/>
+                                        </p:tgtEl>
+                                      </p:cBhvr>
+                                    </p:animEffect>
+                                  </p:childTnLst>
+                                </p:cTn>
+                              </p:par>
                             </p:childTnLst>
                           </p:cTn>
                         </p:par>
@@ -7186,13 +7483,15 @@
       </p:par>
     </p:tnLst>
     <p:bldLst>
+      <p:bldP spid="5" grpId="0" animBg="1"/>
+      <p:bldP spid="15" grpId="0" animBg="1"/>
       <p:bldP spid="17" grpId="0" animBg="1"/>
     </p:bldLst>
   </p:timing>
 </p:sld>
 </file>
 
-<file path=ppt/slides/slide14.xml><?xml version="1.0" encoding="utf-8"?>
+<file path=ppt/slides/slide13.xml><?xml version="1.0" encoding="utf-8"?>
 <p:sld xmlns:a="http://schemas.openxmlformats.org/drawingml/2006/main" xmlns:r="http://schemas.openxmlformats.org/officeDocument/2006/relationships" xmlns:p="http://schemas.openxmlformats.org/presentationml/2006/main">
   <p:cSld>
     <p:spTree>
@@ -7260,7 +7559,7 @@
           <a:p>
             <a:fld id="{20F37917-FD3A-4669-9018-DA04BCDD3D75}" type="slidenum">
               <a:rPr lang="en-US" smtClean="0"/>
-              <a:t>14</a:t>
+              <a:t>13</a:t>
             </a:fld>
             <a:endParaRPr lang="en-US"/>
           </a:p>
@@ -7778,13 +8077,28 @@
                 </a:solidFill>
                 <a:latin typeface="Consolas" panose="020B0609020204030204" pitchFamily="49" charset="0"/>
               </a:rPr>
-              <a:t>            console.log(</a:t>
+              <a:t>            </a:t>
             </a:r>
             <a:r>
               <a:rPr lang="en-US" sz="1400" dirty="0">
                 <a:solidFill>
+                  <a:srgbClr val="000000"/>
+                </a:solidFill>
+                <a:highlight>
+                  <a:srgbClr val="FFFF00"/>
+                </a:highlight>
+                <a:latin typeface="Consolas" panose="020B0609020204030204" pitchFamily="49" charset="0"/>
+              </a:rPr>
+              <a:t>console.log(</a:t>
+            </a:r>
+            <a:r>
+              <a:rPr lang="en-US" sz="1400" dirty="0">
+                <a:solidFill>
                   <a:srgbClr val="A31515"/>
                 </a:solidFill>
+                <a:highlight>
+                  <a:srgbClr val="FFFF00"/>
+                </a:highlight>
                 <a:latin typeface="Consolas" panose="020B0609020204030204" pitchFamily="49" charset="0"/>
               </a:rPr>
               <a:t>`the then block of </a:t>
@@ -7794,6 +8108,9 @@
                 <a:solidFill>
                   <a:srgbClr val="0000FF"/>
                 </a:solidFill>
+                <a:highlight>
+                  <a:srgbClr val="FFFF00"/>
+                </a:highlight>
                 <a:latin typeface="Consolas" panose="020B0609020204030204" pitchFamily="49" charset="0"/>
               </a:rPr>
               <a:t>${</a:t>
@@ -7803,6 +8120,9 @@
                 <a:solidFill>
                   <a:srgbClr val="000000"/>
                 </a:solidFill>
+                <a:highlight>
+                  <a:srgbClr val="FFFF00"/>
+                </a:highlight>
                 <a:latin typeface="Consolas" panose="020B0609020204030204" pitchFamily="49" charset="0"/>
               </a:rPr>
               <a:t>promiseName</a:t>
@@ -7812,6 +8132,9 @@
                 <a:solidFill>
                   <a:srgbClr val="0000FF"/>
                 </a:solidFill>
+                <a:highlight>
+                  <a:srgbClr val="FFFF00"/>
+                </a:highlight>
                 <a:latin typeface="Consolas" panose="020B0609020204030204" pitchFamily="49" charset="0"/>
               </a:rPr>
               <a:t>}</a:t>
@@ -7821,6 +8144,9 @@
                 <a:solidFill>
                   <a:srgbClr val="A31515"/>
                 </a:solidFill>
+                <a:highlight>
+                  <a:srgbClr val="FFFF00"/>
+                </a:highlight>
                 <a:latin typeface="Consolas" panose="020B0609020204030204" pitchFamily="49" charset="0"/>
               </a:rPr>
               <a:t> will now throw an error`</a:t>
@@ -7830,6 +8156,9 @@
                 <a:solidFill>
                   <a:srgbClr val="000000"/>
                 </a:solidFill>
+                <a:highlight>
+                  <a:srgbClr val="FFFF00"/>
+                </a:highlight>
                 <a:latin typeface="Consolas" panose="020B0609020204030204" pitchFamily="49" charset="0"/>
               </a:rPr>
               <a:t>);</a:t>
@@ -7841,6 +8170,9 @@
                 <a:solidFill>
                   <a:srgbClr val="000000"/>
                 </a:solidFill>
+                <a:highlight>
+                  <a:srgbClr val="FFFF00"/>
+                </a:highlight>
                 <a:latin typeface="Consolas" panose="020B0609020204030204" pitchFamily="49" charset="0"/>
               </a:rPr>
               <a:t>            </a:t>
@@ -7850,6 +8182,9 @@
                 <a:solidFill>
                   <a:srgbClr val="0000FF"/>
                 </a:solidFill>
+                <a:highlight>
+                  <a:srgbClr val="FFFF00"/>
+                </a:highlight>
                 <a:latin typeface="Consolas" panose="020B0609020204030204" pitchFamily="49" charset="0"/>
               </a:rPr>
               <a:t>throw</a:t>
@@ -7859,6 +8194,9 @@
                 <a:solidFill>
                   <a:srgbClr val="000000"/>
                 </a:solidFill>
+                <a:highlight>
+                  <a:srgbClr val="FFFF00"/>
+                </a:highlight>
                 <a:latin typeface="Consolas" panose="020B0609020204030204" pitchFamily="49" charset="0"/>
               </a:rPr>
               <a:t> </a:t>
@@ -7868,6 +8206,9 @@
                 <a:solidFill>
                   <a:srgbClr val="0000FF"/>
                 </a:solidFill>
+                <a:highlight>
+                  <a:srgbClr val="FFFF00"/>
+                </a:highlight>
                 <a:latin typeface="Consolas" panose="020B0609020204030204" pitchFamily="49" charset="0"/>
               </a:rPr>
               <a:t>new</a:t>
@@ -7877,6 +8218,9 @@
                 <a:solidFill>
                   <a:srgbClr val="000000"/>
                 </a:solidFill>
+                <a:highlight>
+                  <a:srgbClr val="FFFF00"/>
+                </a:highlight>
                 <a:latin typeface="Consolas" panose="020B0609020204030204" pitchFamily="49" charset="0"/>
               </a:rPr>
               <a:t> Error(</a:t>
@@ -7886,6 +8230,9 @@
                 <a:solidFill>
                   <a:srgbClr val="A31515"/>
                 </a:solidFill>
+                <a:highlight>
+                  <a:srgbClr val="FFFF00"/>
+                </a:highlight>
                 <a:latin typeface="Consolas" panose="020B0609020204030204" pitchFamily="49" charset="0"/>
               </a:rPr>
               <a:t>"my error 1"</a:t>
@@ -7895,6 +8242,9 @@
                 <a:solidFill>
                   <a:srgbClr val="000000"/>
                 </a:solidFill>
+                <a:highlight>
+                  <a:srgbClr val="FFFF00"/>
+                </a:highlight>
                 <a:latin typeface="Consolas" panose="020B0609020204030204" pitchFamily="49" charset="0"/>
               </a:rPr>
               <a:t>)</a:t>
@@ -8497,7 +8847,7 @@
 </p:sld>
 </file>
 
-<file path=ppt/slides/slide15.xml><?xml version="1.0" encoding="utf-8"?>
+<file path=ppt/slides/slide14.xml><?xml version="1.0" encoding="utf-8"?>
 <p:sld xmlns:a="http://schemas.openxmlformats.org/drawingml/2006/main" xmlns:r="http://schemas.openxmlformats.org/officeDocument/2006/relationships" xmlns:p="http://schemas.openxmlformats.org/presentationml/2006/main">
   <p:cSld>
     <p:spTree>
@@ -8614,7 +8964,7 @@
           <a:p>
             <a:fld id="{20F37917-FD3A-4669-9018-DA04BCDD3D75}" type="slidenum">
               <a:rPr lang="en-US" smtClean="0"/>
-              <a:t>15</a:t>
+              <a:t>14</a:t>
             </a:fld>
             <a:endParaRPr lang="en-US"/>
           </a:p>
@@ -8920,7 +9270,7 @@
 </p:sld>
 </file>
 
-<file path=ppt/slides/slide16.xml><?xml version="1.0" encoding="utf-8"?>
+<file path=ppt/slides/slide15.xml><?xml version="1.0" encoding="utf-8"?>
 <p:sld xmlns:a="http://schemas.openxmlformats.org/drawingml/2006/main" xmlns:r="http://schemas.openxmlformats.org/officeDocument/2006/relationships" xmlns:p="http://schemas.openxmlformats.org/presentationml/2006/main">
   <p:cSld>
     <p:spTree>
@@ -9050,7 +9400,7 @@
           <a:p>
             <a:fld id="{20F37917-FD3A-4669-9018-DA04BCDD3D75}" type="slidenum">
               <a:rPr lang="en-US" smtClean="0"/>
-              <a:t>16</a:t>
+              <a:t>15</a:t>
             </a:fld>
             <a:endParaRPr lang="en-US"/>
           </a:p>
@@ -9069,7 +9419,7 @@
 </p:sld>
 </file>
 
-<file path=ppt/slides/slide17.xml><?xml version="1.0" encoding="utf-8"?>
+<file path=ppt/slides/slide16.xml><?xml version="1.0" encoding="utf-8"?>
 <p:sld xmlns:a="http://schemas.openxmlformats.org/drawingml/2006/main" xmlns:r="http://schemas.openxmlformats.org/officeDocument/2006/relationships" xmlns:p="http://schemas.openxmlformats.org/presentationml/2006/main">
   <p:cSld>
     <p:spTree>
@@ -9137,7 +9487,7 @@
           <a:p>
             <a:fld id="{20F37917-FD3A-4669-9018-DA04BCDD3D75}" type="slidenum">
               <a:rPr lang="en-US" smtClean="0"/>
-              <a:t>17</a:t>
+              <a:t>16</a:t>
             </a:fld>
             <a:endParaRPr lang="en-US"/>
           </a:p>
@@ -9157,8 +9507,8 @@
         </p:nvSpPr>
         <p:spPr>
           <a:xfrm>
-            <a:off x="838200" y="1555036"/>
-            <a:ext cx="8305800" cy="5078313"/>
+            <a:off x="1882073" y="1555036"/>
+            <a:ext cx="8305800" cy="2862322"/>
           </a:xfrm>
           <a:prstGeom prst="rect">
             <a:avLst/>
@@ -9237,6 +9587,149 @@
               </a:rPr>
               <a:t>promiseReturningFunction</a:t>
             </a:r>
+            <a:r>
+              <a:rPr lang="en-US" dirty="0">
+                <a:solidFill>
+                  <a:srgbClr val="000000"/>
+                </a:solidFill>
+                <a:latin typeface="Consolas" panose="020B0609020204030204" pitchFamily="49" charset="0"/>
+              </a:rPr>
+              <a:t>()</a:t>
+            </a:r>
+          </a:p>
+          <a:p>
+            <a:r>
+              <a:rPr lang="en-US" dirty="0">
+                <a:solidFill>
+                  <a:srgbClr val="000000"/>
+                </a:solidFill>
+                <a:latin typeface="Consolas" panose="020B0609020204030204" pitchFamily="49" charset="0"/>
+              </a:rPr>
+              <a:t>        .then(value </a:t>
+            </a:r>
+            <a:r>
+              <a:rPr lang="en-US" dirty="0">
+                <a:solidFill>
+                  <a:srgbClr val="0000FF"/>
+                </a:solidFill>
+                <a:latin typeface="Consolas" panose="020B0609020204030204" pitchFamily="49" charset="0"/>
+              </a:rPr>
+              <a:t>=&gt;</a:t>
+            </a:r>
+            <a:r>
+              <a:rPr lang="en-US" dirty="0" err="1">
+                <a:solidFill>
+                  <a:srgbClr val="000000"/>
+                </a:solidFill>
+                <a:latin typeface="Consolas" panose="020B0609020204030204" pitchFamily="49" charset="0"/>
+              </a:rPr>
+              <a:t>onSuccess</a:t>
+            </a:r>
+            <a:r>
+              <a:rPr lang="en-US" dirty="0">
+                <a:solidFill>
+                  <a:srgbClr val="000000"/>
+                </a:solidFill>
+                <a:latin typeface="Consolas" panose="020B0609020204030204" pitchFamily="49" charset="0"/>
+              </a:rPr>
+              <a:t>(value))</a:t>
+            </a:r>
+          </a:p>
+          <a:p>
+            <a:r>
+              <a:rPr lang="en-US" dirty="0">
+                <a:solidFill>
+                  <a:srgbClr val="000000"/>
+                </a:solidFill>
+                <a:latin typeface="Consolas" panose="020B0609020204030204" pitchFamily="49" charset="0"/>
+              </a:rPr>
+              <a:t>        .catch(</a:t>
+            </a:r>
+            <a:r>
+              <a:rPr lang="en-US" dirty="0" err="1">
+                <a:solidFill>
+                  <a:srgbClr val="000000"/>
+                </a:solidFill>
+                <a:latin typeface="Consolas" panose="020B0609020204030204" pitchFamily="49" charset="0"/>
+              </a:rPr>
+              <a:t>errmsg</a:t>
+            </a:r>
+            <a:r>
+              <a:rPr lang="en-US" dirty="0">
+                <a:solidFill>
+                  <a:srgbClr val="000000"/>
+                </a:solidFill>
+                <a:latin typeface="Consolas" panose="020B0609020204030204" pitchFamily="49" charset="0"/>
+              </a:rPr>
+              <a:t> </a:t>
+            </a:r>
+            <a:r>
+              <a:rPr lang="en-US" dirty="0">
+                <a:solidFill>
+                  <a:srgbClr val="0000FF"/>
+                </a:solidFill>
+                <a:latin typeface="Consolas" panose="020B0609020204030204" pitchFamily="49" charset="0"/>
+              </a:rPr>
+              <a:t>=&gt;</a:t>
+            </a:r>
+            <a:r>
+              <a:rPr lang="en-US" dirty="0">
+                <a:solidFill>
+                  <a:srgbClr val="000000"/>
+                </a:solidFill>
+                <a:latin typeface="Consolas" panose="020B0609020204030204" pitchFamily="49" charset="0"/>
+              </a:rPr>
+              <a:t> </a:t>
+            </a:r>
+            <a:r>
+              <a:rPr lang="en-US" dirty="0" err="1">
+                <a:solidFill>
+                  <a:srgbClr val="000000"/>
+                </a:solidFill>
+                <a:latin typeface="Consolas" panose="020B0609020204030204" pitchFamily="49" charset="0"/>
+              </a:rPr>
+              <a:t>onFailure</a:t>
+            </a:r>
+            <a:r>
+              <a:rPr lang="en-US" dirty="0">
+                <a:solidFill>
+                  <a:srgbClr val="000000"/>
+                </a:solidFill>
+                <a:latin typeface="Consolas" panose="020B0609020204030204" pitchFamily="49" charset="0"/>
+              </a:rPr>
+              <a:t>(</a:t>
+            </a:r>
+            <a:r>
+              <a:rPr lang="en-US" dirty="0" err="1">
+                <a:solidFill>
+                  <a:srgbClr val="000000"/>
+                </a:solidFill>
+                <a:latin typeface="Consolas" panose="020B0609020204030204" pitchFamily="49" charset="0"/>
+              </a:rPr>
+              <a:t>errmsg</a:t>
+            </a:r>
+            <a:r>
+              <a:rPr lang="en-US" dirty="0">
+                <a:solidFill>
+                  <a:srgbClr val="000000"/>
+                </a:solidFill>
+                <a:latin typeface="Consolas" panose="020B0609020204030204" pitchFamily="49" charset="0"/>
+              </a:rPr>
+              <a:t>))</a:t>
+            </a:r>
+          </a:p>
+          <a:p>
+            <a:r>
+              <a:rPr lang="en-US" dirty="0">
+                <a:solidFill>
+                  <a:srgbClr val="000000"/>
+                </a:solidFill>
+                <a:latin typeface="Consolas" panose="020B0609020204030204" pitchFamily="49" charset="0"/>
+              </a:rPr>
+              <a:t>}</a:t>
+            </a:r>
+          </a:p>
+          <a:p>
             <a:endParaRPr lang="en-US" dirty="0">
               <a:solidFill>
                 <a:srgbClr val="000000"/>
@@ -9245,138 +9738,6 @@
             </a:endParaRPr>
           </a:p>
           <a:p>
-            <a:r>
-              <a:rPr lang="en-US" dirty="0">
-                <a:solidFill>
-                  <a:srgbClr val="000000"/>
-                </a:solidFill>
-                <a:latin typeface="Consolas" panose="020B0609020204030204" pitchFamily="49" charset="0"/>
-              </a:rPr>
-              <a:t>        .then(value </a:t>
-            </a:r>
-            <a:r>
-              <a:rPr lang="en-US" dirty="0">
-                <a:solidFill>
-                  <a:srgbClr val="0000FF"/>
-                </a:solidFill>
-                <a:latin typeface="Consolas" panose="020B0609020204030204" pitchFamily="49" charset="0"/>
-              </a:rPr>
-              <a:t>=&gt;</a:t>
-            </a:r>
-            <a:r>
-              <a:rPr lang="en-US" dirty="0" err="1">
-                <a:solidFill>
-                  <a:srgbClr val="000000"/>
-                </a:solidFill>
-                <a:latin typeface="Consolas" panose="020B0609020204030204" pitchFamily="49" charset="0"/>
-              </a:rPr>
-              <a:t>onSuccess</a:t>
-            </a:r>
-            <a:r>
-              <a:rPr lang="en-US" dirty="0">
-                <a:solidFill>
-                  <a:srgbClr val="000000"/>
-                </a:solidFill>
-                <a:latin typeface="Consolas" panose="020B0609020204030204" pitchFamily="49" charset="0"/>
-              </a:rPr>
-              <a:t>(value))</a:t>
-            </a:r>
-          </a:p>
-          <a:p>
-            <a:r>
-              <a:rPr lang="en-US" dirty="0">
-                <a:solidFill>
-                  <a:srgbClr val="000000"/>
-                </a:solidFill>
-                <a:latin typeface="Consolas" panose="020B0609020204030204" pitchFamily="49" charset="0"/>
-              </a:rPr>
-              <a:t>        .catch(</a:t>
-            </a:r>
-            <a:r>
-              <a:rPr lang="en-US" dirty="0" err="1">
-                <a:solidFill>
-                  <a:srgbClr val="000000"/>
-                </a:solidFill>
-                <a:latin typeface="Consolas" panose="020B0609020204030204" pitchFamily="49" charset="0"/>
-              </a:rPr>
-              <a:t>errmsg</a:t>
-            </a:r>
-            <a:r>
-              <a:rPr lang="en-US" dirty="0">
-                <a:solidFill>
-                  <a:srgbClr val="000000"/>
-                </a:solidFill>
-                <a:latin typeface="Consolas" panose="020B0609020204030204" pitchFamily="49" charset="0"/>
-              </a:rPr>
-              <a:t> </a:t>
-            </a:r>
-            <a:r>
-              <a:rPr lang="en-US" dirty="0">
-                <a:solidFill>
-                  <a:srgbClr val="0000FF"/>
-                </a:solidFill>
-                <a:latin typeface="Consolas" panose="020B0609020204030204" pitchFamily="49" charset="0"/>
-              </a:rPr>
-              <a:t>=&gt;</a:t>
-            </a:r>
-            <a:r>
-              <a:rPr lang="en-US" dirty="0">
-                <a:solidFill>
-                  <a:srgbClr val="000000"/>
-                </a:solidFill>
-                <a:latin typeface="Consolas" panose="020B0609020204030204" pitchFamily="49" charset="0"/>
-              </a:rPr>
-              <a:t> </a:t>
-            </a:r>
-            <a:r>
-              <a:rPr lang="en-US" dirty="0" err="1">
-                <a:solidFill>
-                  <a:srgbClr val="000000"/>
-                </a:solidFill>
-                <a:latin typeface="Consolas" panose="020B0609020204030204" pitchFamily="49" charset="0"/>
-              </a:rPr>
-              <a:t>onFailure</a:t>
-            </a:r>
-            <a:r>
-              <a:rPr lang="en-US" dirty="0">
-                <a:solidFill>
-                  <a:srgbClr val="000000"/>
-                </a:solidFill>
-                <a:latin typeface="Consolas" panose="020B0609020204030204" pitchFamily="49" charset="0"/>
-              </a:rPr>
-              <a:t>(</a:t>
-            </a:r>
-            <a:r>
-              <a:rPr lang="en-US" dirty="0" err="1">
-                <a:solidFill>
-                  <a:srgbClr val="000000"/>
-                </a:solidFill>
-                <a:latin typeface="Consolas" panose="020B0609020204030204" pitchFamily="49" charset="0"/>
-              </a:rPr>
-              <a:t>errmsg</a:t>
-            </a:r>
-            <a:r>
-              <a:rPr lang="en-US" dirty="0">
-                <a:solidFill>
-                  <a:srgbClr val="000000"/>
-                </a:solidFill>
-                <a:latin typeface="Consolas" panose="020B0609020204030204" pitchFamily="49" charset="0"/>
-              </a:rPr>
-              <a:t>))</a:t>
-            </a:r>
-          </a:p>
-          <a:p>
-            <a:r>
-              <a:rPr lang="en-US" dirty="0">
-                <a:solidFill>
-                  <a:srgbClr val="000000"/>
-                </a:solidFill>
-                <a:latin typeface="Consolas" panose="020B0609020204030204" pitchFamily="49" charset="0"/>
-              </a:rPr>
-              <a:t>}</a:t>
-            </a:r>
-          </a:p>
-          <a:p>
             <a:endParaRPr lang="en-US" dirty="0">
               <a:solidFill>
                 <a:srgbClr val="000000"/>
@@ -9385,14 +9746,6 @@
             </a:endParaRPr>
           </a:p>
           <a:p>
-            <a:endParaRPr lang="en-US" dirty="0">
-              <a:solidFill>
-                <a:srgbClr val="000000"/>
-              </a:solidFill>
-              <a:latin typeface="Consolas" panose="020B0609020204030204" pitchFamily="49" charset="0"/>
-            </a:endParaRPr>
-          </a:p>
-          <a:p>
             <a:br>
               <a:rPr lang="en-US" dirty="0">
                 <a:solidFill>
@@ -9401,310 +9754,6 @@
                 <a:latin typeface="Consolas" panose="020B0609020204030204" pitchFamily="49" charset="0"/>
               </a:rPr>
             </a:br>
-            <a:r>
-              <a:rPr lang="en-US" dirty="0">
-                <a:solidFill>
-                  <a:srgbClr val="0000FF"/>
-                </a:solidFill>
-                <a:latin typeface="Consolas" panose="020B0609020204030204" pitchFamily="49" charset="0"/>
-              </a:rPr>
-              <a:t>async</a:t>
-            </a:r>
-            <a:r>
-              <a:rPr lang="en-US" dirty="0">
-                <a:solidFill>
-                  <a:srgbClr val="000000"/>
-                </a:solidFill>
-                <a:latin typeface="Consolas" panose="020B0609020204030204" pitchFamily="49" charset="0"/>
-              </a:rPr>
-              <a:t> </a:t>
-            </a:r>
-            <a:r>
-              <a:rPr lang="en-US" dirty="0">
-                <a:solidFill>
-                  <a:srgbClr val="0000FF"/>
-                </a:solidFill>
-                <a:latin typeface="Consolas" panose="020B0609020204030204" pitchFamily="49" charset="0"/>
-              </a:rPr>
-              <a:t>function</a:t>
-            </a:r>
-            <a:r>
-              <a:rPr lang="en-US" dirty="0">
-                <a:solidFill>
-                  <a:srgbClr val="000000"/>
-                </a:solidFill>
-                <a:latin typeface="Consolas" panose="020B0609020204030204" pitchFamily="49" charset="0"/>
-              </a:rPr>
-              <a:t> f {</a:t>
-            </a:r>
-          </a:p>
-          <a:p>
-            <a:r>
-              <a:rPr lang="en-US" dirty="0">
-                <a:solidFill>
-                  <a:srgbClr val="000000"/>
-                </a:solidFill>
-                <a:latin typeface="Consolas" panose="020B0609020204030204" pitchFamily="49" charset="0"/>
-              </a:rPr>
-              <a:t>    </a:t>
-            </a:r>
-            <a:r>
-              <a:rPr lang="en-US" dirty="0">
-                <a:solidFill>
-                  <a:srgbClr val="0000FF"/>
-                </a:solidFill>
-                <a:latin typeface="Consolas" panose="020B0609020204030204" pitchFamily="49" charset="0"/>
-              </a:rPr>
-              <a:t>try</a:t>
-            </a:r>
-            <a:r>
-              <a:rPr lang="en-US" dirty="0">
-                <a:solidFill>
-                  <a:srgbClr val="000000"/>
-                </a:solidFill>
-                <a:latin typeface="Consolas" panose="020B0609020204030204" pitchFamily="49" charset="0"/>
-              </a:rPr>
-              <a:t> {</a:t>
-            </a:r>
-          </a:p>
-          <a:p>
-            <a:r>
-              <a:rPr lang="en-US" dirty="0">
-                <a:solidFill>
-                  <a:srgbClr val="000000"/>
-                </a:solidFill>
-                <a:latin typeface="Consolas" panose="020B0609020204030204" pitchFamily="49" charset="0"/>
-              </a:rPr>
-              <a:t>        </a:t>
-            </a:r>
-            <a:r>
-              <a:rPr lang="en-US" dirty="0" err="1">
-                <a:solidFill>
-                  <a:srgbClr val="000000"/>
-                </a:solidFill>
-                <a:latin typeface="Consolas" panose="020B0609020204030204" pitchFamily="49" charset="0"/>
-              </a:rPr>
-              <a:t>doThisNow</a:t>
-            </a:r>
-            <a:r>
-              <a:rPr lang="en-US" dirty="0">
-                <a:solidFill>
-                  <a:srgbClr val="000000"/>
-                </a:solidFill>
-                <a:latin typeface="Consolas" panose="020B0609020204030204" pitchFamily="49" charset="0"/>
-              </a:rPr>
-              <a:t>()</a:t>
-            </a:r>
-          </a:p>
-          <a:p>
-            <a:r>
-              <a:rPr lang="en-US" dirty="0">
-                <a:solidFill>
-                  <a:srgbClr val="000000"/>
-                </a:solidFill>
-                <a:latin typeface="Consolas" panose="020B0609020204030204" pitchFamily="49" charset="0"/>
-              </a:rPr>
-              <a:t>        </a:t>
-            </a:r>
-            <a:r>
-              <a:rPr lang="en-US" dirty="0">
-                <a:solidFill>
-                  <a:srgbClr val="0000FF"/>
-                </a:solidFill>
-                <a:latin typeface="Consolas" panose="020B0609020204030204" pitchFamily="49" charset="0"/>
-              </a:rPr>
-              <a:t>const</a:t>
-            </a:r>
-            <a:r>
-              <a:rPr lang="en-US" dirty="0">
-                <a:solidFill>
-                  <a:srgbClr val="000000"/>
-                </a:solidFill>
-                <a:latin typeface="Consolas" panose="020B0609020204030204" pitchFamily="49" charset="0"/>
-              </a:rPr>
-              <a:t> value = </a:t>
-            </a:r>
-            <a:r>
-              <a:rPr lang="en-US" dirty="0">
-                <a:solidFill>
-                  <a:srgbClr val="0000FF"/>
-                </a:solidFill>
-                <a:latin typeface="Consolas" panose="020B0609020204030204" pitchFamily="49" charset="0"/>
-              </a:rPr>
-              <a:t>await</a:t>
-            </a:r>
-            <a:r>
-              <a:rPr lang="en-US" dirty="0">
-                <a:solidFill>
-                  <a:srgbClr val="000000"/>
-                </a:solidFill>
-                <a:latin typeface="Consolas" panose="020B0609020204030204" pitchFamily="49" charset="0"/>
-              </a:rPr>
-              <a:t> </a:t>
-            </a:r>
-            <a:r>
-              <a:rPr lang="en-US" dirty="0" err="1">
-                <a:solidFill>
-                  <a:srgbClr val="000000"/>
-                </a:solidFill>
-                <a:latin typeface="Consolas" panose="020B0609020204030204" pitchFamily="49" charset="0"/>
-              </a:rPr>
-              <a:t>promiseReturningFunction</a:t>
-            </a:r>
-            <a:r>
-              <a:rPr lang="en-US" dirty="0">
-                <a:solidFill>
-                  <a:srgbClr val="000000"/>
-                </a:solidFill>
-                <a:latin typeface="Consolas" panose="020B0609020204030204" pitchFamily="49" charset="0"/>
-              </a:rPr>
-              <a:t>()</a:t>
-            </a:r>
-          </a:p>
-          <a:p>
-            <a:r>
-              <a:rPr lang="en-US" dirty="0">
-                <a:solidFill>
-                  <a:srgbClr val="000000"/>
-                </a:solidFill>
-                <a:latin typeface="Consolas" panose="020B0609020204030204" pitchFamily="49" charset="0"/>
-              </a:rPr>
-              <a:t>        </a:t>
-            </a:r>
-            <a:r>
-              <a:rPr lang="en-US" dirty="0" err="1">
-                <a:solidFill>
-                  <a:srgbClr val="000000"/>
-                </a:solidFill>
-                <a:latin typeface="Consolas" panose="020B0609020204030204" pitchFamily="49" charset="0"/>
-              </a:rPr>
-              <a:t>onSuccess</a:t>
-            </a:r>
-            <a:r>
-              <a:rPr lang="en-US" dirty="0">
-                <a:solidFill>
-                  <a:srgbClr val="000000"/>
-                </a:solidFill>
-                <a:latin typeface="Consolas" panose="020B0609020204030204" pitchFamily="49" charset="0"/>
-              </a:rPr>
-              <a:t>(value)</a:t>
-            </a:r>
-          </a:p>
-          <a:p>
-            <a:r>
-              <a:rPr lang="en-US" dirty="0">
-                <a:solidFill>
-                  <a:srgbClr val="000000"/>
-                </a:solidFill>
-                <a:latin typeface="Consolas" panose="020B0609020204030204" pitchFamily="49" charset="0"/>
-              </a:rPr>
-              <a:t>    } </a:t>
-            </a:r>
-            <a:r>
-              <a:rPr lang="en-US" dirty="0">
-                <a:solidFill>
-                  <a:srgbClr val="0000FF"/>
-                </a:solidFill>
-                <a:latin typeface="Consolas" panose="020B0609020204030204" pitchFamily="49" charset="0"/>
-              </a:rPr>
-              <a:t>catch</a:t>
-            </a:r>
-            <a:r>
-              <a:rPr lang="en-US" dirty="0">
-                <a:solidFill>
-                  <a:srgbClr val="000000"/>
-                </a:solidFill>
-                <a:latin typeface="Consolas" panose="020B0609020204030204" pitchFamily="49" charset="0"/>
-              </a:rPr>
-              <a:t> (</a:t>
-            </a:r>
-            <a:r>
-              <a:rPr lang="en-US" dirty="0" err="1">
-                <a:solidFill>
-                  <a:srgbClr val="000000"/>
-                </a:solidFill>
-                <a:latin typeface="Consolas" panose="020B0609020204030204" pitchFamily="49" charset="0"/>
-              </a:rPr>
-              <a:t>errmsg</a:t>
-            </a:r>
-            <a:r>
-              <a:rPr lang="en-US" dirty="0">
-                <a:solidFill>
-                  <a:srgbClr val="000000"/>
-                </a:solidFill>
-                <a:latin typeface="Consolas" panose="020B0609020204030204" pitchFamily="49" charset="0"/>
-              </a:rPr>
-              <a:t>) {</a:t>
-            </a:r>
-          </a:p>
-          <a:p>
-            <a:r>
-              <a:rPr lang="en-US" dirty="0">
-                <a:solidFill>
-                  <a:srgbClr val="000000"/>
-                </a:solidFill>
-                <a:latin typeface="Consolas" panose="020B0609020204030204" pitchFamily="49" charset="0"/>
-              </a:rPr>
-              <a:t>        </a:t>
-            </a:r>
-            <a:r>
-              <a:rPr lang="en-US" dirty="0" err="1">
-                <a:solidFill>
-                  <a:srgbClr val="000000"/>
-                </a:solidFill>
-                <a:latin typeface="Consolas" panose="020B0609020204030204" pitchFamily="49" charset="0"/>
-              </a:rPr>
-              <a:t>onFailure</a:t>
-            </a:r>
-            <a:r>
-              <a:rPr lang="en-US" dirty="0">
-                <a:solidFill>
-                  <a:srgbClr val="000000"/>
-                </a:solidFill>
-                <a:latin typeface="Consolas" panose="020B0609020204030204" pitchFamily="49" charset="0"/>
-              </a:rPr>
-              <a:t>(</a:t>
-            </a:r>
-            <a:r>
-              <a:rPr lang="en-US" dirty="0" err="1">
-                <a:solidFill>
-                  <a:srgbClr val="000000"/>
-                </a:solidFill>
-                <a:latin typeface="Consolas" panose="020B0609020204030204" pitchFamily="49" charset="0"/>
-              </a:rPr>
-              <a:t>errmsg</a:t>
-            </a:r>
-            <a:r>
-              <a:rPr lang="en-US" dirty="0">
-                <a:solidFill>
-                  <a:srgbClr val="000000"/>
-                </a:solidFill>
-                <a:latin typeface="Consolas" panose="020B0609020204030204" pitchFamily="49" charset="0"/>
-              </a:rPr>
-              <a:t>)</a:t>
-            </a:r>
-          </a:p>
-          <a:p>
-            <a:r>
-              <a:rPr lang="en-US" dirty="0">
-                <a:solidFill>
-                  <a:srgbClr val="000000"/>
-                </a:solidFill>
-                <a:latin typeface="Consolas" panose="020B0609020204030204" pitchFamily="49" charset="0"/>
-              </a:rPr>
-              <a:t>    }</a:t>
-            </a:r>
-          </a:p>
-          <a:p>
-            <a:r>
-              <a:rPr lang="en-US" dirty="0">
-                <a:solidFill>
-                  <a:srgbClr val="000000"/>
-                </a:solidFill>
-                <a:latin typeface="Consolas" panose="020B0609020204030204" pitchFamily="49" charset="0"/>
-              </a:rPr>
-              <a:t>}</a:t>
-            </a:r>
             <a:endParaRPr lang="en-US" b="0" dirty="0">
               <a:solidFill>
                 <a:srgbClr val="000000"/>
@@ -9729,7 +9778,7 @@
         </p:nvGrpSpPr>
         <p:grpSpPr>
           <a:xfrm>
-            <a:off x="3399106" y="4415837"/>
+            <a:off x="4556268" y="4092904"/>
             <a:ext cx="5744894" cy="646331"/>
             <a:chOff x="6358597" y="2625933"/>
             <a:chExt cx="5744894" cy="646331"/>
@@ -9845,7 +9894,7 @@
         </p:nvGrpSpPr>
         <p:grpSpPr>
           <a:xfrm>
-            <a:off x="6096000" y="4937298"/>
+            <a:off x="7253162" y="4614365"/>
             <a:ext cx="3335223" cy="1677573"/>
             <a:chOff x="6250745" y="2198077"/>
             <a:chExt cx="3335223" cy="1677573"/>
@@ -9961,7 +10010,7 @@
         </p:nvSpPr>
         <p:spPr>
           <a:xfrm>
-            <a:off x="38461" y="4754771"/>
+            <a:off x="38461" y="4668985"/>
             <a:ext cx="1600424" cy="752621"/>
           </a:xfrm>
           <a:prstGeom prst="rightArrow">
@@ -10095,7 +10144,7 @@
         </p:nvGrpSpPr>
         <p:grpSpPr>
           <a:xfrm>
-            <a:off x="3094306" y="1735937"/>
+            <a:off x="4138179" y="1735937"/>
             <a:ext cx="5744894" cy="646331"/>
             <a:chOff x="6358597" y="2625933"/>
             <a:chExt cx="5744894" cy="646331"/>
@@ -10211,7 +10260,7 @@
         </p:nvGrpSpPr>
         <p:grpSpPr>
           <a:xfrm>
-            <a:off x="6096000" y="2227863"/>
+            <a:off x="7139873" y="2227863"/>
             <a:ext cx="3335223" cy="1677573"/>
             <a:chOff x="6250745" y="2198077"/>
             <a:chExt cx="3335223" cy="1677573"/>
@@ -10377,6 +10426,341 @@
           </a:p>
         </p:txBody>
       </p:sp>
+      <p:sp>
+        <p:nvSpPr>
+          <p:cNvPr id="3" name="Rectangle 2">
+            <a:extLst>
+              <a:ext uri="{FF2B5EF4-FFF2-40B4-BE49-F238E27FC236}">
+                <a16:creationId xmlns:a16="http://schemas.microsoft.com/office/drawing/2014/main" id="{CACF1746-5077-4DD2-9884-7871D1F86614}"/>
+              </a:ext>
+            </a:extLst>
+          </p:cNvPr>
+          <p:cNvSpPr/>
+          <p:nvPr/>
+        </p:nvSpPr>
+        <p:spPr>
+          <a:xfrm>
+            <a:off x="1882073" y="3747192"/>
+            <a:ext cx="7011074" cy="2585323"/>
+          </a:xfrm>
+          <a:prstGeom prst="rect">
+            <a:avLst/>
+          </a:prstGeom>
+        </p:spPr>
+        <p:txBody>
+          <a:bodyPr wrap="square">
+            <a:spAutoFit/>
+          </a:bodyPr>
+          <a:lstStyle/>
+          <a:p>
+            <a:r>
+              <a:rPr lang="en-US" dirty="0">
+                <a:solidFill>
+                  <a:srgbClr val="0000FF"/>
+                </a:solidFill>
+                <a:latin typeface="Consolas" panose="020B0609020204030204" pitchFamily="49" charset="0"/>
+              </a:rPr>
+              <a:t>async</a:t>
+            </a:r>
+            <a:r>
+              <a:rPr lang="en-US" dirty="0">
+                <a:solidFill>
+                  <a:srgbClr val="000000"/>
+                </a:solidFill>
+                <a:latin typeface="Consolas" panose="020B0609020204030204" pitchFamily="49" charset="0"/>
+              </a:rPr>
+              <a:t> </a:t>
+            </a:r>
+            <a:r>
+              <a:rPr lang="en-US" dirty="0">
+                <a:solidFill>
+                  <a:srgbClr val="0000FF"/>
+                </a:solidFill>
+                <a:latin typeface="Consolas" panose="020B0609020204030204" pitchFamily="49" charset="0"/>
+              </a:rPr>
+              <a:t>function</a:t>
+            </a:r>
+            <a:r>
+              <a:rPr lang="en-US" dirty="0">
+                <a:solidFill>
+                  <a:srgbClr val="000000"/>
+                </a:solidFill>
+                <a:latin typeface="Consolas" panose="020B0609020204030204" pitchFamily="49" charset="0"/>
+              </a:rPr>
+              <a:t> f {</a:t>
+            </a:r>
+          </a:p>
+          <a:p>
+            <a:r>
+              <a:rPr lang="en-US" dirty="0">
+                <a:solidFill>
+                  <a:srgbClr val="000000"/>
+                </a:solidFill>
+                <a:latin typeface="Consolas" panose="020B0609020204030204" pitchFamily="49" charset="0"/>
+              </a:rPr>
+              <a:t>    </a:t>
+            </a:r>
+            <a:r>
+              <a:rPr lang="en-US" dirty="0">
+                <a:solidFill>
+                  <a:srgbClr val="0000FF"/>
+                </a:solidFill>
+                <a:latin typeface="Consolas" panose="020B0609020204030204" pitchFamily="49" charset="0"/>
+              </a:rPr>
+              <a:t>try</a:t>
+            </a:r>
+            <a:r>
+              <a:rPr lang="en-US" dirty="0">
+                <a:solidFill>
+                  <a:srgbClr val="000000"/>
+                </a:solidFill>
+                <a:latin typeface="Consolas" panose="020B0609020204030204" pitchFamily="49" charset="0"/>
+              </a:rPr>
+              <a:t> {</a:t>
+            </a:r>
+          </a:p>
+          <a:p>
+            <a:r>
+              <a:rPr lang="en-US" dirty="0">
+                <a:solidFill>
+                  <a:srgbClr val="000000"/>
+                </a:solidFill>
+                <a:latin typeface="Consolas" panose="020B0609020204030204" pitchFamily="49" charset="0"/>
+              </a:rPr>
+              <a:t>        </a:t>
+            </a:r>
+            <a:r>
+              <a:rPr lang="en-US" dirty="0" err="1">
+                <a:solidFill>
+                  <a:srgbClr val="000000"/>
+                </a:solidFill>
+                <a:latin typeface="Consolas" panose="020B0609020204030204" pitchFamily="49" charset="0"/>
+              </a:rPr>
+              <a:t>doThisNow</a:t>
+            </a:r>
+            <a:r>
+              <a:rPr lang="en-US" dirty="0">
+                <a:solidFill>
+                  <a:srgbClr val="000000"/>
+                </a:solidFill>
+                <a:latin typeface="Consolas" panose="020B0609020204030204" pitchFamily="49" charset="0"/>
+              </a:rPr>
+              <a:t>()</a:t>
+            </a:r>
+          </a:p>
+          <a:p>
+            <a:r>
+              <a:rPr lang="en-US" dirty="0">
+                <a:solidFill>
+                  <a:srgbClr val="000000"/>
+                </a:solidFill>
+                <a:latin typeface="Consolas" panose="020B0609020204030204" pitchFamily="49" charset="0"/>
+              </a:rPr>
+              <a:t>        </a:t>
+            </a:r>
+            <a:r>
+              <a:rPr lang="en-US" dirty="0">
+                <a:solidFill>
+                  <a:srgbClr val="0000FF"/>
+                </a:solidFill>
+                <a:latin typeface="Consolas" panose="020B0609020204030204" pitchFamily="49" charset="0"/>
+              </a:rPr>
+              <a:t>const</a:t>
+            </a:r>
+            <a:r>
+              <a:rPr lang="en-US" dirty="0">
+                <a:solidFill>
+                  <a:srgbClr val="000000"/>
+                </a:solidFill>
+                <a:latin typeface="Consolas" panose="020B0609020204030204" pitchFamily="49" charset="0"/>
+              </a:rPr>
+              <a:t> value = </a:t>
+            </a:r>
+            <a:r>
+              <a:rPr lang="en-US" dirty="0">
+                <a:solidFill>
+                  <a:srgbClr val="0000FF"/>
+                </a:solidFill>
+                <a:latin typeface="Consolas" panose="020B0609020204030204" pitchFamily="49" charset="0"/>
+              </a:rPr>
+              <a:t>await</a:t>
+            </a:r>
+            <a:r>
+              <a:rPr lang="en-US" dirty="0">
+                <a:solidFill>
+                  <a:srgbClr val="000000"/>
+                </a:solidFill>
+                <a:latin typeface="Consolas" panose="020B0609020204030204" pitchFamily="49" charset="0"/>
+              </a:rPr>
+              <a:t> </a:t>
+            </a:r>
+            <a:r>
+              <a:rPr lang="en-US" dirty="0" err="1">
+                <a:solidFill>
+                  <a:srgbClr val="000000"/>
+                </a:solidFill>
+                <a:latin typeface="Consolas" panose="020B0609020204030204" pitchFamily="49" charset="0"/>
+              </a:rPr>
+              <a:t>promiseReturningFunction</a:t>
+            </a:r>
+            <a:r>
+              <a:rPr lang="en-US" dirty="0">
+                <a:solidFill>
+                  <a:srgbClr val="000000"/>
+                </a:solidFill>
+                <a:latin typeface="Consolas" panose="020B0609020204030204" pitchFamily="49" charset="0"/>
+              </a:rPr>
+              <a:t>()</a:t>
+            </a:r>
+          </a:p>
+          <a:p>
+            <a:r>
+              <a:rPr lang="en-US" dirty="0">
+                <a:solidFill>
+                  <a:srgbClr val="000000"/>
+                </a:solidFill>
+                <a:latin typeface="Consolas" panose="020B0609020204030204" pitchFamily="49" charset="0"/>
+              </a:rPr>
+              <a:t>        </a:t>
+            </a:r>
+            <a:r>
+              <a:rPr lang="en-US" dirty="0" err="1">
+                <a:solidFill>
+                  <a:srgbClr val="000000"/>
+                </a:solidFill>
+                <a:latin typeface="Consolas" panose="020B0609020204030204" pitchFamily="49" charset="0"/>
+              </a:rPr>
+              <a:t>onSuccess</a:t>
+            </a:r>
+            <a:r>
+              <a:rPr lang="en-US" dirty="0">
+                <a:solidFill>
+                  <a:srgbClr val="000000"/>
+                </a:solidFill>
+                <a:latin typeface="Consolas" panose="020B0609020204030204" pitchFamily="49" charset="0"/>
+              </a:rPr>
+              <a:t>(value)</a:t>
+            </a:r>
+          </a:p>
+          <a:p>
+            <a:r>
+              <a:rPr lang="en-US" dirty="0">
+                <a:solidFill>
+                  <a:srgbClr val="000000"/>
+                </a:solidFill>
+                <a:latin typeface="Consolas" panose="020B0609020204030204" pitchFamily="49" charset="0"/>
+              </a:rPr>
+              <a:t>    } </a:t>
+            </a:r>
+            <a:r>
+              <a:rPr lang="en-US" dirty="0">
+                <a:solidFill>
+                  <a:srgbClr val="0000FF"/>
+                </a:solidFill>
+                <a:latin typeface="Consolas" panose="020B0609020204030204" pitchFamily="49" charset="0"/>
+              </a:rPr>
+              <a:t>catch</a:t>
+            </a:r>
+            <a:r>
+              <a:rPr lang="en-US" dirty="0">
+                <a:solidFill>
+                  <a:srgbClr val="000000"/>
+                </a:solidFill>
+                <a:latin typeface="Consolas" panose="020B0609020204030204" pitchFamily="49" charset="0"/>
+              </a:rPr>
+              <a:t> (</a:t>
+            </a:r>
+            <a:r>
+              <a:rPr lang="en-US" dirty="0" err="1">
+                <a:solidFill>
+                  <a:srgbClr val="000000"/>
+                </a:solidFill>
+                <a:latin typeface="Consolas" panose="020B0609020204030204" pitchFamily="49" charset="0"/>
+              </a:rPr>
+              <a:t>errmsg</a:t>
+            </a:r>
+            <a:r>
+              <a:rPr lang="en-US" dirty="0">
+                <a:solidFill>
+                  <a:srgbClr val="000000"/>
+                </a:solidFill>
+                <a:latin typeface="Consolas" panose="020B0609020204030204" pitchFamily="49" charset="0"/>
+              </a:rPr>
+              <a:t>) {</a:t>
+            </a:r>
+          </a:p>
+          <a:p>
+            <a:r>
+              <a:rPr lang="en-US" dirty="0">
+                <a:solidFill>
+                  <a:srgbClr val="000000"/>
+                </a:solidFill>
+                <a:latin typeface="Consolas" panose="020B0609020204030204" pitchFamily="49" charset="0"/>
+              </a:rPr>
+              <a:t>        </a:t>
+            </a:r>
+            <a:r>
+              <a:rPr lang="en-US" dirty="0" err="1">
+                <a:solidFill>
+                  <a:srgbClr val="000000"/>
+                </a:solidFill>
+                <a:latin typeface="Consolas" panose="020B0609020204030204" pitchFamily="49" charset="0"/>
+              </a:rPr>
+              <a:t>onFailure</a:t>
+            </a:r>
+            <a:r>
+              <a:rPr lang="en-US" dirty="0">
+                <a:solidFill>
+                  <a:srgbClr val="000000"/>
+                </a:solidFill>
+                <a:latin typeface="Consolas" panose="020B0609020204030204" pitchFamily="49" charset="0"/>
+              </a:rPr>
+              <a:t>(</a:t>
+            </a:r>
+            <a:r>
+              <a:rPr lang="en-US" dirty="0" err="1">
+                <a:solidFill>
+                  <a:srgbClr val="000000"/>
+                </a:solidFill>
+                <a:latin typeface="Consolas" panose="020B0609020204030204" pitchFamily="49" charset="0"/>
+              </a:rPr>
+              <a:t>errmsg</a:t>
+            </a:r>
+            <a:r>
+              <a:rPr lang="en-US" dirty="0">
+                <a:solidFill>
+                  <a:srgbClr val="000000"/>
+                </a:solidFill>
+                <a:latin typeface="Consolas" panose="020B0609020204030204" pitchFamily="49" charset="0"/>
+              </a:rPr>
+              <a:t>)</a:t>
+            </a:r>
+          </a:p>
+          <a:p>
+            <a:r>
+              <a:rPr lang="en-US" dirty="0">
+                <a:solidFill>
+                  <a:srgbClr val="000000"/>
+                </a:solidFill>
+                <a:latin typeface="Consolas" panose="020B0609020204030204" pitchFamily="49" charset="0"/>
+              </a:rPr>
+              <a:t>    }</a:t>
+            </a:r>
+          </a:p>
+          <a:p>
+            <a:r>
+              <a:rPr lang="en-US" dirty="0">
+                <a:solidFill>
+                  <a:srgbClr val="000000"/>
+                </a:solidFill>
+                <a:latin typeface="Consolas" panose="020B0609020204030204" pitchFamily="49" charset="0"/>
+              </a:rPr>
+              <a:t>}</a:t>
+            </a:r>
+            <a:endParaRPr lang="en-US" dirty="0"/>
+          </a:p>
+        </p:txBody>
+      </p:sp>
     </p:spTree>
     <p:extLst>
       <p:ext uri="{BB962C8B-B14F-4D97-AF65-F5344CB8AC3E}">
@@ -10387,10 +10771,251 @@
   <p:clrMapOvr>
     <a:masterClrMapping/>
   </p:clrMapOvr>
+  <p:timing>
+    <p:tnLst>
+      <p:par>
+        <p:cTn id="1" dur="indefinite" restart="never" nodeType="tmRoot">
+          <p:childTnLst>
+            <p:seq concurrent="1" nextAc="seek">
+              <p:cTn id="2" dur="indefinite" nodeType="mainSeq">
+                <p:childTnLst>
+                  <p:par>
+                    <p:cTn id="3" fill="hold">
+                      <p:stCondLst>
+                        <p:cond delay="indefinite"/>
+                      </p:stCondLst>
+                      <p:childTnLst>
+                        <p:par>
+                          <p:cTn id="4" fill="hold">
+                            <p:stCondLst>
+                              <p:cond delay="0"/>
+                            </p:stCondLst>
+                            <p:childTnLst>
+                              <p:par>
+                                <p:cTn id="5" presetID="1" presetClass="entr" presetSubtype="0" fill="hold" grpId="0" nodeType="clickEffect">
+                                  <p:stCondLst>
+                                    <p:cond delay="0"/>
+                                  </p:stCondLst>
+                                  <p:childTnLst>
+                                    <p:set>
+                                      <p:cBhvr>
+                                        <p:cTn id="6" dur="1" fill="hold">
+                                          <p:stCondLst>
+                                            <p:cond delay="0"/>
+                                          </p:stCondLst>
+                                        </p:cTn>
+                                        <p:tgtEl>
+                                          <p:spTgt spid="15"/>
+                                        </p:tgtEl>
+                                        <p:attrNameLst>
+                                          <p:attrName>style.visibility</p:attrName>
+                                        </p:attrNameLst>
+                                      </p:cBhvr>
+                                      <p:to>
+                                        <p:strVal val="visible"/>
+                                      </p:to>
+                                    </p:set>
+                                  </p:childTnLst>
+                                </p:cTn>
+                              </p:par>
+                              <p:par>
+                                <p:cTn id="7" presetID="1" presetClass="entr" presetSubtype="0" fill="hold" grpId="0" nodeType="withEffect">
+                                  <p:stCondLst>
+                                    <p:cond delay="0"/>
+                                  </p:stCondLst>
+                                  <p:childTnLst>
+                                    <p:set>
+                                      <p:cBhvr>
+                                        <p:cTn id="8" dur="1" fill="hold">
+                                          <p:stCondLst>
+                                            <p:cond delay="0"/>
+                                          </p:stCondLst>
+                                        </p:cTn>
+                                        <p:tgtEl>
+                                          <p:spTgt spid="14"/>
+                                        </p:tgtEl>
+                                        <p:attrNameLst>
+                                          <p:attrName>style.visibility</p:attrName>
+                                        </p:attrNameLst>
+                                      </p:cBhvr>
+                                      <p:to>
+                                        <p:strVal val="visible"/>
+                                      </p:to>
+                                    </p:set>
+                                  </p:childTnLst>
+                                </p:cTn>
+                              </p:par>
+                            </p:childTnLst>
+                          </p:cTn>
+                        </p:par>
+                      </p:childTnLst>
+                    </p:cTn>
+                  </p:par>
+                  <p:par>
+                    <p:cTn id="9" fill="hold">
+                      <p:stCondLst>
+                        <p:cond delay="indefinite"/>
+                      </p:stCondLst>
+                      <p:childTnLst>
+                        <p:par>
+                          <p:cTn id="10" fill="hold">
+                            <p:stCondLst>
+                              <p:cond delay="0"/>
+                            </p:stCondLst>
+                            <p:childTnLst>
+                              <p:par>
+                                <p:cTn id="11" presetID="10" presetClass="entr" presetSubtype="0" fill="hold" grpId="0" nodeType="clickEffect">
+                                  <p:stCondLst>
+                                    <p:cond delay="0"/>
+                                  </p:stCondLst>
+                                  <p:childTnLst>
+                                    <p:set>
+                                      <p:cBhvr>
+                                        <p:cTn id="12" dur="1" fill="hold">
+                                          <p:stCondLst>
+                                            <p:cond delay="0"/>
+                                          </p:stCondLst>
+                                        </p:cTn>
+                                        <p:tgtEl>
+                                          <p:spTgt spid="3"/>
+                                        </p:tgtEl>
+                                        <p:attrNameLst>
+                                          <p:attrName>style.visibility</p:attrName>
+                                        </p:attrNameLst>
+                                      </p:cBhvr>
+                                      <p:to>
+                                        <p:strVal val="visible"/>
+                                      </p:to>
+                                    </p:set>
+                                    <p:animEffect transition="in" filter="fade">
+                                      <p:cBhvr>
+                                        <p:cTn id="13" dur="500"/>
+                                        <p:tgtEl>
+                                          <p:spTgt spid="3"/>
+                                        </p:tgtEl>
+                                      </p:cBhvr>
+                                    </p:animEffect>
+                                  </p:childTnLst>
+                                </p:cTn>
+                              </p:par>
+                            </p:childTnLst>
+                          </p:cTn>
+                        </p:par>
+                      </p:childTnLst>
+                    </p:cTn>
+                  </p:par>
+                  <p:par>
+                    <p:cTn id="14" fill="hold">
+                      <p:stCondLst>
+                        <p:cond delay="indefinite"/>
+                      </p:stCondLst>
+                      <p:childTnLst>
+                        <p:par>
+                          <p:cTn id="15" fill="hold">
+                            <p:stCondLst>
+                              <p:cond delay="0"/>
+                            </p:stCondLst>
+                            <p:childTnLst>
+                              <p:par>
+                                <p:cTn id="16" presetID="1" presetClass="entr" presetSubtype="0" fill="hold" nodeType="clickEffect">
+                                  <p:stCondLst>
+                                    <p:cond delay="0"/>
+                                  </p:stCondLst>
+                                  <p:childTnLst>
+                                    <p:set>
+                                      <p:cBhvr>
+                                        <p:cTn id="17" dur="1" fill="hold">
+                                          <p:stCondLst>
+                                            <p:cond delay="0"/>
+                                          </p:stCondLst>
+                                        </p:cTn>
+                                        <p:tgtEl>
+                                          <p:spTgt spid="9"/>
+                                        </p:tgtEl>
+                                        <p:attrNameLst>
+                                          <p:attrName>style.visibility</p:attrName>
+                                        </p:attrNameLst>
+                                      </p:cBhvr>
+                                      <p:to>
+                                        <p:strVal val="visible"/>
+                                      </p:to>
+                                    </p:set>
+                                  </p:childTnLst>
+                                </p:cTn>
+                              </p:par>
+                            </p:childTnLst>
+                          </p:cTn>
+                        </p:par>
+                        <p:par>
+                          <p:cTn id="18" fill="hold">
+                            <p:stCondLst>
+                              <p:cond delay="0"/>
+                            </p:stCondLst>
+                            <p:childTnLst>
+                              <p:par>
+                                <p:cTn id="19" presetID="1" presetClass="entr" presetSubtype="0" fill="hold" nodeType="afterEffect">
+                                  <p:stCondLst>
+                                    <p:cond delay="0"/>
+                                  </p:stCondLst>
+                                  <p:childTnLst>
+                                    <p:set>
+                                      <p:cBhvr>
+                                        <p:cTn id="20" dur="1" fill="hold">
+                                          <p:stCondLst>
+                                            <p:cond delay="0"/>
+                                          </p:stCondLst>
+                                        </p:cTn>
+                                        <p:tgtEl>
+                                          <p:spTgt spid="13"/>
+                                        </p:tgtEl>
+                                        <p:attrNameLst>
+                                          <p:attrName>style.visibility</p:attrName>
+                                        </p:attrNameLst>
+                                      </p:cBhvr>
+                                      <p:to>
+                                        <p:strVal val="visible"/>
+                                      </p:to>
+                                    </p:set>
+                                  </p:childTnLst>
+                                </p:cTn>
+                              </p:par>
+                            </p:childTnLst>
+                          </p:cTn>
+                        </p:par>
+                      </p:childTnLst>
+                    </p:cTn>
+                  </p:par>
+                </p:childTnLst>
+              </p:cTn>
+              <p:prevCondLst>
+                <p:cond evt="onPrev" delay="0">
+                  <p:tgtEl>
+                    <p:sldTgt/>
+                  </p:tgtEl>
+                </p:cond>
+              </p:prevCondLst>
+              <p:nextCondLst>
+                <p:cond evt="onNext" delay="0">
+                  <p:tgtEl>
+                    <p:sldTgt/>
+                  </p:tgtEl>
+                </p:cond>
+              </p:nextCondLst>
+            </p:seq>
+          </p:childTnLst>
+        </p:cTn>
+      </p:par>
+    </p:tnLst>
+    <p:bldLst>
+      <p:bldP spid="14" grpId="0" animBg="1"/>
+      <p:bldP spid="15" grpId="0" animBg="1"/>
+      <p:bldP spid="3" grpId="0"/>
+    </p:bldLst>
+  </p:timing>
 </p:sld>
 </file>
 
-<file path=ppt/slides/slide18.xml><?xml version="1.0" encoding="utf-8"?>
+<file path=ppt/slides/slide17.xml><?xml version="1.0" encoding="utf-8"?>
 <p:sld xmlns:a="http://schemas.openxmlformats.org/drawingml/2006/main" xmlns:r="http://schemas.openxmlformats.org/officeDocument/2006/relationships" xmlns:p="http://schemas.openxmlformats.org/presentationml/2006/main">
   <p:cSld>
     <p:spTree>
@@ -10458,7 +11083,7 @@
           <a:p>
             <a:fld id="{20F37917-FD3A-4669-9018-DA04BCDD3D75}" type="slidenum">
               <a:rPr lang="en-US" smtClean="0"/>
-              <a:t>18</a:t>
+              <a:t>17</a:t>
             </a:fld>
             <a:endParaRPr lang="en-US"/>
           </a:p>
@@ -10478,8 +11103,8 @@
         </p:nvSpPr>
         <p:spPr>
           <a:xfrm>
-            <a:off x="838200" y="1555036"/>
-            <a:ext cx="8305800" cy="5078313"/>
+            <a:off x="1882073" y="1555036"/>
+            <a:ext cx="8305800" cy="2862322"/>
           </a:xfrm>
           <a:prstGeom prst="rect">
             <a:avLst/>
@@ -10558,6 +11183,149 @@
               </a:rPr>
               <a:t>promiseReturningFunction</a:t>
             </a:r>
+            <a:r>
+              <a:rPr lang="en-US" dirty="0">
+                <a:solidFill>
+                  <a:srgbClr val="000000"/>
+                </a:solidFill>
+                <a:latin typeface="Consolas" panose="020B0609020204030204" pitchFamily="49" charset="0"/>
+              </a:rPr>
+              <a:t>()</a:t>
+            </a:r>
+          </a:p>
+          <a:p>
+            <a:r>
+              <a:rPr lang="en-US" dirty="0">
+                <a:solidFill>
+                  <a:srgbClr val="000000"/>
+                </a:solidFill>
+                <a:latin typeface="Consolas" panose="020B0609020204030204" pitchFamily="49" charset="0"/>
+              </a:rPr>
+              <a:t>        .then(value </a:t>
+            </a:r>
+            <a:r>
+              <a:rPr lang="en-US" dirty="0">
+                <a:solidFill>
+                  <a:srgbClr val="0000FF"/>
+                </a:solidFill>
+                <a:latin typeface="Consolas" panose="020B0609020204030204" pitchFamily="49" charset="0"/>
+              </a:rPr>
+              <a:t>=&gt;</a:t>
+            </a:r>
+            <a:r>
+              <a:rPr lang="en-US" dirty="0" err="1">
+                <a:solidFill>
+                  <a:srgbClr val="000000"/>
+                </a:solidFill>
+                <a:latin typeface="Consolas" panose="020B0609020204030204" pitchFamily="49" charset="0"/>
+              </a:rPr>
+              <a:t>onSuccess</a:t>
+            </a:r>
+            <a:r>
+              <a:rPr lang="en-US" dirty="0">
+                <a:solidFill>
+                  <a:srgbClr val="000000"/>
+                </a:solidFill>
+                <a:latin typeface="Consolas" panose="020B0609020204030204" pitchFamily="49" charset="0"/>
+              </a:rPr>
+              <a:t>(value))</a:t>
+            </a:r>
+          </a:p>
+          <a:p>
+            <a:r>
+              <a:rPr lang="en-US" dirty="0">
+                <a:solidFill>
+                  <a:srgbClr val="000000"/>
+                </a:solidFill>
+                <a:latin typeface="Consolas" panose="020B0609020204030204" pitchFamily="49" charset="0"/>
+              </a:rPr>
+              <a:t>        .catch(</a:t>
+            </a:r>
+            <a:r>
+              <a:rPr lang="en-US" dirty="0" err="1">
+                <a:solidFill>
+                  <a:srgbClr val="000000"/>
+                </a:solidFill>
+                <a:latin typeface="Consolas" panose="020B0609020204030204" pitchFamily="49" charset="0"/>
+              </a:rPr>
+              <a:t>errmsg</a:t>
+            </a:r>
+            <a:r>
+              <a:rPr lang="en-US" dirty="0">
+                <a:solidFill>
+                  <a:srgbClr val="000000"/>
+                </a:solidFill>
+                <a:latin typeface="Consolas" panose="020B0609020204030204" pitchFamily="49" charset="0"/>
+              </a:rPr>
+              <a:t> </a:t>
+            </a:r>
+            <a:r>
+              <a:rPr lang="en-US" dirty="0">
+                <a:solidFill>
+                  <a:srgbClr val="0000FF"/>
+                </a:solidFill>
+                <a:latin typeface="Consolas" panose="020B0609020204030204" pitchFamily="49" charset="0"/>
+              </a:rPr>
+              <a:t>=&gt;</a:t>
+            </a:r>
+            <a:r>
+              <a:rPr lang="en-US" dirty="0">
+                <a:solidFill>
+                  <a:srgbClr val="000000"/>
+                </a:solidFill>
+                <a:latin typeface="Consolas" panose="020B0609020204030204" pitchFamily="49" charset="0"/>
+              </a:rPr>
+              <a:t> </a:t>
+            </a:r>
+            <a:r>
+              <a:rPr lang="en-US" dirty="0" err="1">
+                <a:solidFill>
+                  <a:srgbClr val="000000"/>
+                </a:solidFill>
+                <a:latin typeface="Consolas" panose="020B0609020204030204" pitchFamily="49" charset="0"/>
+              </a:rPr>
+              <a:t>onFailure</a:t>
+            </a:r>
+            <a:r>
+              <a:rPr lang="en-US" dirty="0">
+                <a:solidFill>
+                  <a:srgbClr val="000000"/>
+                </a:solidFill>
+                <a:latin typeface="Consolas" panose="020B0609020204030204" pitchFamily="49" charset="0"/>
+              </a:rPr>
+              <a:t>(</a:t>
+            </a:r>
+            <a:r>
+              <a:rPr lang="en-US" dirty="0" err="1">
+                <a:solidFill>
+                  <a:srgbClr val="000000"/>
+                </a:solidFill>
+                <a:latin typeface="Consolas" panose="020B0609020204030204" pitchFamily="49" charset="0"/>
+              </a:rPr>
+              <a:t>errmsg</a:t>
+            </a:r>
+            <a:r>
+              <a:rPr lang="en-US" dirty="0">
+                <a:solidFill>
+                  <a:srgbClr val="000000"/>
+                </a:solidFill>
+                <a:latin typeface="Consolas" panose="020B0609020204030204" pitchFamily="49" charset="0"/>
+              </a:rPr>
+              <a:t>))</a:t>
+            </a:r>
+          </a:p>
+          <a:p>
+            <a:r>
+              <a:rPr lang="en-US" dirty="0">
+                <a:solidFill>
+                  <a:srgbClr val="000000"/>
+                </a:solidFill>
+                <a:latin typeface="Consolas" panose="020B0609020204030204" pitchFamily="49" charset="0"/>
+              </a:rPr>
+              <a:t>}</a:t>
+            </a:r>
+          </a:p>
+          <a:p>
             <a:endParaRPr lang="en-US" dirty="0">
               <a:solidFill>
                 <a:srgbClr val="000000"/>
@@ -10566,138 +11334,6 @@
             </a:endParaRPr>
           </a:p>
           <a:p>
-            <a:r>
-              <a:rPr lang="en-US" dirty="0">
-                <a:solidFill>
-                  <a:srgbClr val="000000"/>
-                </a:solidFill>
-                <a:latin typeface="Consolas" panose="020B0609020204030204" pitchFamily="49" charset="0"/>
-              </a:rPr>
-              <a:t>        .then(value </a:t>
-            </a:r>
-            <a:r>
-              <a:rPr lang="en-US" dirty="0">
-                <a:solidFill>
-                  <a:srgbClr val="0000FF"/>
-                </a:solidFill>
-                <a:latin typeface="Consolas" panose="020B0609020204030204" pitchFamily="49" charset="0"/>
-              </a:rPr>
-              <a:t>=&gt;</a:t>
-            </a:r>
-            <a:r>
-              <a:rPr lang="en-US" dirty="0" err="1">
-                <a:solidFill>
-                  <a:srgbClr val="000000"/>
-                </a:solidFill>
-                <a:latin typeface="Consolas" panose="020B0609020204030204" pitchFamily="49" charset="0"/>
-              </a:rPr>
-              <a:t>onSuccess</a:t>
-            </a:r>
-            <a:r>
-              <a:rPr lang="en-US" dirty="0">
-                <a:solidFill>
-                  <a:srgbClr val="000000"/>
-                </a:solidFill>
-                <a:latin typeface="Consolas" panose="020B0609020204030204" pitchFamily="49" charset="0"/>
-              </a:rPr>
-              <a:t>(value))</a:t>
-            </a:r>
-          </a:p>
-          <a:p>
-            <a:r>
-              <a:rPr lang="en-US" dirty="0">
-                <a:solidFill>
-                  <a:srgbClr val="000000"/>
-                </a:solidFill>
-                <a:latin typeface="Consolas" panose="020B0609020204030204" pitchFamily="49" charset="0"/>
-              </a:rPr>
-              <a:t>        .catch(</a:t>
-            </a:r>
-            <a:r>
-              <a:rPr lang="en-US" dirty="0" err="1">
-                <a:solidFill>
-                  <a:srgbClr val="000000"/>
-                </a:solidFill>
-                <a:latin typeface="Consolas" panose="020B0609020204030204" pitchFamily="49" charset="0"/>
-              </a:rPr>
-              <a:t>errmsg</a:t>
-            </a:r>
-            <a:r>
-              <a:rPr lang="en-US" dirty="0">
-                <a:solidFill>
-                  <a:srgbClr val="000000"/>
-                </a:solidFill>
-                <a:latin typeface="Consolas" panose="020B0609020204030204" pitchFamily="49" charset="0"/>
-              </a:rPr>
-              <a:t> </a:t>
-            </a:r>
-            <a:r>
-              <a:rPr lang="en-US" dirty="0">
-                <a:solidFill>
-                  <a:srgbClr val="0000FF"/>
-                </a:solidFill>
-                <a:latin typeface="Consolas" panose="020B0609020204030204" pitchFamily="49" charset="0"/>
-              </a:rPr>
-              <a:t>=&gt;</a:t>
-            </a:r>
-            <a:r>
-              <a:rPr lang="en-US" dirty="0">
-                <a:solidFill>
-                  <a:srgbClr val="000000"/>
-                </a:solidFill>
-                <a:latin typeface="Consolas" panose="020B0609020204030204" pitchFamily="49" charset="0"/>
-              </a:rPr>
-              <a:t> </a:t>
-            </a:r>
-            <a:r>
-              <a:rPr lang="en-US" dirty="0" err="1">
-                <a:solidFill>
-                  <a:srgbClr val="000000"/>
-                </a:solidFill>
-                <a:latin typeface="Consolas" panose="020B0609020204030204" pitchFamily="49" charset="0"/>
-              </a:rPr>
-              <a:t>onFailure</a:t>
-            </a:r>
-            <a:r>
-              <a:rPr lang="en-US" dirty="0">
-                <a:solidFill>
-                  <a:srgbClr val="000000"/>
-                </a:solidFill>
-                <a:latin typeface="Consolas" panose="020B0609020204030204" pitchFamily="49" charset="0"/>
-              </a:rPr>
-              <a:t>(</a:t>
-            </a:r>
-            <a:r>
-              <a:rPr lang="en-US" dirty="0" err="1">
-                <a:solidFill>
-                  <a:srgbClr val="000000"/>
-                </a:solidFill>
-                <a:latin typeface="Consolas" panose="020B0609020204030204" pitchFamily="49" charset="0"/>
-              </a:rPr>
-              <a:t>errmsg</a:t>
-            </a:r>
-            <a:r>
-              <a:rPr lang="en-US" dirty="0">
-                <a:solidFill>
-                  <a:srgbClr val="000000"/>
-                </a:solidFill>
-                <a:latin typeface="Consolas" panose="020B0609020204030204" pitchFamily="49" charset="0"/>
-              </a:rPr>
-              <a:t>))</a:t>
-            </a:r>
-          </a:p>
-          <a:p>
-            <a:r>
-              <a:rPr lang="en-US" dirty="0">
-                <a:solidFill>
-                  <a:srgbClr val="000000"/>
-                </a:solidFill>
-                <a:latin typeface="Consolas" panose="020B0609020204030204" pitchFamily="49" charset="0"/>
-              </a:rPr>
-              <a:t>}</a:t>
-            </a:r>
-          </a:p>
-          <a:p>
             <a:endParaRPr lang="en-US" dirty="0">
               <a:solidFill>
                 <a:srgbClr val="000000"/>
@@ -10706,14 +11342,6 @@
             </a:endParaRPr>
           </a:p>
           <a:p>
-            <a:endParaRPr lang="en-US" dirty="0">
-              <a:solidFill>
-                <a:srgbClr val="000000"/>
-              </a:solidFill>
-              <a:latin typeface="Consolas" panose="020B0609020204030204" pitchFamily="49" charset="0"/>
-            </a:endParaRPr>
-          </a:p>
-          <a:p>
             <a:br>
               <a:rPr lang="en-US" dirty="0">
                 <a:solidFill>
@@ -10722,310 +11350,6 @@
                 <a:latin typeface="Consolas" panose="020B0609020204030204" pitchFamily="49" charset="0"/>
               </a:rPr>
             </a:br>
-            <a:r>
-              <a:rPr lang="en-US" dirty="0">
-                <a:solidFill>
-                  <a:srgbClr val="0000FF"/>
-                </a:solidFill>
-                <a:latin typeface="Consolas" panose="020B0609020204030204" pitchFamily="49" charset="0"/>
-              </a:rPr>
-              <a:t>async</a:t>
-            </a:r>
-            <a:r>
-              <a:rPr lang="en-US" dirty="0">
-                <a:solidFill>
-                  <a:srgbClr val="000000"/>
-                </a:solidFill>
-                <a:latin typeface="Consolas" panose="020B0609020204030204" pitchFamily="49" charset="0"/>
-              </a:rPr>
-              <a:t> </a:t>
-            </a:r>
-            <a:r>
-              <a:rPr lang="en-US" dirty="0">
-                <a:solidFill>
-                  <a:srgbClr val="0000FF"/>
-                </a:solidFill>
-                <a:latin typeface="Consolas" panose="020B0609020204030204" pitchFamily="49" charset="0"/>
-              </a:rPr>
-              <a:t>function</a:t>
-            </a:r>
-            <a:r>
-              <a:rPr lang="en-US" dirty="0">
-                <a:solidFill>
-                  <a:srgbClr val="000000"/>
-                </a:solidFill>
-                <a:latin typeface="Consolas" panose="020B0609020204030204" pitchFamily="49" charset="0"/>
-              </a:rPr>
-              <a:t> f {</a:t>
-            </a:r>
-          </a:p>
-          <a:p>
-            <a:r>
-              <a:rPr lang="en-US" dirty="0">
-                <a:solidFill>
-                  <a:srgbClr val="000000"/>
-                </a:solidFill>
-                <a:latin typeface="Consolas" panose="020B0609020204030204" pitchFamily="49" charset="0"/>
-              </a:rPr>
-              <a:t>    </a:t>
-            </a:r>
-            <a:r>
-              <a:rPr lang="en-US" dirty="0">
-                <a:solidFill>
-                  <a:srgbClr val="0000FF"/>
-                </a:solidFill>
-                <a:latin typeface="Consolas" panose="020B0609020204030204" pitchFamily="49" charset="0"/>
-              </a:rPr>
-              <a:t>try</a:t>
-            </a:r>
-            <a:r>
-              <a:rPr lang="en-US" dirty="0">
-                <a:solidFill>
-                  <a:srgbClr val="000000"/>
-                </a:solidFill>
-                <a:latin typeface="Consolas" panose="020B0609020204030204" pitchFamily="49" charset="0"/>
-              </a:rPr>
-              <a:t> {</a:t>
-            </a:r>
-          </a:p>
-          <a:p>
-            <a:r>
-              <a:rPr lang="en-US" dirty="0">
-                <a:solidFill>
-                  <a:srgbClr val="000000"/>
-                </a:solidFill>
-                <a:latin typeface="Consolas" panose="020B0609020204030204" pitchFamily="49" charset="0"/>
-              </a:rPr>
-              <a:t>        </a:t>
-            </a:r>
-            <a:r>
-              <a:rPr lang="en-US" dirty="0" err="1">
-                <a:solidFill>
-                  <a:srgbClr val="000000"/>
-                </a:solidFill>
-                <a:latin typeface="Consolas" panose="020B0609020204030204" pitchFamily="49" charset="0"/>
-              </a:rPr>
-              <a:t>doThisNow</a:t>
-            </a:r>
-            <a:r>
-              <a:rPr lang="en-US" dirty="0">
-                <a:solidFill>
-                  <a:srgbClr val="000000"/>
-                </a:solidFill>
-                <a:latin typeface="Consolas" panose="020B0609020204030204" pitchFamily="49" charset="0"/>
-              </a:rPr>
-              <a:t>()</a:t>
-            </a:r>
-          </a:p>
-          <a:p>
-            <a:r>
-              <a:rPr lang="en-US" dirty="0">
-                <a:solidFill>
-                  <a:srgbClr val="000000"/>
-                </a:solidFill>
-                <a:latin typeface="Consolas" panose="020B0609020204030204" pitchFamily="49" charset="0"/>
-              </a:rPr>
-              <a:t>        </a:t>
-            </a:r>
-            <a:r>
-              <a:rPr lang="en-US" dirty="0">
-                <a:solidFill>
-                  <a:srgbClr val="0000FF"/>
-                </a:solidFill>
-                <a:latin typeface="Consolas" panose="020B0609020204030204" pitchFamily="49" charset="0"/>
-              </a:rPr>
-              <a:t>const</a:t>
-            </a:r>
-            <a:r>
-              <a:rPr lang="en-US" dirty="0">
-                <a:solidFill>
-                  <a:srgbClr val="000000"/>
-                </a:solidFill>
-                <a:latin typeface="Consolas" panose="020B0609020204030204" pitchFamily="49" charset="0"/>
-              </a:rPr>
-              <a:t> value = </a:t>
-            </a:r>
-            <a:r>
-              <a:rPr lang="en-US" dirty="0">
-                <a:solidFill>
-                  <a:srgbClr val="0000FF"/>
-                </a:solidFill>
-                <a:latin typeface="Consolas" panose="020B0609020204030204" pitchFamily="49" charset="0"/>
-              </a:rPr>
-              <a:t>await</a:t>
-            </a:r>
-            <a:r>
-              <a:rPr lang="en-US" dirty="0">
-                <a:solidFill>
-                  <a:srgbClr val="000000"/>
-                </a:solidFill>
-                <a:latin typeface="Consolas" panose="020B0609020204030204" pitchFamily="49" charset="0"/>
-              </a:rPr>
-              <a:t> </a:t>
-            </a:r>
-            <a:r>
-              <a:rPr lang="en-US" dirty="0" err="1">
-                <a:solidFill>
-                  <a:srgbClr val="000000"/>
-                </a:solidFill>
-                <a:latin typeface="Consolas" panose="020B0609020204030204" pitchFamily="49" charset="0"/>
-              </a:rPr>
-              <a:t>promiseReturningFunction</a:t>
-            </a:r>
-            <a:r>
-              <a:rPr lang="en-US" dirty="0">
-                <a:solidFill>
-                  <a:srgbClr val="000000"/>
-                </a:solidFill>
-                <a:latin typeface="Consolas" panose="020B0609020204030204" pitchFamily="49" charset="0"/>
-              </a:rPr>
-              <a:t>()</a:t>
-            </a:r>
-          </a:p>
-          <a:p>
-            <a:r>
-              <a:rPr lang="en-US" dirty="0">
-                <a:solidFill>
-                  <a:srgbClr val="000000"/>
-                </a:solidFill>
-                <a:latin typeface="Consolas" panose="020B0609020204030204" pitchFamily="49" charset="0"/>
-              </a:rPr>
-              <a:t>        </a:t>
-            </a:r>
-            <a:r>
-              <a:rPr lang="en-US" dirty="0" err="1">
-                <a:solidFill>
-                  <a:srgbClr val="000000"/>
-                </a:solidFill>
-                <a:latin typeface="Consolas" panose="020B0609020204030204" pitchFamily="49" charset="0"/>
-              </a:rPr>
-              <a:t>onSuccess</a:t>
-            </a:r>
-            <a:r>
-              <a:rPr lang="en-US" dirty="0">
-                <a:solidFill>
-                  <a:srgbClr val="000000"/>
-                </a:solidFill>
-                <a:latin typeface="Consolas" panose="020B0609020204030204" pitchFamily="49" charset="0"/>
-              </a:rPr>
-              <a:t>(value)</a:t>
-            </a:r>
-          </a:p>
-          <a:p>
-            <a:r>
-              <a:rPr lang="en-US" dirty="0">
-                <a:solidFill>
-                  <a:srgbClr val="000000"/>
-                </a:solidFill>
-                <a:latin typeface="Consolas" panose="020B0609020204030204" pitchFamily="49" charset="0"/>
-              </a:rPr>
-              <a:t>    } </a:t>
-            </a:r>
-            <a:r>
-              <a:rPr lang="en-US" dirty="0">
-                <a:solidFill>
-                  <a:srgbClr val="0000FF"/>
-                </a:solidFill>
-                <a:latin typeface="Consolas" panose="020B0609020204030204" pitchFamily="49" charset="0"/>
-              </a:rPr>
-              <a:t>catch</a:t>
-            </a:r>
-            <a:r>
-              <a:rPr lang="en-US" dirty="0">
-                <a:solidFill>
-                  <a:srgbClr val="000000"/>
-                </a:solidFill>
-                <a:latin typeface="Consolas" panose="020B0609020204030204" pitchFamily="49" charset="0"/>
-              </a:rPr>
-              <a:t> (</a:t>
-            </a:r>
-            <a:r>
-              <a:rPr lang="en-US" dirty="0" err="1">
-                <a:solidFill>
-                  <a:srgbClr val="000000"/>
-                </a:solidFill>
-                <a:latin typeface="Consolas" panose="020B0609020204030204" pitchFamily="49" charset="0"/>
-              </a:rPr>
-              <a:t>errmsg</a:t>
-            </a:r>
-            <a:r>
-              <a:rPr lang="en-US" dirty="0">
-                <a:solidFill>
-                  <a:srgbClr val="000000"/>
-                </a:solidFill>
-                <a:latin typeface="Consolas" panose="020B0609020204030204" pitchFamily="49" charset="0"/>
-              </a:rPr>
-              <a:t>) {</a:t>
-            </a:r>
-          </a:p>
-          <a:p>
-            <a:r>
-              <a:rPr lang="en-US" dirty="0">
-                <a:solidFill>
-                  <a:srgbClr val="000000"/>
-                </a:solidFill>
-                <a:latin typeface="Consolas" panose="020B0609020204030204" pitchFamily="49" charset="0"/>
-              </a:rPr>
-              <a:t>        </a:t>
-            </a:r>
-            <a:r>
-              <a:rPr lang="en-US" dirty="0" err="1">
-                <a:solidFill>
-                  <a:srgbClr val="000000"/>
-                </a:solidFill>
-                <a:latin typeface="Consolas" panose="020B0609020204030204" pitchFamily="49" charset="0"/>
-              </a:rPr>
-              <a:t>onFailure</a:t>
-            </a:r>
-            <a:r>
-              <a:rPr lang="en-US" dirty="0">
-                <a:solidFill>
-                  <a:srgbClr val="000000"/>
-                </a:solidFill>
-                <a:latin typeface="Consolas" panose="020B0609020204030204" pitchFamily="49" charset="0"/>
-              </a:rPr>
-              <a:t>(</a:t>
-            </a:r>
-            <a:r>
-              <a:rPr lang="en-US" dirty="0" err="1">
-                <a:solidFill>
-                  <a:srgbClr val="000000"/>
-                </a:solidFill>
-                <a:latin typeface="Consolas" panose="020B0609020204030204" pitchFamily="49" charset="0"/>
-              </a:rPr>
-              <a:t>errmsg</a:t>
-            </a:r>
-            <a:r>
-              <a:rPr lang="en-US" dirty="0">
-                <a:solidFill>
-                  <a:srgbClr val="000000"/>
-                </a:solidFill>
-                <a:latin typeface="Consolas" panose="020B0609020204030204" pitchFamily="49" charset="0"/>
-              </a:rPr>
-              <a:t>)</a:t>
-            </a:r>
-          </a:p>
-          <a:p>
-            <a:r>
-              <a:rPr lang="en-US" dirty="0">
-                <a:solidFill>
-                  <a:srgbClr val="000000"/>
-                </a:solidFill>
-                <a:latin typeface="Consolas" panose="020B0609020204030204" pitchFamily="49" charset="0"/>
-              </a:rPr>
-              <a:t>    }</a:t>
-            </a:r>
-          </a:p>
-          <a:p>
-            <a:r>
-              <a:rPr lang="en-US" dirty="0">
-                <a:solidFill>
-                  <a:srgbClr val="000000"/>
-                </a:solidFill>
-                <a:latin typeface="Consolas" panose="020B0609020204030204" pitchFamily="49" charset="0"/>
-              </a:rPr>
-              <a:t>}</a:t>
-            </a:r>
             <a:endParaRPr lang="en-US" b="0" dirty="0">
               <a:solidFill>
                 <a:srgbClr val="000000"/>
@@ -11050,7 +11374,7 @@
         </p:nvGrpSpPr>
         <p:grpSpPr>
           <a:xfrm>
-            <a:off x="3399106" y="4415837"/>
+            <a:off x="4556268" y="4092904"/>
             <a:ext cx="5744894" cy="646331"/>
             <a:chOff x="6358597" y="2625933"/>
             <a:chExt cx="5744894" cy="646331"/>
@@ -11166,7 +11490,7 @@
         </p:nvGrpSpPr>
         <p:grpSpPr>
           <a:xfrm>
-            <a:off x="6096000" y="4937298"/>
+            <a:off x="7253162" y="4614365"/>
             <a:ext cx="3335223" cy="1677573"/>
             <a:chOff x="6250745" y="2198077"/>
             <a:chExt cx="3335223" cy="1677573"/>
@@ -11282,7 +11606,7 @@
         </p:nvGrpSpPr>
         <p:grpSpPr>
           <a:xfrm>
-            <a:off x="3094306" y="1735937"/>
+            <a:off x="4138179" y="1735937"/>
             <a:ext cx="5744894" cy="646331"/>
             <a:chOff x="6358597" y="2625933"/>
             <a:chExt cx="5744894" cy="646331"/>
@@ -11398,7 +11722,7 @@
         </p:nvGrpSpPr>
         <p:grpSpPr>
           <a:xfrm>
-            <a:off x="6096000" y="2227863"/>
+            <a:off x="7139873" y="2227863"/>
             <a:ext cx="3335223" cy="1677573"/>
             <a:chOff x="6250745" y="2198077"/>
             <a:chExt cx="3335223" cy="1677573"/>
@@ -11500,143 +11824,76 @@
           </p:txBody>
         </p:sp>
       </p:grpSp>
-      <p:grpSp>
-        <p:nvGrpSpPr>
-          <p:cNvPr id="26" name="Group 25">
+      <p:sp>
+        <p:nvSpPr>
+          <p:cNvPr id="27" name="TextBox 26">
             <a:extLst>
               <a:ext uri="{FF2B5EF4-FFF2-40B4-BE49-F238E27FC236}">
-                <a16:creationId xmlns:a16="http://schemas.microsoft.com/office/drawing/2014/main" id="{112C2B4E-07E0-42D6-AAE0-46C414465180}"/>
+                <a16:creationId xmlns:a16="http://schemas.microsoft.com/office/drawing/2014/main" id="{DC56BA7D-8C67-4FFA-8BA8-4DF3CB3AD80C}"/>
               </a:ext>
             </a:extLst>
           </p:cNvPr>
-          <p:cNvGrpSpPr/>
+          <p:cNvSpPr txBox="1"/>
           <p:nvPr/>
-        </p:nvGrpSpPr>
-        <p:grpSpPr>
+        </p:nvSpPr>
+        <p:spPr>
           <a:xfrm>
-            <a:off x="9676289" y="3543415"/>
-            <a:ext cx="2089051" cy="1200329"/>
-            <a:chOff x="9826284" y="3494027"/>
-            <a:chExt cx="2089051" cy="1200329"/>
+            <a:off x="9200271" y="812165"/>
+            <a:ext cx="2643352" cy="369332"/>
           </a:xfrm>
-        </p:grpSpPr>
-        <p:sp>
-          <p:nvSpPr>
-            <p:cNvPr id="22" name="Arrow: Up 21">
-              <a:extLst>
-                <a:ext uri="{FF2B5EF4-FFF2-40B4-BE49-F238E27FC236}">
-                  <a16:creationId xmlns:a16="http://schemas.microsoft.com/office/drawing/2014/main" id="{F1D9F248-993D-4232-A0F8-68923FCDB68B}"/>
-                </a:ext>
-              </a:extLst>
-            </p:cNvPr>
-            <p:cNvSpPr/>
-            <p:nvPr/>
-          </p:nvSpPr>
-          <p:spPr>
-            <a:xfrm>
-              <a:off x="9826284" y="3604987"/>
-              <a:ext cx="484632" cy="978408"/>
-            </a:xfrm>
-            <a:prstGeom prst="upArrow">
+          <a:prstGeom prst="rect">
+            <a:avLst/>
+          </a:prstGeom>
+          <a:noFill/>
+          <a:ln>
+            <a:solidFill>
+              <a:srgbClr val="0070C0"/>
+            </a:solidFill>
+          </a:ln>
+        </p:spPr>
+        <p:style>
+          <a:lnRef idx="2">
+            <a:schemeClr val="accent1">
+              <a:shade val="50000"/>
+            </a:schemeClr>
+          </a:lnRef>
+          <a:fillRef idx="1">
+            <a:schemeClr val="accent1"/>
+          </a:fillRef>
+          <a:effectRef idx="0">
+            <a:schemeClr val="accent1"/>
+          </a:effectRef>
+          <a:fontRef idx="minor">
+            <a:schemeClr val="lt1"/>
+          </a:fontRef>
+        </p:style>
+        <p:txBody>
+          <a:bodyPr rot="0" spcFirstLastPara="0" vertOverflow="overflow" horzOverflow="overflow" vert="horz" wrap="none" lIns="91440" tIns="45720" rIns="91440" bIns="45720" numCol="1" spcCol="0" rtlCol="0" fromWordArt="0" anchor="ctr" anchorCtr="0" forceAA="0" compatLnSpc="1">
+            <a:prstTxWarp prst="textNoShape">
               <a:avLst/>
-            </a:prstGeom>
-            <a:solidFill>
-              <a:schemeClr val="accent1">
-                <a:lumMod val="40000"/>
-                <a:lumOff val="60000"/>
-              </a:schemeClr>
-            </a:solidFill>
-            <a:ln>
-              <a:solidFill>
-                <a:srgbClr val="0070C0"/>
-              </a:solidFill>
-            </a:ln>
-          </p:spPr>
-          <p:style>
-            <a:lnRef idx="2">
-              <a:schemeClr val="accent1">
-                <a:shade val="50000"/>
-              </a:schemeClr>
-            </a:lnRef>
-            <a:fillRef idx="1">
-              <a:schemeClr val="accent1"/>
-            </a:fillRef>
-            <a:effectRef idx="0">
-              <a:schemeClr val="accent1"/>
-            </a:effectRef>
-            <a:fontRef idx="minor">
-              <a:schemeClr val="lt1"/>
-            </a:fontRef>
-          </p:style>
-          <p:txBody>
-            <a:bodyPr rtlCol="0" anchor="ctr"/>
-            <a:lstStyle/>
-            <a:p>
-              <a:endParaRPr lang="en-US" dirty="0">
+            </a:prstTxWarp>
+            <a:spAutoFit/>
+          </a:bodyPr>
+          <a:lstStyle/>
+          <a:p>
+            <a:pPr algn="l"/>
+            <a:r>
+              <a:rPr lang="en-US" dirty="0">
                 <a:solidFill>
                   <a:schemeClr val="tx1"/>
                 </a:solidFill>
-              </a:endParaRPr>
-            </a:p>
-          </p:txBody>
-        </p:sp>
-        <p:sp>
-          <p:nvSpPr>
-            <p:cNvPr id="23" name="Rectangle 22">
-              <a:extLst>
-                <a:ext uri="{FF2B5EF4-FFF2-40B4-BE49-F238E27FC236}">
-                  <a16:creationId xmlns:a16="http://schemas.microsoft.com/office/drawing/2014/main" id="{CEF3F962-46FA-4383-A022-AD4F98BEAD75}"/>
-                </a:ext>
-              </a:extLst>
-            </p:cNvPr>
-            <p:cNvSpPr/>
-            <p:nvPr/>
-          </p:nvSpPr>
-          <p:spPr>
-            <a:xfrm>
-              <a:off x="10439911" y="3494027"/>
-              <a:ext cx="1475424" cy="1200329"/>
-            </a:xfrm>
-            <a:prstGeom prst="rect">
-              <a:avLst/>
-            </a:prstGeom>
-            <a:solidFill>
-              <a:srgbClr val="92D050"/>
-            </a:solidFill>
-            <a:ln>
-              <a:solidFill>
-                <a:srgbClr val="0070C0"/>
-              </a:solidFill>
-            </a:ln>
-          </p:spPr>
-          <p:txBody>
-            <a:bodyPr wrap="square">
-              <a:spAutoFit/>
-            </a:bodyPr>
-            <a:lstStyle/>
-            <a:p>
-              <a:r>
-                <a:rPr lang="en-US" dirty="0"/>
-                <a:t>the </a:t>
-              </a:r>
-              <a:r>
-                <a:rPr lang="en-US" b="1" dirty="0"/>
-                <a:t>async</a:t>
-              </a:r>
-              <a:r>
-                <a:rPr lang="en-US" dirty="0"/>
-                <a:t> keyword tells the system to translate</a:t>
-              </a:r>
-            </a:p>
-          </p:txBody>
-        </p:sp>
-      </p:grpSp>
+              </a:rPr>
+              <a:t>examples-4.2/example5.ts</a:t>
+            </a:r>
+          </a:p>
+        </p:txBody>
+      </p:sp>
       <p:sp>
         <p:nvSpPr>
-          <p:cNvPr id="24" name="Rectangle 23">
+          <p:cNvPr id="3" name="Rectangle 2">
             <a:extLst>
               <a:ext uri="{FF2B5EF4-FFF2-40B4-BE49-F238E27FC236}">
-                <a16:creationId xmlns:a16="http://schemas.microsoft.com/office/drawing/2014/main" id="{E1551147-3434-4599-83CC-AF3616E5A192}"/>
+                <a16:creationId xmlns:a16="http://schemas.microsoft.com/office/drawing/2014/main" id="{CACF1746-5077-4DD2-9884-7871D1F86614}"/>
               </a:ext>
             </a:extLst>
           </p:cNvPr>
@@ -11645,7 +11902,452 @@
         </p:nvSpPr>
         <p:spPr>
           <a:xfrm>
-            <a:off x="9676289" y="5562281"/>
+            <a:off x="1882073" y="3747192"/>
+            <a:ext cx="7011074" cy="2585323"/>
+          </a:xfrm>
+          <a:prstGeom prst="rect">
+            <a:avLst/>
+          </a:prstGeom>
+        </p:spPr>
+        <p:txBody>
+          <a:bodyPr wrap="square">
+            <a:spAutoFit/>
+          </a:bodyPr>
+          <a:lstStyle/>
+          <a:p>
+            <a:r>
+              <a:rPr lang="en-US" dirty="0">
+                <a:solidFill>
+                  <a:srgbClr val="0000FF"/>
+                </a:solidFill>
+                <a:latin typeface="Consolas" panose="020B0609020204030204" pitchFamily="49" charset="0"/>
+              </a:rPr>
+              <a:t>async</a:t>
+            </a:r>
+            <a:r>
+              <a:rPr lang="en-US" dirty="0">
+                <a:solidFill>
+                  <a:srgbClr val="000000"/>
+                </a:solidFill>
+                <a:latin typeface="Consolas" panose="020B0609020204030204" pitchFamily="49" charset="0"/>
+              </a:rPr>
+              <a:t> </a:t>
+            </a:r>
+            <a:r>
+              <a:rPr lang="en-US" dirty="0">
+                <a:solidFill>
+                  <a:srgbClr val="0000FF"/>
+                </a:solidFill>
+                <a:latin typeface="Consolas" panose="020B0609020204030204" pitchFamily="49" charset="0"/>
+              </a:rPr>
+              <a:t>function</a:t>
+            </a:r>
+            <a:r>
+              <a:rPr lang="en-US" dirty="0">
+                <a:solidFill>
+                  <a:srgbClr val="000000"/>
+                </a:solidFill>
+                <a:latin typeface="Consolas" panose="020B0609020204030204" pitchFamily="49" charset="0"/>
+              </a:rPr>
+              <a:t> f {</a:t>
+            </a:r>
+          </a:p>
+          <a:p>
+            <a:r>
+              <a:rPr lang="en-US" dirty="0">
+                <a:solidFill>
+                  <a:srgbClr val="000000"/>
+                </a:solidFill>
+                <a:latin typeface="Consolas" panose="020B0609020204030204" pitchFamily="49" charset="0"/>
+              </a:rPr>
+              <a:t>    </a:t>
+            </a:r>
+            <a:r>
+              <a:rPr lang="en-US" dirty="0">
+                <a:solidFill>
+                  <a:srgbClr val="0000FF"/>
+                </a:solidFill>
+                <a:latin typeface="Consolas" panose="020B0609020204030204" pitchFamily="49" charset="0"/>
+              </a:rPr>
+              <a:t>try</a:t>
+            </a:r>
+            <a:r>
+              <a:rPr lang="en-US" dirty="0">
+                <a:solidFill>
+                  <a:srgbClr val="000000"/>
+                </a:solidFill>
+                <a:latin typeface="Consolas" panose="020B0609020204030204" pitchFamily="49" charset="0"/>
+              </a:rPr>
+              <a:t> {</a:t>
+            </a:r>
+          </a:p>
+          <a:p>
+            <a:r>
+              <a:rPr lang="en-US" dirty="0">
+                <a:solidFill>
+                  <a:srgbClr val="000000"/>
+                </a:solidFill>
+                <a:latin typeface="Consolas" panose="020B0609020204030204" pitchFamily="49" charset="0"/>
+              </a:rPr>
+              <a:t>        </a:t>
+            </a:r>
+            <a:r>
+              <a:rPr lang="en-US" dirty="0" err="1">
+                <a:solidFill>
+                  <a:srgbClr val="000000"/>
+                </a:solidFill>
+                <a:latin typeface="Consolas" panose="020B0609020204030204" pitchFamily="49" charset="0"/>
+              </a:rPr>
+              <a:t>doThisNow</a:t>
+            </a:r>
+            <a:r>
+              <a:rPr lang="en-US" dirty="0">
+                <a:solidFill>
+                  <a:srgbClr val="000000"/>
+                </a:solidFill>
+                <a:latin typeface="Consolas" panose="020B0609020204030204" pitchFamily="49" charset="0"/>
+              </a:rPr>
+              <a:t>()</a:t>
+            </a:r>
+          </a:p>
+          <a:p>
+            <a:r>
+              <a:rPr lang="en-US" dirty="0">
+                <a:solidFill>
+                  <a:srgbClr val="000000"/>
+                </a:solidFill>
+                <a:latin typeface="Consolas" panose="020B0609020204030204" pitchFamily="49" charset="0"/>
+              </a:rPr>
+              <a:t>        </a:t>
+            </a:r>
+            <a:r>
+              <a:rPr lang="en-US" dirty="0">
+                <a:solidFill>
+                  <a:srgbClr val="0000FF"/>
+                </a:solidFill>
+                <a:latin typeface="Consolas" panose="020B0609020204030204" pitchFamily="49" charset="0"/>
+              </a:rPr>
+              <a:t>const</a:t>
+            </a:r>
+            <a:r>
+              <a:rPr lang="en-US" dirty="0">
+                <a:solidFill>
+                  <a:srgbClr val="000000"/>
+                </a:solidFill>
+                <a:latin typeface="Consolas" panose="020B0609020204030204" pitchFamily="49" charset="0"/>
+              </a:rPr>
+              <a:t> value = </a:t>
+            </a:r>
+            <a:r>
+              <a:rPr lang="en-US" dirty="0">
+                <a:solidFill>
+                  <a:srgbClr val="0000FF"/>
+                </a:solidFill>
+                <a:latin typeface="Consolas" panose="020B0609020204030204" pitchFamily="49" charset="0"/>
+              </a:rPr>
+              <a:t>await</a:t>
+            </a:r>
+            <a:r>
+              <a:rPr lang="en-US" dirty="0">
+                <a:solidFill>
+                  <a:srgbClr val="000000"/>
+                </a:solidFill>
+                <a:latin typeface="Consolas" panose="020B0609020204030204" pitchFamily="49" charset="0"/>
+              </a:rPr>
+              <a:t> </a:t>
+            </a:r>
+            <a:r>
+              <a:rPr lang="en-US" dirty="0" err="1">
+                <a:solidFill>
+                  <a:srgbClr val="000000"/>
+                </a:solidFill>
+                <a:latin typeface="Consolas" panose="020B0609020204030204" pitchFamily="49" charset="0"/>
+              </a:rPr>
+              <a:t>promiseReturningFunction</a:t>
+            </a:r>
+            <a:r>
+              <a:rPr lang="en-US" dirty="0">
+                <a:solidFill>
+                  <a:srgbClr val="000000"/>
+                </a:solidFill>
+                <a:latin typeface="Consolas" panose="020B0609020204030204" pitchFamily="49" charset="0"/>
+              </a:rPr>
+              <a:t>()</a:t>
+            </a:r>
+          </a:p>
+          <a:p>
+            <a:r>
+              <a:rPr lang="en-US" dirty="0">
+                <a:solidFill>
+                  <a:srgbClr val="000000"/>
+                </a:solidFill>
+                <a:latin typeface="Consolas" panose="020B0609020204030204" pitchFamily="49" charset="0"/>
+              </a:rPr>
+              <a:t>        </a:t>
+            </a:r>
+            <a:r>
+              <a:rPr lang="en-US" dirty="0" err="1">
+                <a:solidFill>
+                  <a:srgbClr val="000000"/>
+                </a:solidFill>
+                <a:latin typeface="Consolas" panose="020B0609020204030204" pitchFamily="49" charset="0"/>
+              </a:rPr>
+              <a:t>onSuccess</a:t>
+            </a:r>
+            <a:r>
+              <a:rPr lang="en-US" dirty="0">
+                <a:solidFill>
+                  <a:srgbClr val="000000"/>
+                </a:solidFill>
+                <a:latin typeface="Consolas" panose="020B0609020204030204" pitchFamily="49" charset="0"/>
+              </a:rPr>
+              <a:t>(value)</a:t>
+            </a:r>
+          </a:p>
+          <a:p>
+            <a:r>
+              <a:rPr lang="en-US" dirty="0">
+                <a:solidFill>
+                  <a:srgbClr val="000000"/>
+                </a:solidFill>
+                <a:latin typeface="Consolas" panose="020B0609020204030204" pitchFamily="49" charset="0"/>
+              </a:rPr>
+              <a:t>    } </a:t>
+            </a:r>
+            <a:r>
+              <a:rPr lang="en-US" dirty="0">
+                <a:solidFill>
+                  <a:srgbClr val="0000FF"/>
+                </a:solidFill>
+                <a:latin typeface="Consolas" panose="020B0609020204030204" pitchFamily="49" charset="0"/>
+              </a:rPr>
+              <a:t>catch</a:t>
+            </a:r>
+            <a:r>
+              <a:rPr lang="en-US" dirty="0">
+                <a:solidFill>
+                  <a:srgbClr val="000000"/>
+                </a:solidFill>
+                <a:latin typeface="Consolas" panose="020B0609020204030204" pitchFamily="49" charset="0"/>
+              </a:rPr>
+              <a:t> (</a:t>
+            </a:r>
+            <a:r>
+              <a:rPr lang="en-US" dirty="0" err="1">
+                <a:solidFill>
+                  <a:srgbClr val="000000"/>
+                </a:solidFill>
+                <a:latin typeface="Consolas" panose="020B0609020204030204" pitchFamily="49" charset="0"/>
+              </a:rPr>
+              <a:t>errmsg</a:t>
+            </a:r>
+            <a:r>
+              <a:rPr lang="en-US" dirty="0">
+                <a:solidFill>
+                  <a:srgbClr val="000000"/>
+                </a:solidFill>
+                <a:latin typeface="Consolas" panose="020B0609020204030204" pitchFamily="49" charset="0"/>
+              </a:rPr>
+              <a:t>) {</a:t>
+            </a:r>
+          </a:p>
+          <a:p>
+            <a:r>
+              <a:rPr lang="en-US" dirty="0">
+                <a:solidFill>
+                  <a:srgbClr val="000000"/>
+                </a:solidFill>
+                <a:latin typeface="Consolas" panose="020B0609020204030204" pitchFamily="49" charset="0"/>
+              </a:rPr>
+              <a:t>        </a:t>
+            </a:r>
+            <a:r>
+              <a:rPr lang="en-US" dirty="0" err="1">
+                <a:solidFill>
+                  <a:srgbClr val="000000"/>
+                </a:solidFill>
+                <a:latin typeface="Consolas" panose="020B0609020204030204" pitchFamily="49" charset="0"/>
+              </a:rPr>
+              <a:t>onFailure</a:t>
+            </a:r>
+            <a:r>
+              <a:rPr lang="en-US" dirty="0">
+                <a:solidFill>
+                  <a:srgbClr val="000000"/>
+                </a:solidFill>
+                <a:latin typeface="Consolas" panose="020B0609020204030204" pitchFamily="49" charset="0"/>
+              </a:rPr>
+              <a:t>(</a:t>
+            </a:r>
+            <a:r>
+              <a:rPr lang="en-US" dirty="0" err="1">
+                <a:solidFill>
+                  <a:srgbClr val="000000"/>
+                </a:solidFill>
+                <a:latin typeface="Consolas" panose="020B0609020204030204" pitchFamily="49" charset="0"/>
+              </a:rPr>
+              <a:t>errmsg</a:t>
+            </a:r>
+            <a:r>
+              <a:rPr lang="en-US" dirty="0">
+                <a:solidFill>
+                  <a:srgbClr val="000000"/>
+                </a:solidFill>
+                <a:latin typeface="Consolas" panose="020B0609020204030204" pitchFamily="49" charset="0"/>
+              </a:rPr>
+              <a:t>)</a:t>
+            </a:r>
+          </a:p>
+          <a:p>
+            <a:r>
+              <a:rPr lang="en-US" dirty="0">
+                <a:solidFill>
+                  <a:srgbClr val="000000"/>
+                </a:solidFill>
+                <a:latin typeface="Consolas" panose="020B0609020204030204" pitchFamily="49" charset="0"/>
+              </a:rPr>
+              <a:t>    }</a:t>
+            </a:r>
+          </a:p>
+          <a:p>
+            <a:r>
+              <a:rPr lang="en-US" dirty="0">
+                <a:solidFill>
+                  <a:srgbClr val="000000"/>
+                </a:solidFill>
+                <a:latin typeface="Consolas" panose="020B0609020204030204" pitchFamily="49" charset="0"/>
+              </a:rPr>
+              <a:t>}</a:t>
+            </a:r>
+            <a:endParaRPr lang="en-US" dirty="0"/>
+          </a:p>
+        </p:txBody>
+      </p:sp>
+      <p:sp>
+        <p:nvSpPr>
+          <p:cNvPr id="24" name="Rectangle 23">
+            <a:extLst>
+              <a:ext uri="{FF2B5EF4-FFF2-40B4-BE49-F238E27FC236}">
+                <a16:creationId xmlns:a16="http://schemas.microsoft.com/office/drawing/2014/main" id="{EAC23DA2-908D-46C8-95FC-EC4C60E49631}"/>
+              </a:ext>
+            </a:extLst>
+          </p:cNvPr>
+          <p:cNvSpPr/>
+          <p:nvPr/>
+        </p:nvSpPr>
+        <p:spPr>
+          <a:xfrm>
+            <a:off x="232739" y="3060157"/>
+            <a:ext cx="1475424" cy="1200329"/>
+          </a:xfrm>
+          <a:prstGeom prst="rect">
+            <a:avLst/>
+          </a:prstGeom>
+          <a:solidFill>
+            <a:srgbClr val="92D050"/>
+          </a:solidFill>
+          <a:ln>
+            <a:solidFill>
+              <a:srgbClr val="0070C0"/>
+            </a:solidFill>
+          </a:ln>
+        </p:spPr>
+        <p:txBody>
+          <a:bodyPr wrap="square">
+            <a:spAutoFit/>
+          </a:bodyPr>
+          <a:lstStyle/>
+          <a:p>
+            <a:r>
+              <a:rPr lang="en-US" dirty="0"/>
+              <a:t>the </a:t>
+            </a:r>
+            <a:r>
+              <a:rPr lang="en-US" b="1" dirty="0"/>
+              <a:t>async</a:t>
+            </a:r>
+            <a:r>
+              <a:rPr lang="en-US" dirty="0"/>
+              <a:t> keyword tells the system to translate</a:t>
+            </a:r>
+          </a:p>
+        </p:txBody>
+      </p:sp>
+      <p:sp>
+        <p:nvSpPr>
+          <p:cNvPr id="23" name="Arrow: Up 22">
+            <a:extLst>
+              <a:ext uri="{FF2B5EF4-FFF2-40B4-BE49-F238E27FC236}">
+                <a16:creationId xmlns:a16="http://schemas.microsoft.com/office/drawing/2014/main" id="{FCAE185A-893E-43BC-8636-BED294CF5789}"/>
+              </a:ext>
+            </a:extLst>
+          </p:cNvPr>
+          <p:cNvSpPr/>
+          <p:nvPr/>
+        </p:nvSpPr>
+        <p:spPr>
+          <a:xfrm>
+            <a:off x="1993051" y="3238605"/>
+            <a:ext cx="484632" cy="551846"/>
+          </a:xfrm>
+          <a:prstGeom prst="upArrow">
+            <a:avLst/>
+          </a:prstGeom>
+          <a:solidFill>
+            <a:schemeClr val="accent1">
+              <a:lumMod val="40000"/>
+              <a:lumOff val="60000"/>
+            </a:schemeClr>
+          </a:solidFill>
+          <a:ln>
+            <a:solidFill>
+              <a:srgbClr val="0070C0"/>
+            </a:solidFill>
+          </a:ln>
+        </p:spPr>
+        <p:style>
+          <a:lnRef idx="2">
+            <a:schemeClr val="accent1">
+              <a:shade val="50000"/>
+            </a:schemeClr>
+          </a:lnRef>
+          <a:fillRef idx="1">
+            <a:schemeClr val="accent1"/>
+          </a:fillRef>
+          <a:effectRef idx="0">
+            <a:schemeClr val="accent1"/>
+          </a:effectRef>
+          <a:fontRef idx="minor">
+            <a:schemeClr val="lt1"/>
+          </a:fontRef>
+        </p:style>
+        <p:txBody>
+          <a:bodyPr rtlCol="0" anchor="ctr"/>
+          <a:lstStyle/>
+          <a:p>
+            <a:endParaRPr lang="en-US" dirty="0">
+              <a:solidFill>
+                <a:schemeClr val="tx1"/>
+              </a:solidFill>
+            </a:endParaRPr>
+          </a:p>
+        </p:txBody>
+      </p:sp>
+      <p:sp>
+        <p:nvSpPr>
+          <p:cNvPr id="25" name="Rectangle 24">
+            <a:extLst>
+              <a:ext uri="{FF2B5EF4-FFF2-40B4-BE49-F238E27FC236}">
+                <a16:creationId xmlns:a16="http://schemas.microsoft.com/office/drawing/2014/main" id="{581B56CE-B891-42A7-BE0B-80277CCC0313}"/>
+              </a:ext>
+            </a:extLst>
+          </p:cNvPr>
+          <p:cNvSpPr/>
+          <p:nvPr/>
+        </p:nvSpPr>
+        <p:spPr>
+          <a:xfrm>
+            <a:off x="1959667" y="4375834"/>
             <a:ext cx="551400" cy="369332"/>
           </a:xfrm>
           <a:prstGeom prst="rect">
@@ -11672,10 +12374,10 @@
       </p:sp>
       <p:sp>
         <p:nvSpPr>
-          <p:cNvPr id="25" name="Rectangle 24">
+          <p:cNvPr id="26" name="Rectangle 25">
             <a:extLst>
               <a:ext uri="{FF2B5EF4-FFF2-40B4-BE49-F238E27FC236}">
-                <a16:creationId xmlns:a16="http://schemas.microsoft.com/office/drawing/2014/main" id="{DD534F8A-CBD8-49EE-A81E-F478E1CAE16C}"/>
+                <a16:creationId xmlns:a16="http://schemas.microsoft.com/office/drawing/2014/main" id="{734F2D98-9C17-42FC-8153-9B567342C5BC}"/>
               </a:ext>
             </a:extLst>
           </p:cNvPr>
@@ -11684,7 +12386,7 @@
         </p:nvSpPr>
         <p:spPr>
           <a:xfrm>
-            <a:off x="9676289" y="2355545"/>
+            <a:off x="1760338" y="2568488"/>
             <a:ext cx="950058" cy="369332"/>
           </a:xfrm>
           <a:prstGeom prst="rect">
@@ -11712,17 +12414,215 @@
     </p:spTree>
     <p:extLst>
       <p:ext uri="{BB962C8B-B14F-4D97-AF65-F5344CB8AC3E}">
-        <p14:creationId xmlns:p14="http://schemas.microsoft.com/office/powerpoint/2010/main" val="1532322767"/>
+        <p14:creationId xmlns:p14="http://schemas.microsoft.com/office/powerpoint/2010/main" val="801088361"/>
       </p:ext>
     </p:extLst>
   </p:cSld>
   <p:clrMapOvr>
     <a:masterClrMapping/>
   </p:clrMapOvr>
+  <p:timing>
+    <p:tnLst>
+      <p:par>
+        <p:cTn id="1" dur="indefinite" restart="never" nodeType="tmRoot">
+          <p:childTnLst>
+            <p:seq concurrent="1" nextAc="seek">
+              <p:cTn id="2" dur="indefinite" nodeType="mainSeq">
+                <p:childTnLst>
+                  <p:par>
+                    <p:cTn id="3" fill="hold">
+                      <p:stCondLst>
+                        <p:cond delay="indefinite"/>
+                      </p:stCondLst>
+                      <p:childTnLst>
+                        <p:par>
+                          <p:cTn id="4" fill="hold">
+                            <p:stCondLst>
+                              <p:cond delay="0"/>
+                            </p:stCondLst>
+                            <p:childTnLst>
+                              <p:par>
+                                <p:cTn id="5" presetID="1" presetClass="entr" presetSubtype="0" fill="hold" grpId="0" nodeType="clickEffect">
+                                  <p:stCondLst>
+                                    <p:cond delay="0"/>
+                                  </p:stCondLst>
+                                  <p:childTnLst>
+                                    <p:set>
+                                      <p:cBhvr>
+                                        <p:cTn id="6" dur="1" fill="hold">
+                                          <p:stCondLst>
+                                            <p:cond delay="0"/>
+                                          </p:stCondLst>
+                                        </p:cTn>
+                                        <p:tgtEl>
+                                          <p:spTgt spid="24"/>
+                                        </p:tgtEl>
+                                        <p:attrNameLst>
+                                          <p:attrName>style.visibility</p:attrName>
+                                        </p:attrNameLst>
+                                      </p:cBhvr>
+                                      <p:to>
+                                        <p:strVal val="visible"/>
+                                      </p:to>
+                                    </p:set>
+                                  </p:childTnLst>
+                                </p:cTn>
+                              </p:par>
+                            </p:childTnLst>
+                          </p:cTn>
+                        </p:par>
+                      </p:childTnLst>
+                    </p:cTn>
+                  </p:par>
+                  <p:par>
+                    <p:cTn id="7" fill="hold">
+                      <p:stCondLst>
+                        <p:cond delay="indefinite"/>
+                      </p:stCondLst>
+                      <p:childTnLst>
+                        <p:par>
+                          <p:cTn id="8" fill="hold">
+                            <p:stCondLst>
+                              <p:cond delay="0"/>
+                            </p:stCondLst>
+                            <p:childTnLst>
+                              <p:par>
+                                <p:cTn id="9" presetID="1" presetClass="entr" presetSubtype="0" fill="hold" grpId="0" nodeType="clickEffect">
+                                  <p:stCondLst>
+                                    <p:cond delay="0"/>
+                                  </p:stCondLst>
+                                  <p:childTnLst>
+                                    <p:set>
+                                      <p:cBhvr>
+                                        <p:cTn id="10" dur="1" fill="hold">
+                                          <p:stCondLst>
+                                            <p:cond delay="0"/>
+                                          </p:stCondLst>
+                                        </p:cTn>
+                                        <p:tgtEl>
+                                          <p:spTgt spid="25"/>
+                                        </p:tgtEl>
+                                        <p:attrNameLst>
+                                          <p:attrName>style.visibility</p:attrName>
+                                        </p:attrNameLst>
+                                      </p:cBhvr>
+                                      <p:to>
+                                        <p:strVal val="visible"/>
+                                      </p:to>
+                                    </p:set>
+                                  </p:childTnLst>
+                                </p:cTn>
+                              </p:par>
+                            </p:childTnLst>
+                          </p:cTn>
+                        </p:par>
+                      </p:childTnLst>
+                    </p:cTn>
+                  </p:par>
+                  <p:par>
+                    <p:cTn id="11" fill="hold">
+                      <p:stCondLst>
+                        <p:cond delay="indefinite"/>
+                      </p:stCondLst>
+                      <p:childTnLst>
+                        <p:par>
+                          <p:cTn id="12" fill="hold">
+                            <p:stCondLst>
+                              <p:cond delay="0"/>
+                            </p:stCondLst>
+                            <p:childTnLst>
+                              <p:par>
+                                <p:cTn id="13" presetID="1" presetClass="entr" presetSubtype="0" fill="hold" grpId="0" nodeType="clickEffect">
+                                  <p:stCondLst>
+                                    <p:cond delay="0"/>
+                                  </p:stCondLst>
+                                  <p:childTnLst>
+                                    <p:set>
+                                      <p:cBhvr>
+                                        <p:cTn id="14" dur="1" fill="hold">
+                                          <p:stCondLst>
+                                            <p:cond delay="0"/>
+                                          </p:stCondLst>
+                                        </p:cTn>
+                                        <p:tgtEl>
+                                          <p:spTgt spid="23"/>
+                                        </p:tgtEl>
+                                        <p:attrNameLst>
+                                          <p:attrName>style.visibility</p:attrName>
+                                        </p:attrNameLst>
+                                      </p:cBhvr>
+                                      <p:to>
+                                        <p:strVal val="visible"/>
+                                      </p:to>
+                                    </p:set>
+                                  </p:childTnLst>
+                                </p:cTn>
+                              </p:par>
+                              <p:par>
+                                <p:cTn id="15" presetID="1" presetClass="entr" presetSubtype="0" fill="hold" grpId="0" nodeType="withEffect">
+                                  <p:stCondLst>
+                                    <p:cond delay="0"/>
+                                  </p:stCondLst>
+                                  <p:childTnLst>
+                                    <p:set>
+                                      <p:cBhvr>
+                                        <p:cTn id="16" dur="1" fill="hold">
+                                          <p:stCondLst>
+                                            <p:cond delay="0"/>
+                                          </p:stCondLst>
+                                        </p:cTn>
+                                        <p:tgtEl>
+                                          <p:spTgt spid="26"/>
+                                        </p:tgtEl>
+                                        <p:attrNameLst>
+                                          <p:attrName>style.visibility</p:attrName>
+                                        </p:attrNameLst>
+                                      </p:cBhvr>
+                                      <p:to>
+                                        <p:strVal val="visible"/>
+                                      </p:to>
+                                    </p:set>
+                                  </p:childTnLst>
+                                </p:cTn>
+                              </p:par>
+                            </p:childTnLst>
+                          </p:cTn>
+                        </p:par>
+                      </p:childTnLst>
+                    </p:cTn>
+                  </p:par>
+                </p:childTnLst>
+              </p:cTn>
+              <p:prevCondLst>
+                <p:cond evt="onPrev" delay="0">
+                  <p:tgtEl>
+                    <p:sldTgt/>
+                  </p:tgtEl>
+                </p:cond>
+              </p:prevCondLst>
+              <p:nextCondLst>
+                <p:cond evt="onNext" delay="0">
+                  <p:tgtEl>
+                    <p:sldTgt/>
+                  </p:tgtEl>
+                </p:cond>
+              </p:nextCondLst>
+            </p:seq>
+          </p:childTnLst>
+        </p:cTn>
+      </p:par>
+    </p:tnLst>
+    <p:bldLst>
+      <p:bldP spid="24" grpId="0" animBg="1"/>
+      <p:bldP spid="23" grpId="0" animBg="1"/>
+      <p:bldP spid="25" grpId="0" animBg="1"/>
+      <p:bldP spid="26" grpId="0" animBg="1"/>
+    </p:bldLst>
+  </p:timing>
 </p:sld>
 </file>
 
-<file path=ppt/slides/slide19.xml><?xml version="1.0" encoding="utf-8"?>
+<file path=ppt/slides/slide18.xml><?xml version="1.0" encoding="utf-8"?>
 <p:sld xmlns:a="http://schemas.openxmlformats.org/drawingml/2006/main" xmlns:r="http://schemas.openxmlformats.org/officeDocument/2006/relationships" xmlns:p="http://schemas.openxmlformats.org/presentationml/2006/main">
   <p:cSld>
     <p:spTree>
@@ -11790,7 +12690,7 @@
           <a:p>
             <a:fld id="{20F37917-FD3A-4669-9018-DA04BCDD3D75}" type="slidenum">
               <a:rPr lang="en-US" smtClean="0"/>
-              <a:t>19</a:t>
+              <a:t>18</a:t>
             </a:fld>
             <a:endParaRPr lang="en-US"/>
           </a:p>
@@ -12461,160 +13361,7 @@
 </p:sld>
 </file>
 
-<file path=ppt/slides/slide2.xml><?xml version="1.0" encoding="utf-8"?>
-<p:sld xmlns:a="http://schemas.openxmlformats.org/drawingml/2006/main" xmlns:r="http://schemas.openxmlformats.org/officeDocument/2006/relationships" xmlns:p="http://schemas.openxmlformats.org/presentationml/2006/main">
-  <p:cSld>
-    <p:spTree>
-      <p:nvGrpSpPr>
-        <p:cNvPr id="1" name=""/>
-        <p:cNvGrpSpPr/>
-        <p:nvPr/>
-      </p:nvGrpSpPr>
-      <p:grpSpPr>
-        <a:xfrm>
-          <a:off x="0" y="0"/>
-          <a:ext cx="0" cy="0"/>
-          <a:chOff x="0" y="0"/>
-          <a:chExt cx="0" cy="0"/>
-        </a:xfrm>
-      </p:grpSpPr>
-      <p:sp>
-        <p:nvSpPr>
-          <p:cNvPr id="2" name="Title 1">
-            <a:extLst>
-              <a:ext uri="{FF2B5EF4-FFF2-40B4-BE49-F238E27FC236}">
-                <a16:creationId xmlns:a16="http://schemas.microsoft.com/office/drawing/2014/main" id="{B6D33575-0593-49FD-831F-131BB6CC7E6C}"/>
-              </a:ext>
-            </a:extLst>
-          </p:cNvPr>
-          <p:cNvSpPr>
-            <a:spLocks noGrp="1"/>
-          </p:cNvSpPr>
-          <p:nvPr>
-            <p:ph type="title"/>
-          </p:nvPr>
-        </p:nvSpPr>
-        <p:spPr/>
-        <p:txBody>
-          <a:bodyPr/>
-          <a:lstStyle/>
-          <a:p>
-            <a:r>
-              <a:rPr lang="en-US" dirty="0"/>
-              <a:t>Learning Objectives for this Lesson</a:t>
-            </a:r>
-          </a:p>
-        </p:txBody>
-      </p:sp>
-      <p:sp>
-        <p:nvSpPr>
-          <p:cNvPr id="3" name="Text Placeholder 2">
-            <a:extLst>
-              <a:ext uri="{FF2B5EF4-FFF2-40B4-BE49-F238E27FC236}">
-                <a16:creationId xmlns:a16="http://schemas.microsoft.com/office/drawing/2014/main" id="{5B21ECCD-9823-405F-AA9A-D0CC235AD583}"/>
-              </a:ext>
-            </a:extLst>
-          </p:cNvPr>
-          <p:cNvSpPr>
-            <a:spLocks noGrp="1"/>
-          </p:cNvSpPr>
-          <p:nvPr>
-            <p:ph idx="1"/>
-          </p:nvPr>
-        </p:nvSpPr>
-        <p:spPr/>
-        <p:txBody>
-          <a:bodyPr/>
-          <a:lstStyle/>
-          <a:p>
-            <a:r>
-              <a:rPr lang="en-US" dirty="0"/>
-              <a:t>By the end of this lesson you should be prepared to:</a:t>
-            </a:r>
-          </a:p>
-          <a:p>
-            <a:pPr lvl="1"/>
-            <a:r>
-              <a:rPr lang="en-US" dirty="0"/>
-              <a:t>Explain how a sequence of then/catch handlers handle successful promises and errors</a:t>
-            </a:r>
-          </a:p>
-          <a:p>
-            <a:pPr lvl="1"/>
-            <a:r>
-              <a:rPr lang="en-US" dirty="0"/>
-              <a:t>Explain how async/await works with try/catch to make asynchronous programming easier</a:t>
-            </a:r>
-          </a:p>
-          <a:p>
-            <a:pPr lvl="1"/>
-            <a:endParaRPr lang="en-US" dirty="0"/>
-          </a:p>
-          <a:p>
-            <a:pPr marL="457200" lvl="1" indent="0">
-              <a:buNone/>
-            </a:pPr>
-            <a:endParaRPr lang="en-US" dirty="0"/>
-          </a:p>
-          <a:p>
-            <a:pPr marL="914400" lvl="2" indent="0">
-              <a:buNone/>
-            </a:pPr>
-            <a:r>
-              <a:rPr lang="en-US" dirty="0"/>
-              <a:t>	</a:t>
-            </a:r>
-          </a:p>
-          <a:p>
-            <a:pPr lvl="1"/>
-            <a:endParaRPr lang="en-US" dirty="0"/>
-          </a:p>
-        </p:txBody>
-      </p:sp>
-      <p:sp>
-        <p:nvSpPr>
-          <p:cNvPr id="5" name="Slide Number Placeholder 4">
-            <a:extLst>
-              <a:ext uri="{FF2B5EF4-FFF2-40B4-BE49-F238E27FC236}">
-                <a16:creationId xmlns:a16="http://schemas.microsoft.com/office/drawing/2014/main" id="{D3CB1048-3EB8-4281-8361-E7EB70F6FBBC}"/>
-              </a:ext>
-            </a:extLst>
-          </p:cNvPr>
-          <p:cNvSpPr>
-            <a:spLocks noGrp="1"/>
-          </p:cNvSpPr>
-          <p:nvPr>
-            <p:ph type="sldNum" sz="quarter" idx="12"/>
-          </p:nvPr>
-        </p:nvSpPr>
-        <p:spPr/>
-        <p:txBody>
-          <a:bodyPr/>
-          <a:lstStyle/>
-          <a:p>
-            <a:fld id="{86CB4B4D-7CA3-9044-876B-883B54F8677D}" type="slidenum">
-              <a:rPr lang="en-US" smtClean="0"/>
-              <a:pPr/>
-              <a:t>2</a:t>
-            </a:fld>
-            <a:endParaRPr lang="en-US"/>
-          </a:p>
-        </p:txBody>
-      </p:sp>
-    </p:spTree>
-    <p:extLst>
-      <p:ext uri="{BB962C8B-B14F-4D97-AF65-F5344CB8AC3E}">
-        <p14:creationId xmlns:p14="http://schemas.microsoft.com/office/powerpoint/2010/main" val="3915051007"/>
-      </p:ext>
-    </p:extLst>
-  </p:cSld>
-  <p:clrMapOvr>
-    <a:masterClrMapping/>
-  </p:clrMapOvr>
-</p:sld>
-</file>
-
-<file path=ppt/slides/slide20.xml><?xml version="1.0" encoding="utf-8"?>
+<file path=ppt/slides/slide19.xml><?xml version="1.0" encoding="utf-8"?>
 <p:sld xmlns:a="http://schemas.openxmlformats.org/drawingml/2006/main" xmlns:r="http://schemas.openxmlformats.org/officeDocument/2006/relationships" xmlns:p="http://schemas.openxmlformats.org/presentationml/2006/main">
   <p:cSld>
     <p:spTree>
@@ -12682,617 +13429,9 @@
           <a:p>
             <a:fld id="{20F37917-FD3A-4669-9018-DA04BCDD3D75}" type="slidenum">
               <a:rPr lang="en-US" smtClean="0"/>
-              <a:t>20</a:t>
+              <a:t>19</a:t>
             </a:fld>
             <a:endParaRPr lang="en-US"/>
-          </a:p>
-        </p:txBody>
-      </p:sp>
-      <p:sp>
-        <p:nvSpPr>
-          <p:cNvPr id="5" name="Rectangle 4">
-            <a:extLst>
-              <a:ext uri="{FF2B5EF4-FFF2-40B4-BE49-F238E27FC236}">
-                <a16:creationId xmlns:a16="http://schemas.microsoft.com/office/drawing/2014/main" id="{1D85EC80-DDCC-43F5-B150-EF0D43CE4CC7}"/>
-              </a:ext>
-            </a:extLst>
-          </p:cNvPr>
-          <p:cNvSpPr/>
-          <p:nvPr/>
-        </p:nvSpPr>
-        <p:spPr>
-          <a:xfrm>
-            <a:off x="1110915" y="1643162"/>
-            <a:ext cx="10684845" cy="3139321"/>
-          </a:xfrm>
-          <a:prstGeom prst="rect">
-            <a:avLst/>
-          </a:prstGeom>
-        </p:spPr>
-        <p:txBody>
-          <a:bodyPr wrap="square">
-            <a:spAutoFit/>
-          </a:bodyPr>
-          <a:lstStyle/>
-          <a:p>
-            <a:r>
-              <a:rPr lang="en-US" dirty="0">
-                <a:solidFill>
-                  <a:srgbClr val="0000FF"/>
-                </a:solidFill>
-                <a:latin typeface="Consolas" panose="020B0609020204030204" pitchFamily="49" charset="0"/>
-              </a:rPr>
-              <a:t>async</a:t>
-            </a:r>
-            <a:r>
-              <a:rPr lang="en-US" dirty="0">
-                <a:solidFill>
-                  <a:srgbClr val="000000"/>
-                </a:solidFill>
-                <a:latin typeface="Consolas" panose="020B0609020204030204" pitchFamily="49" charset="0"/>
-              </a:rPr>
-              <a:t> </a:t>
-            </a:r>
-            <a:r>
-              <a:rPr lang="en-US" dirty="0">
-                <a:solidFill>
-                  <a:srgbClr val="0000FF"/>
-                </a:solidFill>
-                <a:latin typeface="Consolas" panose="020B0609020204030204" pitchFamily="49" charset="0"/>
-              </a:rPr>
-              <a:t>function</a:t>
-            </a:r>
-            <a:r>
-              <a:rPr lang="en-US" dirty="0">
-                <a:solidFill>
-                  <a:srgbClr val="000000"/>
-                </a:solidFill>
-                <a:latin typeface="Consolas" panose="020B0609020204030204" pitchFamily="49" charset="0"/>
-              </a:rPr>
-              <a:t> driver2(</a:t>
-            </a:r>
-            <a:r>
-              <a:rPr lang="en-US" dirty="0" err="1">
-                <a:solidFill>
-                  <a:srgbClr val="000000"/>
-                </a:solidFill>
-                <a:latin typeface="Consolas" panose="020B0609020204030204" pitchFamily="49" charset="0"/>
-              </a:rPr>
-              <a:t>promiseName</a:t>
-            </a:r>
-            <a:r>
-              <a:rPr lang="en-US" dirty="0">
-                <a:solidFill>
-                  <a:srgbClr val="000000"/>
-                </a:solidFill>
-                <a:latin typeface="Consolas" panose="020B0609020204030204" pitchFamily="49" charset="0"/>
-              </a:rPr>
-              <a:t>: string, flag: </a:t>
-            </a:r>
-            <a:r>
-              <a:rPr lang="en-US" dirty="0" err="1">
-                <a:solidFill>
-                  <a:srgbClr val="000000"/>
-                </a:solidFill>
-                <a:latin typeface="Consolas" panose="020B0609020204030204" pitchFamily="49" charset="0"/>
-              </a:rPr>
-              <a:t>boolean</a:t>
-            </a:r>
-            <a:r>
-              <a:rPr lang="en-US" dirty="0">
-                <a:solidFill>
-                  <a:srgbClr val="000000"/>
-                </a:solidFill>
-                <a:latin typeface="Consolas" panose="020B0609020204030204" pitchFamily="49" charset="0"/>
-              </a:rPr>
-              <a:t>) {</a:t>
-            </a:r>
-          </a:p>
-          <a:p>
-            <a:r>
-              <a:rPr lang="en-US" dirty="0">
-                <a:solidFill>
-                  <a:srgbClr val="000000"/>
-                </a:solidFill>
-                <a:latin typeface="Consolas" panose="020B0609020204030204" pitchFamily="49" charset="0"/>
-              </a:rPr>
-              <a:t>    </a:t>
-            </a:r>
-            <a:r>
-              <a:rPr lang="en-US" dirty="0">
-                <a:solidFill>
-                  <a:srgbClr val="0000FF"/>
-                </a:solidFill>
-                <a:latin typeface="Consolas" panose="020B0609020204030204" pitchFamily="49" charset="0"/>
-              </a:rPr>
-              <a:t>try</a:t>
-            </a:r>
-            <a:r>
-              <a:rPr lang="en-US" dirty="0">
-                <a:solidFill>
-                  <a:srgbClr val="000000"/>
-                </a:solidFill>
-                <a:latin typeface="Consolas" panose="020B0609020204030204" pitchFamily="49" charset="0"/>
-              </a:rPr>
-              <a:t> {</a:t>
-            </a:r>
-          </a:p>
-          <a:p>
-            <a:r>
-              <a:rPr lang="en-US" dirty="0">
-                <a:solidFill>
-                  <a:srgbClr val="000000"/>
-                </a:solidFill>
-                <a:latin typeface="Consolas" panose="020B0609020204030204" pitchFamily="49" charset="0"/>
-              </a:rPr>
-              <a:t>    console.log(</a:t>
-            </a:r>
-            <a:r>
-              <a:rPr lang="en-US" dirty="0">
-                <a:solidFill>
-                  <a:srgbClr val="A31515"/>
-                </a:solidFill>
-                <a:latin typeface="Consolas" panose="020B0609020204030204" pitchFamily="49" charset="0"/>
-              </a:rPr>
-              <a:t>`starting driver2(</a:t>
-            </a:r>
-            <a:r>
-              <a:rPr lang="en-US" dirty="0">
-                <a:solidFill>
-                  <a:srgbClr val="0000FF"/>
-                </a:solidFill>
-                <a:latin typeface="Consolas" panose="020B0609020204030204" pitchFamily="49" charset="0"/>
-              </a:rPr>
-              <a:t>${</a:t>
-            </a:r>
-            <a:r>
-              <a:rPr lang="en-US" dirty="0">
-                <a:solidFill>
-                  <a:srgbClr val="000000"/>
-                </a:solidFill>
-                <a:latin typeface="Consolas" panose="020B0609020204030204" pitchFamily="49" charset="0"/>
-              </a:rPr>
-              <a:t>flag</a:t>
-            </a:r>
-            <a:r>
-              <a:rPr lang="en-US" dirty="0">
-                <a:solidFill>
-                  <a:srgbClr val="0000FF"/>
-                </a:solidFill>
-                <a:latin typeface="Consolas" panose="020B0609020204030204" pitchFamily="49" charset="0"/>
-              </a:rPr>
-              <a:t>}</a:t>
-            </a:r>
-            <a:r>
-              <a:rPr lang="en-US" dirty="0">
-                <a:solidFill>
-                  <a:srgbClr val="A31515"/>
-                </a:solidFill>
-                <a:latin typeface="Consolas" panose="020B0609020204030204" pitchFamily="49" charset="0"/>
-              </a:rPr>
-              <a:t>)`</a:t>
-            </a:r>
-            <a:r>
-              <a:rPr lang="en-US" dirty="0">
-                <a:solidFill>
-                  <a:srgbClr val="000000"/>
-                </a:solidFill>
-                <a:latin typeface="Consolas" panose="020B0609020204030204" pitchFamily="49" charset="0"/>
-              </a:rPr>
-              <a:t>)</a:t>
-            </a:r>
-          </a:p>
-          <a:p>
-            <a:r>
-              <a:rPr lang="en-US" dirty="0">
-                <a:solidFill>
-                  <a:srgbClr val="000000"/>
-                </a:solidFill>
-                <a:latin typeface="Consolas" panose="020B0609020204030204" pitchFamily="49" charset="0"/>
-              </a:rPr>
-              <a:t>    </a:t>
-            </a:r>
-            <a:r>
-              <a:rPr lang="en-US" dirty="0">
-                <a:solidFill>
-                  <a:srgbClr val="0000FF"/>
-                </a:solidFill>
-                <a:latin typeface="Consolas" panose="020B0609020204030204" pitchFamily="49" charset="0"/>
-              </a:rPr>
-              <a:t>const</a:t>
-            </a:r>
-            <a:r>
-              <a:rPr lang="en-US" dirty="0">
-                <a:solidFill>
-                  <a:srgbClr val="000000"/>
-                </a:solidFill>
-                <a:latin typeface="Consolas" panose="020B0609020204030204" pitchFamily="49" charset="0"/>
-              </a:rPr>
-              <a:t> n = </a:t>
-            </a:r>
-            <a:r>
-              <a:rPr lang="en-US" dirty="0">
-                <a:solidFill>
-                  <a:srgbClr val="0000FF"/>
-                </a:solidFill>
-                <a:latin typeface="Consolas" panose="020B0609020204030204" pitchFamily="49" charset="0"/>
-              </a:rPr>
-              <a:t>await</a:t>
-            </a:r>
-            <a:r>
-              <a:rPr lang="en-US" dirty="0">
-                <a:solidFill>
-                  <a:srgbClr val="000000"/>
-                </a:solidFill>
-                <a:latin typeface="Consolas" panose="020B0609020204030204" pitchFamily="49" charset="0"/>
-              </a:rPr>
-              <a:t> makePromise1(promiseName,flag,</a:t>
-            </a:r>
-            <a:r>
-              <a:rPr lang="en-US" dirty="0">
-                <a:solidFill>
-                  <a:srgbClr val="098658"/>
-                </a:solidFill>
-                <a:latin typeface="Consolas" panose="020B0609020204030204" pitchFamily="49" charset="0"/>
-              </a:rPr>
-              <a:t>10</a:t>
-            </a:r>
-            <a:r>
-              <a:rPr lang="en-US" dirty="0">
-                <a:solidFill>
-                  <a:srgbClr val="000000"/>
-                </a:solidFill>
-                <a:latin typeface="Consolas" panose="020B0609020204030204" pitchFamily="49" charset="0"/>
-              </a:rPr>
-              <a:t>)</a:t>
-            </a:r>
-          </a:p>
-          <a:p>
-            <a:r>
-              <a:rPr lang="en-US" dirty="0">
-                <a:solidFill>
-                  <a:srgbClr val="000000"/>
-                </a:solidFill>
-                <a:latin typeface="Consolas" panose="020B0609020204030204" pitchFamily="49" charset="0"/>
-              </a:rPr>
-              <a:t>    console.log(</a:t>
-            </a:r>
-            <a:r>
-              <a:rPr lang="en-US" dirty="0">
-                <a:solidFill>
-                  <a:srgbClr val="A31515"/>
-                </a:solidFill>
-                <a:latin typeface="Consolas" panose="020B0609020204030204" pitchFamily="49" charset="0"/>
-              </a:rPr>
-              <a:t>`promise </a:t>
-            </a:r>
-            <a:r>
-              <a:rPr lang="en-US" dirty="0">
-                <a:solidFill>
-                  <a:srgbClr val="0000FF"/>
-                </a:solidFill>
-                <a:latin typeface="Consolas" panose="020B0609020204030204" pitchFamily="49" charset="0"/>
-              </a:rPr>
-              <a:t>${</a:t>
-            </a:r>
-            <a:r>
-              <a:rPr lang="en-US" dirty="0" err="1">
-                <a:solidFill>
-                  <a:srgbClr val="000000"/>
-                </a:solidFill>
-                <a:latin typeface="Consolas" panose="020B0609020204030204" pitchFamily="49" charset="0"/>
-              </a:rPr>
-              <a:t>promiseName</a:t>
-            </a:r>
-            <a:r>
-              <a:rPr lang="en-US" dirty="0">
-                <a:solidFill>
-                  <a:srgbClr val="0000FF"/>
-                </a:solidFill>
-                <a:latin typeface="Consolas" panose="020B0609020204030204" pitchFamily="49" charset="0"/>
-              </a:rPr>
-              <a:t>}</a:t>
-            </a:r>
-            <a:r>
-              <a:rPr lang="en-US" dirty="0">
-                <a:solidFill>
-                  <a:srgbClr val="A31515"/>
-                </a:solidFill>
-                <a:latin typeface="Consolas" panose="020B0609020204030204" pitchFamily="49" charset="0"/>
-              </a:rPr>
-              <a:t> fulfilled and passed </a:t>
-            </a:r>
-            <a:r>
-              <a:rPr lang="en-US" dirty="0">
-                <a:solidFill>
-                  <a:srgbClr val="0000FF"/>
-                </a:solidFill>
-                <a:latin typeface="Consolas" panose="020B0609020204030204" pitchFamily="49" charset="0"/>
-              </a:rPr>
-              <a:t>${</a:t>
-            </a:r>
-            <a:r>
-              <a:rPr lang="en-US" dirty="0">
-                <a:solidFill>
-                  <a:srgbClr val="000000"/>
-                </a:solidFill>
-                <a:latin typeface="Consolas" panose="020B0609020204030204" pitchFamily="49" charset="0"/>
-              </a:rPr>
-              <a:t>n</a:t>
-            </a:r>
-            <a:r>
-              <a:rPr lang="en-US" dirty="0">
-                <a:solidFill>
-                  <a:srgbClr val="0000FF"/>
-                </a:solidFill>
-                <a:latin typeface="Consolas" panose="020B0609020204030204" pitchFamily="49" charset="0"/>
-              </a:rPr>
-              <a:t>}</a:t>
-            </a:r>
-            <a:r>
-              <a:rPr lang="en-US" dirty="0">
-                <a:solidFill>
-                  <a:srgbClr val="A31515"/>
-                </a:solidFill>
-                <a:latin typeface="Consolas" panose="020B0609020204030204" pitchFamily="49" charset="0"/>
-              </a:rPr>
-              <a:t> to its successor`</a:t>
-            </a:r>
-            <a:r>
-              <a:rPr lang="en-US" dirty="0">
-                <a:solidFill>
-                  <a:srgbClr val="000000"/>
-                </a:solidFill>
-                <a:latin typeface="Consolas" panose="020B0609020204030204" pitchFamily="49" charset="0"/>
-              </a:rPr>
-              <a:t>);</a:t>
-            </a:r>
-          </a:p>
-          <a:p>
-            <a:r>
-              <a:rPr lang="en-US" dirty="0">
-                <a:solidFill>
-                  <a:srgbClr val="000000"/>
-                </a:solidFill>
-                <a:latin typeface="Consolas" panose="020B0609020204030204" pitchFamily="49" charset="0"/>
-              </a:rPr>
-              <a:t>    </a:t>
-            </a:r>
-            <a:r>
-              <a:rPr lang="en-US" dirty="0">
-                <a:solidFill>
-                  <a:srgbClr val="0000FF"/>
-                </a:solidFill>
-                <a:latin typeface="Consolas" panose="020B0609020204030204" pitchFamily="49" charset="0"/>
-              </a:rPr>
-              <a:t>const</a:t>
-            </a:r>
-            <a:r>
-              <a:rPr lang="en-US" dirty="0">
-                <a:solidFill>
-                  <a:srgbClr val="000000"/>
-                </a:solidFill>
-                <a:latin typeface="Consolas" panose="020B0609020204030204" pitchFamily="49" charset="0"/>
-              </a:rPr>
-              <a:t> m = n+</a:t>
-            </a:r>
-            <a:r>
-              <a:rPr lang="en-US" dirty="0">
-                <a:solidFill>
-                  <a:srgbClr val="098658"/>
-                </a:solidFill>
-                <a:latin typeface="Consolas" panose="020B0609020204030204" pitchFamily="49" charset="0"/>
-              </a:rPr>
-              <a:t>1</a:t>
-            </a:r>
-            <a:endParaRPr lang="en-US" dirty="0">
-              <a:solidFill>
-                <a:srgbClr val="000000"/>
-              </a:solidFill>
-              <a:latin typeface="Consolas" panose="020B0609020204030204" pitchFamily="49" charset="0"/>
-            </a:endParaRPr>
-          </a:p>
-          <a:p>
-            <a:r>
-              <a:rPr lang="en-US" dirty="0">
-                <a:solidFill>
-                  <a:srgbClr val="000000"/>
-                </a:solidFill>
-                <a:latin typeface="Consolas" panose="020B0609020204030204" pitchFamily="49" charset="0"/>
-              </a:rPr>
-              <a:t>    console.log(</a:t>
-            </a:r>
-            <a:r>
-              <a:rPr lang="en-US" dirty="0">
-                <a:solidFill>
-                  <a:srgbClr val="A31515"/>
-                </a:solidFill>
-                <a:latin typeface="Consolas" panose="020B0609020204030204" pitchFamily="49" charset="0"/>
-              </a:rPr>
-              <a:t>`the second then block received </a:t>
-            </a:r>
-            <a:r>
-              <a:rPr lang="en-US" dirty="0">
-                <a:solidFill>
-                  <a:srgbClr val="0000FF"/>
-                </a:solidFill>
-                <a:latin typeface="Consolas" panose="020B0609020204030204" pitchFamily="49" charset="0"/>
-              </a:rPr>
-              <a:t>${</a:t>
-            </a:r>
-            <a:r>
-              <a:rPr lang="en-US" dirty="0">
-                <a:solidFill>
-                  <a:srgbClr val="000000"/>
-                </a:solidFill>
-                <a:latin typeface="Consolas" panose="020B0609020204030204" pitchFamily="49" charset="0"/>
-              </a:rPr>
-              <a:t>m</a:t>
-            </a:r>
-            <a:r>
-              <a:rPr lang="en-US" dirty="0">
-                <a:solidFill>
-                  <a:srgbClr val="0000FF"/>
-                </a:solidFill>
-                <a:latin typeface="Consolas" panose="020B0609020204030204" pitchFamily="49" charset="0"/>
-              </a:rPr>
-              <a:t>}</a:t>
-            </a:r>
-            <a:r>
-              <a:rPr lang="en-US" dirty="0">
-                <a:solidFill>
-                  <a:srgbClr val="A31515"/>
-                </a:solidFill>
-                <a:latin typeface="Consolas" panose="020B0609020204030204" pitchFamily="49" charset="0"/>
-              </a:rPr>
-              <a:t>`</a:t>
-            </a:r>
-            <a:r>
-              <a:rPr lang="en-US" dirty="0">
-                <a:solidFill>
-                  <a:srgbClr val="000000"/>
-                </a:solidFill>
-                <a:latin typeface="Consolas" panose="020B0609020204030204" pitchFamily="49" charset="0"/>
-              </a:rPr>
-              <a:t>)</a:t>
-            </a:r>
-          </a:p>
-          <a:p>
-            <a:r>
-              <a:rPr lang="en-US" dirty="0">
-                <a:solidFill>
-                  <a:srgbClr val="000000"/>
-                </a:solidFill>
-                <a:latin typeface="Consolas" panose="020B0609020204030204" pitchFamily="49" charset="0"/>
-              </a:rPr>
-              <a:t>    } </a:t>
-            </a:r>
-            <a:r>
-              <a:rPr lang="en-US" dirty="0">
-                <a:solidFill>
-                  <a:srgbClr val="0000FF"/>
-                </a:solidFill>
-                <a:latin typeface="Consolas" panose="020B0609020204030204" pitchFamily="49" charset="0"/>
-              </a:rPr>
-              <a:t>catch</a:t>
-            </a:r>
-            <a:r>
-              <a:rPr lang="en-US" dirty="0">
-                <a:solidFill>
-                  <a:srgbClr val="000000"/>
-                </a:solidFill>
-                <a:latin typeface="Consolas" panose="020B0609020204030204" pitchFamily="49" charset="0"/>
-              </a:rPr>
-              <a:t> (n) {console.log(</a:t>
-            </a:r>
-            <a:r>
-              <a:rPr lang="en-US" dirty="0">
-                <a:solidFill>
-                  <a:srgbClr val="A31515"/>
-                </a:solidFill>
-                <a:latin typeface="Consolas" panose="020B0609020204030204" pitchFamily="49" charset="0"/>
-              </a:rPr>
-              <a:t>`promise </a:t>
-            </a:r>
-            <a:r>
-              <a:rPr lang="en-US" dirty="0">
-                <a:solidFill>
-                  <a:srgbClr val="0000FF"/>
-                </a:solidFill>
-                <a:latin typeface="Consolas" panose="020B0609020204030204" pitchFamily="49" charset="0"/>
-              </a:rPr>
-              <a:t>${</a:t>
-            </a:r>
-            <a:r>
-              <a:rPr lang="en-US" dirty="0" err="1">
-                <a:solidFill>
-                  <a:srgbClr val="000000"/>
-                </a:solidFill>
-                <a:latin typeface="Consolas" panose="020B0609020204030204" pitchFamily="49" charset="0"/>
-              </a:rPr>
-              <a:t>promiseName</a:t>
-            </a:r>
-            <a:r>
-              <a:rPr lang="en-US" dirty="0">
-                <a:solidFill>
-                  <a:srgbClr val="0000FF"/>
-                </a:solidFill>
-                <a:latin typeface="Consolas" panose="020B0609020204030204" pitchFamily="49" charset="0"/>
-              </a:rPr>
-              <a:t>}</a:t>
-            </a:r>
-            <a:r>
-              <a:rPr lang="en-US" dirty="0">
-                <a:solidFill>
-                  <a:srgbClr val="A31515"/>
-                </a:solidFill>
-                <a:latin typeface="Consolas" panose="020B0609020204030204" pitchFamily="49" charset="0"/>
-              </a:rPr>
-              <a:t> rejected and passed "</a:t>
-            </a:r>
-            <a:r>
-              <a:rPr lang="en-US" dirty="0">
-                <a:solidFill>
-                  <a:srgbClr val="0000FF"/>
-                </a:solidFill>
-                <a:latin typeface="Consolas" panose="020B0609020204030204" pitchFamily="49" charset="0"/>
-              </a:rPr>
-              <a:t>${</a:t>
-            </a:r>
-            <a:r>
-              <a:rPr lang="en-US" dirty="0">
-                <a:solidFill>
-                  <a:srgbClr val="000000"/>
-                </a:solidFill>
-                <a:latin typeface="Consolas" panose="020B0609020204030204" pitchFamily="49" charset="0"/>
-              </a:rPr>
-              <a:t>n</a:t>
-            </a:r>
-            <a:r>
-              <a:rPr lang="en-US" dirty="0">
-                <a:solidFill>
-                  <a:srgbClr val="0000FF"/>
-                </a:solidFill>
-                <a:latin typeface="Consolas" panose="020B0609020204030204" pitchFamily="49" charset="0"/>
-              </a:rPr>
-              <a:t>}</a:t>
-            </a:r>
-            <a:r>
-              <a:rPr lang="en-US" dirty="0">
-                <a:solidFill>
-                  <a:srgbClr val="A31515"/>
-                </a:solidFill>
-                <a:latin typeface="Consolas" panose="020B0609020204030204" pitchFamily="49" charset="0"/>
-              </a:rPr>
-              <a:t>" to its successor`</a:t>
-            </a:r>
-            <a:r>
-              <a:rPr lang="en-US" dirty="0">
-                <a:solidFill>
-                  <a:srgbClr val="000000"/>
-                </a:solidFill>
-                <a:latin typeface="Consolas" panose="020B0609020204030204" pitchFamily="49" charset="0"/>
-              </a:rPr>
-              <a:t>)}</a:t>
-            </a:r>
-          </a:p>
-          <a:p>
-            <a:r>
-              <a:rPr lang="en-US" dirty="0">
-                <a:solidFill>
-                  <a:srgbClr val="000000"/>
-                </a:solidFill>
-                <a:latin typeface="Consolas" panose="020B0609020204030204" pitchFamily="49" charset="0"/>
-              </a:rPr>
-              <a:t>}</a:t>
-            </a:r>
-            <a:endParaRPr lang="en-US" b="0" dirty="0">
-              <a:solidFill>
-                <a:srgbClr val="000000"/>
-              </a:solidFill>
-              <a:effectLst/>
-              <a:latin typeface="Consolas" panose="020B0609020204030204" pitchFamily="49" charset="0"/>
-            </a:endParaRPr>
           </a:p>
         </p:txBody>
       </p:sp>
@@ -13360,6 +13499,632 @@
           </a:p>
         </p:txBody>
       </p:sp>
+      <p:sp>
+        <p:nvSpPr>
+          <p:cNvPr id="3" name="Rectangle 2">
+            <a:extLst>
+              <a:ext uri="{FF2B5EF4-FFF2-40B4-BE49-F238E27FC236}">
+                <a16:creationId xmlns:a16="http://schemas.microsoft.com/office/drawing/2014/main" id="{9BBA26DF-930F-4B7E-A3DB-F8701392CE4F}"/>
+              </a:ext>
+            </a:extLst>
+          </p:cNvPr>
+          <p:cNvSpPr/>
+          <p:nvPr/>
+        </p:nvSpPr>
+        <p:spPr>
+          <a:xfrm>
+            <a:off x="838199" y="1441971"/>
+            <a:ext cx="10280257" cy="3139321"/>
+          </a:xfrm>
+          <a:prstGeom prst="rect">
+            <a:avLst/>
+          </a:prstGeom>
+        </p:spPr>
+        <p:txBody>
+          <a:bodyPr wrap="square">
+            <a:spAutoFit/>
+          </a:bodyPr>
+          <a:lstStyle/>
+          <a:p>
+            <a:r>
+              <a:rPr lang="en-US" dirty="0">
+                <a:solidFill>
+                  <a:srgbClr val="0000FF"/>
+                </a:solidFill>
+                <a:latin typeface="Consolas" panose="020B0609020204030204" pitchFamily="49" charset="0"/>
+              </a:rPr>
+              <a:t>async</a:t>
+            </a:r>
+            <a:r>
+              <a:rPr lang="en-US" dirty="0">
+                <a:solidFill>
+                  <a:srgbClr val="000000"/>
+                </a:solidFill>
+                <a:latin typeface="Consolas" panose="020B0609020204030204" pitchFamily="49" charset="0"/>
+              </a:rPr>
+              <a:t> </a:t>
+            </a:r>
+            <a:r>
+              <a:rPr lang="en-US" dirty="0">
+                <a:solidFill>
+                  <a:srgbClr val="0000FF"/>
+                </a:solidFill>
+                <a:latin typeface="Consolas" panose="020B0609020204030204" pitchFamily="49" charset="0"/>
+              </a:rPr>
+              <a:t>function</a:t>
+            </a:r>
+            <a:r>
+              <a:rPr lang="en-US" dirty="0">
+                <a:solidFill>
+                  <a:srgbClr val="000000"/>
+                </a:solidFill>
+                <a:latin typeface="Consolas" panose="020B0609020204030204" pitchFamily="49" charset="0"/>
+              </a:rPr>
+              <a:t> driver2(</a:t>
+            </a:r>
+            <a:r>
+              <a:rPr lang="en-US" dirty="0" err="1">
+                <a:solidFill>
+                  <a:srgbClr val="000000"/>
+                </a:solidFill>
+                <a:latin typeface="Consolas" panose="020B0609020204030204" pitchFamily="49" charset="0"/>
+              </a:rPr>
+              <a:t>promiseName</a:t>
+            </a:r>
+            <a:r>
+              <a:rPr lang="en-US" dirty="0">
+                <a:solidFill>
+                  <a:srgbClr val="000000"/>
+                </a:solidFill>
+                <a:latin typeface="Consolas" panose="020B0609020204030204" pitchFamily="49" charset="0"/>
+              </a:rPr>
+              <a:t>: string, flag: </a:t>
+            </a:r>
+            <a:r>
+              <a:rPr lang="en-US" dirty="0" err="1">
+                <a:solidFill>
+                  <a:srgbClr val="000000"/>
+                </a:solidFill>
+                <a:latin typeface="Consolas" panose="020B0609020204030204" pitchFamily="49" charset="0"/>
+              </a:rPr>
+              <a:t>boolean</a:t>
+            </a:r>
+            <a:r>
+              <a:rPr lang="en-US" dirty="0">
+                <a:solidFill>
+                  <a:srgbClr val="000000"/>
+                </a:solidFill>
+                <a:latin typeface="Consolas" panose="020B0609020204030204" pitchFamily="49" charset="0"/>
+              </a:rPr>
+              <a:t>) {</a:t>
+            </a:r>
+          </a:p>
+          <a:p>
+            <a:r>
+              <a:rPr lang="en-US" dirty="0">
+                <a:solidFill>
+                  <a:srgbClr val="000000"/>
+                </a:solidFill>
+                <a:latin typeface="Consolas" panose="020B0609020204030204" pitchFamily="49" charset="0"/>
+              </a:rPr>
+              <a:t>    </a:t>
+            </a:r>
+            <a:r>
+              <a:rPr lang="en-US" dirty="0">
+                <a:solidFill>
+                  <a:srgbClr val="0000FF"/>
+                </a:solidFill>
+                <a:latin typeface="Consolas" panose="020B0609020204030204" pitchFamily="49" charset="0"/>
+              </a:rPr>
+              <a:t>try</a:t>
+            </a:r>
+            <a:r>
+              <a:rPr lang="en-US" dirty="0">
+                <a:solidFill>
+                  <a:srgbClr val="000000"/>
+                </a:solidFill>
+                <a:latin typeface="Consolas" panose="020B0609020204030204" pitchFamily="49" charset="0"/>
+              </a:rPr>
+              <a:t> {</a:t>
+            </a:r>
+          </a:p>
+          <a:p>
+            <a:r>
+              <a:rPr lang="en-US" dirty="0">
+                <a:solidFill>
+                  <a:srgbClr val="000000"/>
+                </a:solidFill>
+                <a:latin typeface="Consolas" panose="020B0609020204030204" pitchFamily="49" charset="0"/>
+              </a:rPr>
+              <a:t>        console.log(</a:t>
+            </a:r>
+            <a:r>
+              <a:rPr lang="en-US" dirty="0">
+                <a:solidFill>
+                  <a:srgbClr val="A31515"/>
+                </a:solidFill>
+                <a:latin typeface="Consolas" panose="020B0609020204030204" pitchFamily="49" charset="0"/>
+              </a:rPr>
+              <a:t>`starting driver2(</a:t>
+            </a:r>
+            <a:r>
+              <a:rPr lang="en-US" dirty="0">
+                <a:solidFill>
+                  <a:srgbClr val="0000FF"/>
+                </a:solidFill>
+                <a:latin typeface="Consolas" panose="020B0609020204030204" pitchFamily="49" charset="0"/>
+              </a:rPr>
+              <a:t>${</a:t>
+            </a:r>
+            <a:r>
+              <a:rPr lang="en-US" dirty="0">
+                <a:solidFill>
+                  <a:srgbClr val="000000"/>
+                </a:solidFill>
+                <a:latin typeface="Consolas" panose="020B0609020204030204" pitchFamily="49" charset="0"/>
+              </a:rPr>
+              <a:t>flag</a:t>
+            </a:r>
+            <a:r>
+              <a:rPr lang="en-US" dirty="0">
+                <a:solidFill>
+                  <a:srgbClr val="0000FF"/>
+                </a:solidFill>
+                <a:latin typeface="Consolas" panose="020B0609020204030204" pitchFamily="49" charset="0"/>
+              </a:rPr>
+              <a:t>}</a:t>
+            </a:r>
+            <a:r>
+              <a:rPr lang="en-US" dirty="0">
+                <a:solidFill>
+                  <a:srgbClr val="A31515"/>
+                </a:solidFill>
+                <a:latin typeface="Consolas" panose="020B0609020204030204" pitchFamily="49" charset="0"/>
+              </a:rPr>
+              <a:t>)`</a:t>
+            </a:r>
+            <a:r>
+              <a:rPr lang="en-US" dirty="0">
+                <a:solidFill>
+                  <a:srgbClr val="000000"/>
+                </a:solidFill>
+                <a:latin typeface="Consolas" panose="020B0609020204030204" pitchFamily="49" charset="0"/>
+              </a:rPr>
+              <a:t>)</a:t>
+            </a:r>
+          </a:p>
+          <a:p>
+            <a:r>
+              <a:rPr lang="en-US" dirty="0">
+                <a:solidFill>
+                  <a:srgbClr val="000000"/>
+                </a:solidFill>
+                <a:latin typeface="Consolas" panose="020B0609020204030204" pitchFamily="49" charset="0"/>
+              </a:rPr>
+              <a:t>        </a:t>
+            </a:r>
+            <a:r>
+              <a:rPr lang="en-US" dirty="0">
+                <a:solidFill>
+                  <a:srgbClr val="0000FF"/>
+                </a:solidFill>
+                <a:latin typeface="Consolas" panose="020B0609020204030204" pitchFamily="49" charset="0"/>
+              </a:rPr>
+              <a:t>const</a:t>
+            </a:r>
+            <a:r>
+              <a:rPr lang="en-US" dirty="0">
+                <a:solidFill>
+                  <a:srgbClr val="000000"/>
+                </a:solidFill>
+                <a:latin typeface="Consolas" panose="020B0609020204030204" pitchFamily="49" charset="0"/>
+              </a:rPr>
+              <a:t> n = </a:t>
+            </a:r>
+            <a:r>
+              <a:rPr lang="en-US" dirty="0">
+                <a:solidFill>
+                  <a:srgbClr val="0000FF"/>
+                </a:solidFill>
+                <a:latin typeface="Consolas" panose="020B0609020204030204" pitchFamily="49" charset="0"/>
+              </a:rPr>
+              <a:t>await</a:t>
+            </a:r>
+            <a:r>
+              <a:rPr lang="en-US" dirty="0">
+                <a:solidFill>
+                  <a:srgbClr val="000000"/>
+                </a:solidFill>
+                <a:latin typeface="Consolas" panose="020B0609020204030204" pitchFamily="49" charset="0"/>
+              </a:rPr>
+              <a:t> makePromise1(</a:t>
+            </a:r>
+            <a:r>
+              <a:rPr lang="en-US" dirty="0" err="1">
+                <a:solidFill>
+                  <a:srgbClr val="000000"/>
+                </a:solidFill>
+                <a:latin typeface="Consolas" panose="020B0609020204030204" pitchFamily="49" charset="0"/>
+              </a:rPr>
+              <a:t>promiseName</a:t>
+            </a:r>
+            <a:r>
+              <a:rPr lang="en-US" dirty="0">
+                <a:solidFill>
+                  <a:srgbClr val="000000"/>
+                </a:solidFill>
+                <a:latin typeface="Consolas" panose="020B0609020204030204" pitchFamily="49" charset="0"/>
+              </a:rPr>
+              <a:t>, flag, </a:t>
+            </a:r>
+            <a:r>
+              <a:rPr lang="en-US" dirty="0">
+                <a:solidFill>
+                  <a:srgbClr val="098658"/>
+                </a:solidFill>
+                <a:latin typeface="Consolas" panose="020B0609020204030204" pitchFamily="49" charset="0"/>
+              </a:rPr>
+              <a:t>10</a:t>
+            </a:r>
+            <a:r>
+              <a:rPr lang="en-US" dirty="0">
+                <a:solidFill>
+                  <a:srgbClr val="000000"/>
+                </a:solidFill>
+                <a:latin typeface="Consolas" panose="020B0609020204030204" pitchFamily="49" charset="0"/>
+              </a:rPr>
+              <a:t>)</a:t>
+            </a:r>
+          </a:p>
+          <a:p>
+            <a:r>
+              <a:rPr lang="en-US" dirty="0">
+                <a:solidFill>
+                  <a:srgbClr val="000000"/>
+                </a:solidFill>
+                <a:latin typeface="Consolas" panose="020B0609020204030204" pitchFamily="49" charset="0"/>
+              </a:rPr>
+              <a:t>        console.log(</a:t>
+            </a:r>
+            <a:r>
+              <a:rPr lang="en-US" dirty="0">
+                <a:solidFill>
+                  <a:srgbClr val="A31515"/>
+                </a:solidFill>
+                <a:latin typeface="Consolas" panose="020B0609020204030204" pitchFamily="49" charset="0"/>
+              </a:rPr>
+              <a:t>`promise </a:t>
+            </a:r>
+            <a:r>
+              <a:rPr lang="en-US" dirty="0">
+                <a:solidFill>
+                  <a:srgbClr val="0000FF"/>
+                </a:solidFill>
+                <a:latin typeface="Consolas" panose="020B0609020204030204" pitchFamily="49" charset="0"/>
+              </a:rPr>
+              <a:t>${</a:t>
+            </a:r>
+            <a:r>
+              <a:rPr lang="en-US" dirty="0" err="1">
+                <a:solidFill>
+                  <a:srgbClr val="000000"/>
+                </a:solidFill>
+                <a:latin typeface="Consolas" panose="020B0609020204030204" pitchFamily="49" charset="0"/>
+              </a:rPr>
+              <a:t>promiseName</a:t>
+            </a:r>
+            <a:r>
+              <a:rPr lang="en-US" dirty="0">
+                <a:solidFill>
+                  <a:srgbClr val="0000FF"/>
+                </a:solidFill>
+                <a:latin typeface="Consolas" panose="020B0609020204030204" pitchFamily="49" charset="0"/>
+              </a:rPr>
+              <a:t>}</a:t>
+            </a:r>
+            <a:r>
+              <a:rPr lang="en-US" dirty="0">
+                <a:solidFill>
+                  <a:srgbClr val="A31515"/>
+                </a:solidFill>
+                <a:latin typeface="Consolas" panose="020B0609020204030204" pitchFamily="49" charset="0"/>
+              </a:rPr>
+              <a:t> fulfilled and passed </a:t>
+            </a:r>
+            <a:r>
+              <a:rPr lang="en-US" dirty="0">
+                <a:solidFill>
+                  <a:srgbClr val="0000FF"/>
+                </a:solidFill>
+                <a:latin typeface="Consolas" panose="020B0609020204030204" pitchFamily="49" charset="0"/>
+              </a:rPr>
+              <a:t>${</a:t>
+            </a:r>
+            <a:r>
+              <a:rPr lang="en-US" dirty="0">
+                <a:solidFill>
+                  <a:srgbClr val="000000"/>
+                </a:solidFill>
+                <a:latin typeface="Consolas" panose="020B0609020204030204" pitchFamily="49" charset="0"/>
+              </a:rPr>
+              <a:t>n</a:t>
+            </a:r>
+            <a:r>
+              <a:rPr lang="en-US" dirty="0">
+                <a:solidFill>
+                  <a:srgbClr val="0000FF"/>
+                </a:solidFill>
+                <a:latin typeface="Consolas" panose="020B0609020204030204" pitchFamily="49" charset="0"/>
+              </a:rPr>
+              <a:t>}</a:t>
+            </a:r>
+            <a:r>
+              <a:rPr lang="en-US" dirty="0">
+                <a:solidFill>
+                  <a:srgbClr val="A31515"/>
+                </a:solidFill>
+                <a:latin typeface="Consolas" panose="020B0609020204030204" pitchFamily="49" charset="0"/>
+              </a:rPr>
+              <a:t> to its successor`</a:t>
+            </a:r>
+            <a:r>
+              <a:rPr lang="en-US" dirty="0">
+                <a:solidFill>
+                  <a:srgbClr val="000000"/>
+                </a:solidFill>
+                <a:latin typeface="Consolas" panose="020B0609020204030204" pitchFamily="49" charset="0"/>
+              </a:rPr>
+              <a:t>);</a:t>
+            </a:r>
+          </a:p>
+          <a:p>
+            <a:r>
+              <a:rPr lang="en-US" dirty="0">
+                <a:solidFill>
+                  <a:srgbClr val="000000"/>
+                </a:solidFill>
+                <a:latin typeface="Consolas" panose="020B0609020204030204" pitchFamily="49" charset="0"/>
+              </a:rPr>
+              <a:t>        </a:t>
+            </a:r>
+            <a:r>
+              <a:rPr lang="en-US" dirty="0">
+                <a:solidFill>
+                  <a:srgbClr val="0000FF"/>
+                </a:solidFill>
+                <a:latin typeface="Consolas" panose="020B0609020204030204" pitchFamily="49" charset="0"/>
+              </a:rPr>
+              <a:t>const</a:t>
+            </a:r>
+            <a:r>
+              <a:rPr lang="en-US" dirty="0">
+                <a:solidFill>
+                  <a:srgbClr val="000000"/>
+                </a:solidFill>
+                <a:latin typeface="Consolas" panose="020B0609020204030204" pitchFamily="49" charset="0"/>
+              </a:rPr>
+              <a:t> m = n + </a:t>
+            </a:r>
+            <a:r>
+              <a:rPr lang="en-US" dirty="0">
+                <a:solidFill>
+                  <a:srgbClr val="098658"/>
+                </a:solidFill>
+                <a:latin typeface="Consolas" panose="020B0609020204030204" pitchFamily="49" charset="0"/>
+              </a:rPr>
+              <a:t>1</a:t>
+            </a:r>
+            <a:endParaRPr lang="en-US" dirty="0">
+              <a:solidFill>
+                <a:srgbClr val="000000"/>
+              </a:solidFill>
+              <a:latin typeface="Consolas" panose="020B0609020204030204" pitchFamily="49" charset="0"/>
+            </a:endParaRPr>
+          </a:p>
+          <a:p>
+            <a:r>
+              <a:rPr lang="en-US" dirty="0">
+                <a:solidFill>
+                  <a:srgbClr val="000000"/>
+                </a:solidFill>
+                <a:latin typeface="Consolas" panose="020B0609020204030204" pitchFamily="49" charset="0"/>
+              </a:rPr>
+              <a:t>        console.log(</a:t>
+            </a:r>
+            <a:r>
+              <a:rPr lang="en-US" dirty="0">
+                <a:solidFill>
+                  <a:srgbClr val="A31515"/>
+                </a:solidFill>
+                <a:latin typeface="Consolas" panose="020B0609020204030204" pitchFamily="49" charset="0"/>
+              </a:rPr>
+              <a:t>`the second then block received </a:t>
+            </a:r>
+            <a:r>
+              <a:rPr lang="en-US" dirty="0">
+                <a:solidFill>
+                  <a:srgbClr val="0000FF"/>
+                </a:solidFill>
+                <a:latin typeface="Consolas" panose="020B0609020204030204" pitchFamily="49" charset="0"/>
+              </a:rPr>
+              <a:t>${</a:t>
+            </a:r>
+            <a:r>
+              <a:rPr lang="en-US" dirty="0">
+                <a:solidFill>
+                  <a:srgbClr val="000000"/>
+                </a:solidFill>
+                <a:latin typeface="Consolas" panose="020B0609020204030204" pitchFamily="49" charset="0"/>
+              </a:rPr>
+              <a:t>m</a:t>
+            </a:r>
+            <a:r>
+              <a:rPr lang="en-US" dirty="0">
+                <a:solidFill>
+                  <a:srgbClr val="0000FF"/>
+                </a:solidFill>
+                <a:latin typeface="Consolas" panose="020B0609020204030204" pitchFamily="49" charset="0"/>
+              </a:rPr>
+              <a:t>}</a:t>
+            </a:r>
+            <a:r>
+              <a:rPr lang="en-US" dirty="0">
+                <a:solidFill>
+                  <a:srgbClr val="A31515"/>
+                </a:solidFill>
+                <a:latin typeface="Consolas" panose="020B0609020204030204" pitchFamily="49" charset="0"/>
+              </a:rPr>
+              <a:t>`</a:t>
+            </a:r>
+            <a:r>
+              <a:rPr lang="en-US" dirty="0">
+                <a:solidFill>
+                  <a:srgbClr val="000000"/>
+                </a:solidFill>
+                <a:latin typeface="Consolas" panose="020B0609020204030204" pitchFamily="49" charset="0"/>
+              </a:rPr>
+              <a:t>)</a:t>
+            </a:r>
+          </a:p>
+          <a:p>
+            <a:r>
+              <a:rPr lang="en-US" dirty="0">
+                <a:solidFill>
+                  <a:srgbClr val="000000"/>
+                </a:solidFill>
+                <a:latin typeface="Consolas" panose="020B0609020204030204" pitchFamily="49" charset="0"/>
+              </a:rPr>
+              <a:t>    } </a:t>
+            </a:r>
+            <a:r>
+              <a:rPr lang="en-US" dirty="0">
+                <a:solidFill>
+                  <a:srgbClr val="0000FF"/>
+                </a:solidFill>
+                <a:latin typeface="Consolas" panose="020B0609020204030204" pitchFamily="49" charset="0"/>
+              </a:rPr>
+              <a:t>catch</a:t>
+            </a:r>
+            <a:r>
+              <a:rPr lang="en-US" dirty="0">
+                <a:solidFill>
+                  <a:srgbClr val="000000"/>
+                </a:solidFill>
+                <a:latin typeface="Consolas" panose="020B0609020204030204" pitchFamily="49" charset="0"/>
+              </a:rPr>
+              <a:t> (n) { console.log(</a:t>
+            </a:r>
+            <a:r>
+              <a:rPr lang="en-US" dirty="0">
+                <a:solidFill>
+                  <a:srgbClr val="A31515"/>
+                </a:solidFill>
+                <a:latin typeface="Consolas" panose="020B0609020204030204" pitchFamily="49" charset="0"/>
+              </a:rPr>
+              <a:t>`promise </a:t>
+            </a:r>
+            <a:r>
+              <a:rPr lang="en-US" dirty="0">
+                <a:solidFill>
+                  <a:srgbClr val="0000FF"/>
+                </a:solidFill>
+                <a:latin typeface="Consolas" panose="020B0609020204030204" pitchFamily="49" charset="0"/>
+              </a:rPr>
+              <a:t>${</a:t>
+            </a:r>
+            <a:r>
+              <a:rPr lang="en-US" dirty="0" err="1">
+                <a:solidFill>
+                  <a:srgbClr val="000000"/>
+                </a:solidFill>
+                <a:latin typeface="Consolas" panose="020B0609020204030204" pitchFamily="49" charset="0"/>
+              </a:rPr>
+              <a:t>promiseName</a:t>
+            </a:r>
+            <a:r>
+              <a:rPr lang="en-US" dirty="0">
+                <a:solidFill>
+                  <a:srgbClr val="0000FF"/>
+                </a:solidFill>
+                <a:latin typeface="Consolas" panose="020B0609020204030204" pitchFamily="49" charset="0"/>
+              </a:rPr>
+              <a:t>}</a:t>
+            </a:r>
+            <a:r>
+              <a:rPr lang="en-US" dirty="0">
+                <a:solidFill>
+                  <a:srgbClr val="A31515"/>
+                </a:solidFill>
+                <a:latin typeface="Consolas" panose="020B0609020204030204" pitchFamily="49" charset="0"/>
+              </a:rPr>
+              <a:t> rejected and passed "</a:t>
+            </a:r>
+            <a:r>
+              <a:rPr lang="en-US" dirty="0">
+                <a:solidFill>
+                  <a:srgbClr val="0000FF"/>
+                </a:solidFill>
+                <a:latin typeface="Consolas" panose="020B0609020204030204" pitchFamily="49" charset="0"/>
+              </a:rPr>
+              <a:t>${</a:t>
+            </a:r>
+            <a:r>
+              <a:rPr lang="en-US" dirty="0">
+                <a:solidFill>
+                  <a:srgbClr val="000000"/>
+                </a:solidFill>
+                <a:latin typeface="Consolas" panose="020B0609020204030204" pitchFamily="49" charset="0"/>
+              </a:rPr>
+              <a:t>n</a:t>
+            </a:r>
+            <a:r>
+              <a:rPr lang="en-US" dirty="0">
+                <a:solidFill>
+                  <a:srgbClr val="0000FF"/>
+                </a:solidFill>
+                <a:latin typeface="Consolas" panose="020B0609020204030204" pitchFamily="49" charset="0"/>
+              </a:rPr>
+              <a:t>}</a:t>
+            </a:r>
+            <a:r>
+              <a:rPr lang="en-US" dirty="0">
+                <a:solidFill>
+                  <a:srgbClr val="A31515"/>
+                </a:solidFill>
+                <a:latin typeface="Consolas" panose="020B0609020204030204" pitchFamily="49" charset="0"/>
+              </a:rPr>
+              <a:t>" to its successor`</a:t>
+            </a:r>
+            <a:r>
+              <a:rPr lang="en-US" dirty="0">
+                <a:solidFill>
+                  <a:srgbClr val="000000"/>
+                </a:solidFill>
+                <a:latin typeface="Consolas" panose="020B0609020204030204" pitchFamily="49" charset="0"/>
+              </a:rPr>
+              <a:t>) }</a:t>
+            </a:r>
+          </a:p>
+          <a:p>
+            <a:r>
+              <a:rPr lang="en-US" dirty="0">
+                <a:solidFill>
+                  <a:srgbClr val="000000"/>
+                </a:solidFill>
+                <a:latin typeface="Consolas" panose="020B0609020204030204" pitchFamily="49" charset="0"/>
+              </a:rPr>
+              <a:t>}</a:t>
+            </a:r>
+            <a:endParaRPr lang="en-US" b="0" dirty="0">
+              <a:solidFill>
+                <a:srgbClr val="000000"/>
+              </a:solidFill>
+              <a:effectLst/>
+              <a:latin typeface="Consolas" panose="020B0609020204030204" pitchFamily="49" charset="0"/>
+            </a:endParaRPr>
+          </a:p>
+        </p:txBody>
+      </p:sp>
     </p:spTree>
     <p:extLst>
       <p:ext uri="{BB962C8B-B14F-4D97-AF65-F5344CB8AC3E}">
@@ -13373,7 +14138,160 @@
 </p:sld>
 </file>
 
-<file path=ppt/slides/slide21.xml><?xml version="1.0" encoding="utf-8"?>
+<file path=ppt/slides/slide2.xml><?xml version="1.0" encoding="utf-8"?>
+<p:sld xmlns:a="http://schemas.openxmlformats.org/drawingml/2006/main" xmlns:r="http://schemas.openxmlformats.org/officeDocument/2006/relationships" xmlns:p="http://schemas.openxmlformats.org/presentationml/2006/main">
+  <p:cSld>
+    <p:spTree>
+      <p:nvGrpSpPr>
+        <p:cNvPr id="1" name=""/>
+        <p:cNvGrpSpPr/>
+        <p:nvPr/>
+      </p:nvGrpSpPr>
+      <p:grpSpPr>
+        <a:xfrm>
+          <a:off x="0" y="0"/>
+          <a:ext cx="0" cy="0"/>
+          <a:chOff x="0" y="0"/>
+          <a:chExt cx="0" cy="0"/>
+        </a:xfrm>
+      </p:grpSpPr>
+      <p:sp>
+        <p:nvSpPr>
+          <p:cNvPr id="2" name="Title 1">
+            <a:extLst>
+              <a:ext uri="{FF2B5EF4-FFF2-40B4-BE49-F238E27FC236}">
+                <a16:creationId xmlns:a16="http://schemas.microsoft.com/office/drawing/2014/main" id="{B6D33575-0593-49FD-831F-131BB6CC7E6C}"/>
+              </a:ext>
+            </a:extLst>
+          </p:cNvPr>
+          <p:cNvSpPr>
+            <a:spLocks noGrp="1"/>
+          </p:cNvSpPr>
+          <p:nvPr>
+            <p:ph type="title"/>
+          </p:nvPr>
+        </p:nvSpPr>
+        <p:spPr/>
+        <p:txBody>
+          <a:bodyPr/>
+          <a:lstStyle/>
+          <a:p>
+            <a:r>
+              <a:rPr lang="en-US" dirty="0"/>
+              <a:t>Learning Objectives for this Lesson</a:t>
+            </a:r>
+          </a:p>
+        </p:txBody>
+      </p:sp>
+      <p:sp>
+        <p:nvSpPr>
+          <p:cNvPr id="3" name="Text Placeholder 2">
+            <a:extLst>
+              <a:ext uri="{FF2B5EF4-FFF2-40B4-BE49-F238E27FC236}">
+                <a16:creationId xmlns:a16="http://schemas.microsoft.com/office/drawing/2014/main" id="{5B21ECCD-9823-405F-AA9A-D0CC235AD583}"/>
+              </a:ext>
+            </a:extLst>
+          </p:cNvPr>
+          <p:cNvSpPr>
+            <a:spLocks noGrp="1"/>
+          </p:cNvSpPr>
+          <p:nvPr>
+            <p:ph idx="1"/>
+          </p:nvPr>
+        </p:nvSpPr>
+        <p:spPr/>
+        <p:txBody>
+          <a:bodyPr/>
+          <a:lstStyle/>
+          <a:p>
+            <a:r>
+              <a:rPr lang="en-US" dirty="0"/>
+              <a:t>By the end of this lesson you should be prepared to:</a:t>
+            </a:r>
+          </a:p>
+          <a:p>
+            <a:pPr lvl="1"/>
+            <a:r>
+              <a:rPr lang="en-US" dirty="0"/>
+              <a:t>Explain how a sequence of then/catch handlers handle successful promises and errors</a:t>
+            </a:r>
+          </a:p>
+          <a:p>
+            <a:pPr lvl="1"/>
+            <a:r>
+              <a:rPr lang="en-US" dirty="0"/>
+              <a:t>Explain how async/await works with try/catch to make asynchronous programming easier</a:t>
+            </a:r>
+          </a:p>
+          <a:p>
+            <a:pPr lvl="1"/>
+            <a:endParaRPr lang="en-US" dirty="0"/>
+          </a:p>
+          <a:p>
+            <a:pPr marL="457200" lvl="1" indent="0">
+              <a:buNone/>
+            </a:pPr>
+            <a:endParaRPr lang="en-US" dirty="0"/>
+          </a:p>
+          <a:p>
+            <a:pPr marL="914400" lvl="2" indent="0">
+              <a:buNone/>
+            </a:pPr>
+            <a:r>
+              <a:rPr lang="en-US" dirty="0"/>
+              <a:t>	</a:t>
+            </a:r>
+          </a:p>
+          <a:p>
+            <a:pPr lvl="1"/>
+            <a:endParaRPr lang="en-US" dirty="0"/>
+          </a:p>
+        </p:txBody>
+      </p:sp>
+      <p:sp>
+        <p:nvSpPr>
+          <p:cNvPr id="5" name="Slide Number Placeholder 4">
+            <a:extLst>
+              <a:ext uri="{FF2B5EF4-FFF2-40B4-BE49-F238E27FC236}">
+                <a16:creationId xmlns:a16="http://schemas.microsoft.com/office/drawing/2014/main" id="{D3CB1048-3EB8-4281-8361-E7EB70F6FBBC}"/>
+              </a:ext>
+            </a:extLst>
+          </p:cNvPr>
+          <p:cNvSpPr>
+            <a:spLocks noGrp="1"/>
+          </p:cNvSpPr>
+          <p:nvPr>
+            <p:ph type="sldNum" sz="quarter" idx="12"/>
+          </p:nvPr>
+        </p:nvSpPr>
+        <p:spPr/>
+        <p:txBody>
+          <a:bodyPr/>
+          <a:lstStyle/>
+          <a:p>
+            <a:fld id="{86CB4B4D-7CA3-9044-876B-883B54F8677D}" type="slidenum">
+              <a:rPr lang="en-US" smtClean="0"/>
+              <a:pPr/>
+              <a:t>2</a:t>
+            </a:fld>
+            <a:endParaRPr lang="en-US"/>
+          </a:p>
+        </p:txBody>
+      </p:sp>
+    </p:spTree>
+    <p:extLst>
+      <p:ext uri="{BB962C8B-B14F-4D97-AF65-F5344CB8AC3E}">
+        <p14:creationId xmlns:p14="http://schemas.microsoft.com/office/powerpoint/2010/main" val="3915051007"/>
+      </p:ext>
+    </p:extLst>
+  </p:cSld>
+  <p:clrMapOvr>
+    <a:masterClrMapping/>
+  </p:clrMapOvr>
+</p:sld>
+</file>
+
+<file path=ppt/slides/slide20.xml><?xml version="1.0" encoding="utf-8"?>
 <p:sld xmlns:a="http://schemas.openxmlformats.org/drawingml/2006/main" xmlns:r="http://schemas.openxmlformats.org/officeDocument/2006/relationships" xmlns:p="http://schemas.openxmlformats.org/presentationml/2006/main">
   <p:cSld>
     <p:spTree>
@@ -13441,7 +14359,7 @@
           <a:p>
             <a:fld id="{20F37917-FD3A-4669-9018-DA04BCDD3D75}" type="slidenum">
               <a:rPr lang="en-US" smtClean="0"/>
-              <a:t>21</a:t>
+              <a:t>20</a:t>
             </a:fld>
             <a:endParaRPr lang="en-US"/>
           </a:p>
@@ -14277,7 +15195,7 @@
 </p:sld>
 </file>
 
-<file path=ppt/slides/slide22.xml><?xml version="1.0" encoding="utf-8"?>
+<file path=ppt/slides/slide21.xml><?xml version="1.0" encoding="utf-8"?>
 <p:sld xmlns:a="http://schemas.openxmlformats.org/drawingml/2006/main" xmlns:r="http://schemas.openxmlformats.org/officeDocument/2006/relationships" xmlns:p="http://schemas.openxmlformats.org/presentationml/2006/main">
   <p:cSld>
     <p:spTree>
@@ -14345,7 +15263,7 @@
           <a:p>
             <a:fld id="{20F37917-FD3A-4669-9018-DA04BCDD3D75}" type="slidenum">
               <a:rPr lang="en-US" smtClean="0"/>
-              <a:t>22</a:t>
+              <a:t>21</a:t>
             </a:fld>
             <a:endParaRPr lang="en-US"/>
           </a:p>
@@ -15149,6 +16067,534 @@
     <p:extLst>
       <p:ext uri="{BB962C8B-B14F-4D97-AF65-F5344CB8AC3E}">
         <p14:creationId xmlns:p14="http://schemas.microsoft.com/office/powerpoint/2010/main" val="4032383032"/>
+      </p:ext>
+    </p:extLst>
+  </p:cSld>
+  <p:clrMapOvr>
+    <a:masterClrMapping/>
+  </p:clrMapOvr>
+  <p:timing>
+    <p:tnLst>
+      <p:par>
+        <p:cTn id="1" dur="indefinite" restart="never" nodeType="tmRoot">
+          <p:childTnLst>
+            <p:seq concurrent="1" nextAc="seek">
+              <p:cTn id="2" dur="indefinite" nodeType="mainSeq">
+                <p:childTnLst>
+                  <p:par>
+                    <p:cTn id="3" fill="hold">
+                      <p:stCondLst>
+                        <p:cond delay="indefinite"/>
+                      </p:stCondLst>
+                      <p:childTnLst>
+                        <p:par>
+                          <p:cTn id="4" fill="hold">
+                            <p:stCondLst>
+                              <p:cond delay="0"/>
+                            </p:stCondLst>
+                            <p:childTnLst>
+                              <p:par>
+                                <p:cTn id="5" presetID="1" presetClass="entr" presetSubtype="0" fill="hold" grpId="0" nodeType="clickEffect">
+                                  <p:stCondLst>
+                                    <p:cond delay="0"/>
+                                  </p:stCondLst>
+                                  <p:childTnLst>
+                                    <p:set>
+                                      <p:cBhvr>
+                                        <p:cTn id="6" dur="1" fill="hold">
+                                          <p:stCondLst>
+                                            <p:cond delay="9"/>
+                                          </p:stCondLst>
+                                        </p:cTn>
+                                        <p:tgtEl>
+                                          <p:spTgt spid="7"/>
+                                        </p:tgtEl>
+                                        <p:attrNameLst>
+                                          <p:attrName>style.visibility</p:attrName>
+                                        </p:attrNameLst>
+                                      </p:cBhvr>
+                                      <p:to>
+                                        <p:strVal val="visible"/>
+                                      </p:to>
+                                    </p:set>
+                                  </p:childTnLst>
+                                </p:cTn>
+                              </p:par>
+                            </p:childTnLst>
+                          </p:cTn>
+                        </p:par>
+                      </p:childTnLst>
+                    </p:cTn>
+                  </p:par>
+                </p:childTnLst>
+              </p:cTn>
+              <p:prevCondLst>
+                <p:cond evt="onPrev" delay="0">
+                  <p:tgtEl>
+                    <p:sldTgt/>
+                  </p:tgtEl>
+                </p:cond>
+              </p:prevCondLst>
+              <p:nextCondLst>
+                <p:cond evt="onNext" delay="0">
+                  <p:tgtEl>
+                    <p:sldTgt/>
+                  </p:tgtEl>
+                </p:cond>
+              </p:nextCondLst>
+            </p:seq>
+          </p:childTnLst>
+        </p:cTn>
+      </p:par>
+    </p:tnLst>
+    <p:bldLst>
+      <p:bldP spid="7" grpId="0" animBg="1"/>
+    </p:bldLst>
+  </p:timing>
+</p:sld>
+</file>
+
+<file path=ppt/slides/slide22.xml><?xml version="1.0" encoding="utf-8"?>
+<p:sld xmlns:a="http://schemas.openxmlformats.org/drawingml/2006/main" xmlns:r="http://schemas.openxmlformats.org/officeDocument/2006/relationships" xmlns:p="http://schemas.openxmlformats.org/presentationml/2006/main">
+  <p:cSld>
+    <p:spTree>
+      <p:nvGrpSpPr>
+        <p:cNvPr id="1" name=""/>
+        <p:cNvGrpSpPr/>
+        <p:nvPr/>
+      </p:nvGrpSpPr>
+      <p:grpSpPr>
+        <a:xfrm>
+          <a:off x="0" y="0"/>
+          <a:ext cx="0" cy="0"/>
+          <a:chOff x="0" y="0"/>
+          <a:chExt cx="0" cy="0"/>
+        </a:xfrm>
+      </p:grpSpPr>
+      <p:sp>
+        <p:nvSpPr>
+          <p:cNvPr id="2" name="Title 1">
+            <a:extLst>
+              <a:ext uri="{FF2B5EF4-FFF2-40B4-BE49-F238E27FC236}">
+                <a16:creationId xmlns:a16="http://schemas.microsoft.com/office/drawing/2014/main" id="{D0900645-C5DE-4E16-8898-85F7E1A5147C}"/>
+              </a:ext>
+            </a:extLst>
+          </p:cNvPr>
+          <p:cNvSpPr>
+            <a:spLocks noGrp="1"/>
+          </p:cNvSpPr>
+          <p:nvPr>
+            <p:ph type="title"/>
+          </p:nvPr>
+        </p:nvSpPr>
+        <p:spPr/>
+        <p:txBody>
+          <a:bodyPr/>
+          <a:lstStyle/>
+          <a:p>
+            <a:r>
+              <a:rPr lang="en-US" dirty="0"/>
+              <a:t>The outputs, side by side</a:t>
+            </a:r>
+          </a:p>
+        </p:txBody>
+      </p:sp>
+      <p:sp>
+        <p:nvSpPr>
+          <p:cNvPr id="4" name="Slide Number Placeholder 3">
+            <a:extLst>
+              <a:ext uri="{FF2B5EF4-FFF2-40B4-BE49-F238E27FC236}">
+                <a16:creationId xmlns:a16="http://schemas.microsoft.com/office/drawing/2014/main" id="{7C9354BC-1F00-4067-956A-EA24FB97CADE}"/>
+              </a:ext>
+            </a:extLst>
+          </p:cNvPr>
+          <p:cNvSpPr>
+            <a:spLocks noGrp="1"/>
+          </p:cNvSpPr>
+          <p:nvPr>
+            <p:ph type="sldNum" sz="quarter" idx="12"/>
+          </p:nvPr>
+        </p:nvSpPr>
+        <p:spPr/>
+        <p:txBody>
+          <a:bodyPr/>
+          <a:lstStyle/>
+          <a:p>
+            <a:fld id="{20F37917-FD3A-4669-9018-DA04BCDD3D75}" type="slidenum">
+              <a:rPr lang="en-US" smtClean="0"/>
+              <a:t>22</a:t>
+            </a:fld>
+            <a:endParaRPr lang="en-US"/>
+          </a:p>
+        </p:txBody>
+      </p:sp>
+      <p:sp>
+        <p:nvSpPr>
+          <p:cNvPr id="5" name="Rectangle 4">
+            <a:extLst>
+              <a:ext uri="{FF2B5EF4-FFF2-40B4-BE49-F238E27FC236}">
+                <a16:creationId xmlns:a16="http://schemas.microsoft.com/office/drawing/2014/main" id="{D33C9D01-E7DB-4195-B9D0-15F6EC5D86D4}"/>
+              </a:ext>
+            </a:extLst>
+          </p:cNvPr>
+          <p:cNvSpPr/>
+          <p:nvPr/>
+        </p:nvSpPr>
+        <p:spPr>
+          <a:xfrm>
+            <a:off x="921434" y="1576766"/>
+            <a:ext cx="6096000" cy="5262979"/>
+          </a:xfrm>
+          <a:prstGeom prst="rect">
+            <a:avLst/>
+          </a:prstGeom>
+          <a:solidFill>
+            <a:schemeClr val="bg1"/>
+          </a:solidFill>
+          <a:ln w="19050">
+            <a:solidFill>
+              <a:schemeClr val="tx1"/>
+            </a:solidFill>
+          </a:ln>
+        </p:spPr>
+        <p:txBody>
+          <a:bodyPr wrap="square">
+            <a:spAutoFit/>
+          </a:bodyPr>
+          <a:lstStyle/>
+          <a:p>
+            <a:r>
+              <a:rPr lang="en-US" sz="1600" dirty="0">
+                <a:latin typeface="Consolas" panose="020B0609020204030204" pitchFamily="49" charset="0"/>
+              </a:rPr>
+              <a:t>main handler starting</a:t>
+            </a:r>
+          </a:p>
+          <a:p>
+            <a:r>
+              <a:rPr lang="en-US" sz="1600" dirty="0">
+                <a:latin typeface="Consolas" panose="020B0609020204030204" pitchFamily="49" charset="0"/>
+              </a:rPr>
+              <a:t>first group</a:t>
+            </a:r>
+          </a:p>
+          <a:p>
+            <a:r>
+              <a:rPr lang="en-US" sz="1600" dirty="0">
+                <a:latin typeface="Consolas" panose="020B0609020204030204" pitchFamily="49" charset="0"/>
+              </a:rPr>
+              <a:t>starting driver(true)</a:t>
+            </a:r>
+          </a:p>
+          <a:p>
+            <a:r>
+              <a:rPr lang="en-US" sz="1600" dirty="0">
+                <a:latin typeface="Consolas" panose="020B0609020204030204" pitchFamily="49" charset="0"/>
+              </a:rPr>
+              <a:t>creating new promise promise1</a:t>
+            </a:r>
+          </a:p>
+          <a:p>
+            <a:r>
+              <a:rPr lang="en-US" sz="1600" dirty="0">
+                <a:latin typeface="Consolas" panose="020B0609020204030204" pitchFamily="49" charset="0"/>
+              </a:rPr>
+              <a:t>starting driver(false)</a:t>
+            </a:r>
+          </a:p>
+          <a:p>
+            <a:r>
+              <a:rPr lang="en-US" sz="1600" dirty="0">
+                <a:latin typeface="Consolas" panose="020B0609020204030204" pitchFamily="49" charset="0"/>
+              </a:rPr>
+              <a:t>creating new promise promise2</a:t>
+            </a:r>
+          </a:p>
+          <a:p>
+            <a:r>
+              <a:rPr lang="en-US" sz="1600" dirty="0">
+                <a:latin typeface="Consolas" panose="020B0609020204030204" pitchFamily="49" charset="0"/>
+              </a:rPr>
+              <a:t>starting driver2(true)</a:t>
+            </a:r>
+          </a:p>
+          <a:p>
+            <a:r>
+              <a:rPr lang="en-US" sz="1600" dirty="0">
+                <a:latin typeface="Consolas" panose="020B0609020204030204" pitchFamily="49" charset="0"/>
+              </a:rPr>
+              <a:t>creating new promise promise1a</a:t>
+            </a:r>
+          </a:p>
+          <a:p>
+            <a:r>
+              <a:rPr lang="en-US" sz="1600" dirty="0">
+                <a:latin typeface="Consolas" panose="020B0609020204030204" pitchFamily="49" charset="0"/>
+              </a:rPr>
+              <a:t>starting driver2(false)</a:t>
+            </a:r>
+          </a:p>
+          <a:p>
+            <a:r>
+              <a:rPr lang="en-US" sz="1600" dirty="0">
+                <a:latin typeface="Consolas" panose="020B0609020204030204" pitchFamily="49" charset="0"/>
+              </a:rPr>
+              <a:t>creating new promise promise2a</a:t>
+            </a:r>
+          </a:p>
+          <a:p>
+            <a:r>
+              <a:rPr lang="en-US" sz="1600" dirty="0">
+                <a:latin typeface="Consolas" panose="020B0609020204030204" pitchFamily="49" charset="0"/>
+              </a:rPr>
+              <a:t>main handler finished</a:t>
+            </a:r>
+          </a:p>
+          <a:p>
+            <a:r>
+              <a:rPr lang="en-US" sz="1600" dirty="0">
+                <a:latin typeface="Consolas" panose="020B0609020204030204" pitchFamily="49" charset="0"/>
+              </a:rPr>
+              <a:t>promise promise1 now running; flag = true</a:t>
+            </a:r>
+          </a:p>
+          <a:p>
+            <a:r>
+              <a:rPr lang="en-US" sz="1600" dirty="0">
+                <a:latin typeface="Consolas" panose="020B0609020204030204" pitchFamily="49" charset="0"/>
+              </a:rPr>
+              <a:t>promise promise1 now fulfilling with 10</a:t>
+            </a:r>
+          </a:p>
+          <a:p>
+            <a:r>
+              <a:rPr lang="en-US" sz="1600" dirty="0">
+                <a:latin typeface="Consolas" panose="020B0609020204030204" pitchFamily="49" charset="0"/>
+              </a:rPr>
+              <a:t>promise promise1 fulfilled and passed 10 to its successor</a:t>
+            </a:r>
+          </a:p>
+          <a:p>
+            <a:r>
+              <a:rPr lang="en-US" sz="1600" dirty="0">
+                <a:latin typeface="Consolas" panose="020B0609020204030204" pitchFamily="49" charset="0"/>
+              </a:rPr>
+              <a:t>the second then block received 11</a:t>
+            </a:r>
+          </a:p>
+          <a:p>
+            <a:r>
+              <a:rPr lang="en-US" sz="1600" dirty="0">
+                <a:latin typeface="Consolas" panose="020B0609020204030204" pitchFamily="49" charset="0"/>
+              </a:rPr>
+              <a:t>promise promise2 now running; flag = false</a:t>
+            </a:r>
+          </a:p>
+          <a:p>
+            <a:r>
+              <a:rPr lang="en-US" sz="1600" dirty="0">
+                <a:latin typeface="Consolas" panose="020B0609020204030204" pitchFamily="49" charset="0"/>
+              </a:rPr>
+              <a:t>promise promise2 now rejecting</a:t>
+            </a:r>
+          </a:p>
+          <a:p>
+            <a:r>
+              <a:rPr lang="en-US" sz="1600" dirty="0">
+                <a:latin typeface="Consolas" panose="020B0609020204030204" pitchFamily="49" charset="0"/>
+              </a:rPr>
+              <a:t>promise promise2 rejected and passed "promise promise2 was rejected" to its successor</a:t>
+            </a:r>
+          </a:p>
+          <a:p>
+            <a:r>
+              <a:rPr lang="en-US" sz="1600" dirty="0">
+                <a:solidFill>
+                  <a:schemeClr val="accent4">
+                    <a:lumMod val="75000"/>
+                  </a:schemeClr>
+                </a:solidFill>
+                <a:latin typeface="Consolas" panose="020B0609020204030204" pitchFamily="49" charset="0"/>
+              </a:rPr>
+              <a:t>(continued on next slide)</a:t>
+            </a:r>
+          </a:p>
+        </p:txBody>
+      </p:sp>
+      <p:sp>
+        <p:nvSpPr>
+          <p:cNvPr id="6" name="Rectangle 5">
+            <a:extLst>
+              <a:ext uri="{FF2B5EF4-FFF2-40B4-BE49-F238E27FC236}">
+                <a16:creationId xmlns:a16="http://schemas.microsoft.com/office/drawing/2014/main" id="{61D7DB66-E84B-4BBB-A43E-BB90D316FE85}"/>
+              </a:ext>
+            </a:extLst>
+          </p:cNvPr>
+          <p:cNvSpPr/>
+          <p:nvPr/>
+        </p:nvSpPr>
+        <p:spPr>
+          <a:xfrm>
+            <a:off x="6274190" y="3984367"/>
+            <a:ext cx="5507502" cy="2554545"/>
+          </a:xfrm>
+          <a:prstGeom prst="rect">
+            <a:avLst/>
+          </a:prstGeom>
+          <a:solidFill>
+            <a:schemeClr val="bg1"/>
+          </a:solidFill>
+          <a:ln w="19050">
+            <a:solidFill>
+              <a:schemeClr val="tx1"/>
+            </a:solidFill>
+          </a:ln>
+        </p:spPr>
+        <p:txBody>
+          <a:bodyPr wrap="square">
+            <a:spAutoFit/>
+          </a:bodyPr>
+          <a:lstStyle/>
+          <a:p>
+            <a:r>
+              <a:rPr lang="en-US" sz="1600" dirty="0">
+                <a:solidFill>
+                  <a:schemeClr val="accent4">
+                    <a:lumMod val="75000"/>
+                  </a:schemeClr>
+                </a:solidFill>
+                <a:latin typeface="Consolas" panose="020B0609020204030204" pitchFamily="49" charset="0"/>
+              </a:rPr>
+              <a:t>(continued from preceding slide)</a:t>
+            </a:r>
+          </a:p>
+          <a:p>
+            <a:r>
+              <a:rPr lang="en-US" sz="1600" dirty="0">
+                <a:latin typeface="Consolas" panose="020B0609020204030204" pitchFamily="49" charset="0"/>
+              </a:rPr>
+              <a:t>promise promise1a now running; flag = true</a:t>
+            </a:r>
+          </a:p>
+          <a:p>
+            <a:r>
+              <a:rPr lang="en-US" sz="1600" dirty="0">
+                <a:latin typeface="Consolas" panose="020B0609020204030204" pitchFamily="49" charset="0"/>
+              </a:rPr>
+              <a:t>promise promise1a now fulfilling with 10</a:t>
+            </a:r>
+          </a:p>
+          <a:p>
+            <a:r>
+              <a:rPr lang="en-US" sz="1600" dirty="0">
+                <a:latin typeface="Consolas" panose="020B0609020204030204" pitchFamily="49" charset="0"/>
+              </a:rPr>
+              <a:t>promise promise1a fulfilled and passed 10 to its successor</a:t>
+            </a:r>
+          </a:p>
+          <a:p>
+            <a:r>
+              <a:rPr lang="en-US" sz="1600" dirty="0">
+                <a:latin typeface="Consolas" panose="020B0609020204030204" pitchFamily="49" charset="0"/>
+              </a:rPr>
+              <a:t>the second then block received 11</a:t>
+            </a:r>
+          </a:p>
+          <a:p>
+            <a:r>
+              <a:rPr lang="en-US" sz="1600" dirty="0">
+                <a:latin typeface="Consolas" panose="020B0609020204030204" pitchFamily="49" charset="0"/>
+              </a:rPr>
+              <a:t>promise promise2a now running; flag = false</a:t>
+            </a:r>
+          </a:p>
+          <a:p>
+            <a:r>
+              <a:rPr lang="en-US" sz="1600" dirty="0">
+                <a:latin typeface="Consolas" panose="020B0609020204030204" pitchFamily="49" charset="0"/>
+              </a:rPr>
+              <a:t>promise promise2a now rejecting</a:t>
+            </a:r>
+          </a:p>
+          <a:p>
+            <a:r>
+              <a:rPr lang="en-US" sz="1600" dirty="0">
+                <a:latin typeface="Consolas" panose="020B0609020204030204" pitchFamily="49" charset="0"/>
+              </a:rPr>
+              <a:t>promise promise2a rejected and passed "promise promise2a was rejected" to its successor</a:t>
+            </a:r>
+          </a:p>
+        </p:txBody>
+      </p:sp>
+      <p:sp>
+        <p:nvSpPr>
+          <p:cNvPr id="7" name="Rectangle 6">
+            <a:extLst>
+              <a:ext uri="{FF2B5EF4-FFF2-40B4-BE49-F238E27FC236}">
+                <a16:creationId xmlns:a16="http://schemas.microsoft.com/office/drawing/2014/main" id="{95163412-86B0-494D-98DA-140322F4B1EB}"/>
+              </a:ext>
+            </a:extLst>
+          </p:cNvPr>
+          <p:cNvSpPr/>
+          <p:nvPr/>
+        </p:nvSpPr>
+        <p:spPr>
+          <a:xfrm>
+            <a:off x="8340969" y="2006949"/>
+            <a:ext cx="2863948" cy="1071629"/>
+          </a:xfrm>
+          <a:prstGeom prst="rect">
+            <a:avLst/>
+          </a:prstGeom>
+          <a:solidFill>
+            <a:schemeClr val="accent2">
+              <a:lumMod val="20000"/>
+              <a:lumOff val="80000"/>
+            </a:schemeClr>
+          </a:solidFill>
+          <a:ln>
+            <a:solidFill>
+              <a:srgbClr val="0070C0"/>
+            </a:solidFill>
+          </a:ln>
+        </p:spPr>
+        <p:style>
+          <a:lnRef idx="2">
+            <a:schemeClr val="accent1">
+              <a:shade val="50000"/>
+            </a:schemeClr>
+          </a:lnRef>
+          <a:fillRef idx="1">
+            <a:schemeClr val="accent1"/>
+          </a:fillRef>
+          <a:effectRef idx="0">
+            <a:schemeClr val="accent1"/>
+          </a:effectRef>
+          <a:fontRef idx="minor">
+            <a:schemeClr val="lt1"/>
+          </a:fontRef>
+        </p:style>
+        <p:txBody>
+          <a:bodyPr rtlCol="0" anchor="ctr"/>
+          <a:lstStyle/>
+          <a:p>
+            <a:pPr algn="ctr"/>
+            <a:r>
+              <a:rPr lang="en-US" sz="3200" b="1" dirty="0">
+                <a:solidFill>
+                  <a:schemeClr val="tx1"/>
+                </a:solidFill>
+                <a:latin typeface="Ink Free" panose="03080402000500000000" pitchFamily="66" charset="0"/>
+              </a:rPr>
+              <a:t>Indeed, same behavior!</a:t>
+            </a:r>
+          </a:p>
+        </p:txBody>
+      </p:sp>
+    </p:spTree>
+    <p:extLst>
+      <p:ext uri="{BB962C8B-B14F-4D97-AF65-F5344CB8AC3E}">
+        <p14:creationId xmlns:p14="http://schemas.microsoft.com/office/powerpoint/2010/main" val="2249277706"/>
       </p:ext>
     </p:extLst>
   </p:cSld>
@@ -15258,534 +16704,6 @@
           <p:cNvPr id="2" name="Title 1">
             <a:extLst>
               <a:ext uri="{FF2B5EF4-FFF2-40B4-BE49-F238E27FC236}">
-                <a16:creationId xmlns:a16="http://schemas.microsoft.com/office/drawing/2014/main" id="{D0900645-C5DE-4E16-8898-85F7E1A5147C}"/>
-              </a:ext>
-            </a:extLst>
-          </p:cNvPr>
-          <p:cNvSpPr>
-            <a:spLocks noGrp="1"/>
-          </p:cNvSpPr>
-          <p:nvPr>
-            <p:ph type="title"/>
-          </p:nvPr>
-        </p:nvSpPr>
-        <p:spPr/>
-        <p:txBody>
-          <a:bodyPr/>
-          <a:lstStyle/>
-          <a:p>
-            <a:r>
-              <a:rPr lang="en-US" dirty="0"/>
-              <a:t>The outputs, side by side</a:t>
-            </a:r>
-          </a:p>
-        </p:txBody>
-      </p:sp>
-      <p:sp>
-        <p:nvSpPr>
-          <p:cNvPr id="4" name="Slide Number Placeholder 3">
-            <a:extLst>
-              <a:ext uri="{FF2B5EF4-FFF2-40B4-BE49-F238E27FC236}">
-                <a16:creationId xmlns:a16="http://schemas.microsoft.com/office/drawing/2014/main" id="{7C9354BC-1F00-4067-956A-EA24FB97CADE}"/>
-              </a:ext>
-            </a:extLst>
-          </p:cNvPr>
-          <p:cNvSpPr>
-            <a:spLocks noGrp="1"/>
-          </p:cNvSpPr>
-          <p:nvPr>
-            <p:ph type="sldNum" sz="quarter" idx="12"/>
-          </p:nvPr>
-        </p:nvSpPr>
-        <p:spPr/>
-        <p:txBody>
-          <a:bodyPr/>
-          <a:lstStyle/>
-          <a:p>
-            <a:fld id="{20F37917-FD3A-4669-9018-DA04BCDD3D75}" type="slidenum">
-              <a:rPr lang="en-US" smtClean="0"/>
-              <a:t>23</a:t>
-            </a:fld>
-            <a:endParaRPr lang="en-US"/>
-          </a:p>
-        </p:txBody>
-      </p:sp>
-      <p:sp>
-        <p:nvSpPr>
-          <p:cNvPr id="5" name="Rectangle 4">
-            <a:extLst>
-              <a:ext uri="{FF2B5EF4-FFF2-40B4-BE49-F238E27FC236}">
-                <a16:creationId xmlns:a16="http://schemas.microsoft.com/office/drawing/2014/main" id="{D33C9D01-E7DB-4195-B9D0-15F6EC5D86D4}"/>
-              </a:ext>
-            </a:extLst>
-          </p:cNvPr>
-          <p:cNvSpPr/>
-          <p:nvPr/>
-        </p:nvSpPr>
-        <p:spPr>
-          <a:xfrm>
-            <a:off x="921434" y="1576766"/>
-            <a:ext cx="6096000" cy="5262979"/>
-          </a:xfrm>
-          <a:prstGeom prst="rect">
-            <a:avLst/>
-          </a:prstGeom>
-          <a:solidFill>
-            <a:schemeClr val="bg1"/>
-          </a:solidFill>
-          <a:ln w="19050">
-            <a:solidFill>
-              <a:schemeClr val="tx1"/>
-            </a:solidFill>
-          </a:ln>
-        </p:spPr>
-        <p:txBody>
-          <a:bodyPr wrap="square">
-            <a:spAutoFit/>
-          </a:bodyPr>
-          <a:lstStyle/>
-          <a:p>
-            <a:r>
-              <a:rPr lang="en-US" sz="1600" dirty="0">
-                <a:latin typeface="Consolas" panose="020B0609020204030204" pitchFamily="49" charset="0"/>
-              </a:rPr>
-              <a:t>main handler starting</a:t>
-            </a:r>
-          </a:p>
-          <a:p>
-            <a:r>
-              <a:rPr lang="en-US" sz="1600" dirty="0">
-                <a:latin typeface="Consolas" panose="020B0609020204030204" pitchFamily="49" charset="0"/>
-              </a:rPr>
-              <a:t>first group</a:t>
-            </a:r>
-          </a:p>
-          <a:p>
-            <a:r>
-              <a:rPr lang="en-US" sz="1600" dirty="0">
-                <a:latin typeface="Consolas" panose="020B0609020204030204" pitchFamily="49" charset="0"/>
-              </a:rPr>
-              <a:t>starting driver(true)</a:t>
-            </a:r>
-          </a:p>
-          <a:p>
-            <a:r>
-              <a:rPr lang="en-US" sz="1600" dirty="0">
-                <a:latin typeface="Consolas" panose="020B0609020204030204" pitchFamily="49" charset="0"/>
-              </a:rPr>
-              <a:t>creating new promise promise1</a:t>
-            </a:r>
-          </a:p>
-          <a:p>
-            <a:r>
-              <a:rPr lang="en-US" sz="1600" dirty="0">
-                <a:latin typeface="Consolas" panose="020B0609020204030204" pitchFamily="49" charset="0"/>
-              </a:rPr>
-              <a:t>starting driver(false)</a:t>
-            </a:r>
-          </a:p>
-          <a:p>
-            <a:r>
-              <a:rPr lang="en-US" sz="1600" dirty="0">
-                <a:latin typeface="Consolas" panose="020B0609020204030204" pitchFamily="49" charset="0"/>
-              </a:rPr>
-              <a:t>creating new promise promise2</a:t>
-            </a:r>
-          </a:p>
-          <a:p>
-            <a:r>
-              <a:rPr lang="en-US" sz="1600" dirty="0">
-                <a:latin typeface="Consolas" panose="020B0609020204030204" pitchFamily="49" charset="0"/>
-              </a:rPr>
-              <a:t>starting driver2(true)</a:t>
-            </a:r>
-          </a:p>
-          <a:p>
-            <a:r>
-              <a:rPr lang="en-US" sz="1600" dirty="0">
-                <a:latin typeface="Consolas" panose="020B0609020204030204" pitchFamily="49" charset="0"/>
-              </a:rPr>
-              <a:t>creating new promise promise1a</a:t>
-            </a:r>
-          </a:p>
-          <a:p>
-            <a:r>
-              <a:rPr lang="en-US" sz="1600" dirty="0">
-                <a:latin typeface="Consolas" panose="020B0609020204030204" pitchFamily="49" charset="0"/>
-              </a:rPr>
-              <a:t>starting driver2(false)</a:t>
-            </a:r>
-          </a:p>
-          <a:p>
-            <a:r>
-              <a:rPr lang="en-US" sz="1600" dirty="0">
-                <a:latin typeface="Consolas" panose="020B0609020204030204" pitchFamily="49" charset="0"/>
-              </a:rPr>
-              <a:t>creating new promise promise2a</a:t>
-            </a:r>
-          </a:p>
-          <a:p>
-            <a:r>
-              <a:rPr lang="en-US" sz="1600" dirty="0">
-                <a:latin typeface="Consolas" panose="020B0609020204030204" pitchFamily="49" charset="0"/>
-              </a:rPr>
-              <a:t>main handler finished</a:t>
-            </a:r>
-          </a:p>
-          <a:p>
-            <a:r>
-              <a:rPr lang="en-US" sz="1600" dirty="0">
-                <a:latin typeface="Consolas" panose="020B0609020204030204" pitchFamily="49" charset="0"/>
-              </a:rPr>
-              <a:t>promise promise1 now running; flag = true</a:t>
-            </a:r>
-          </a:p>
-          <a:p>
-            <a:r>
-              <a:rPr lang="en-US" sz="1600" dirty="0">
-                <a:latin typeface="Consolas" panose="020B0609020204030204" pitchFamily="49" charset="0"/>
-              </a:rPr>
-              <a:t>promise promise1 now fulfilling with 10</a:t>
-            </a:r>
-          </a:p>
-          <a:p>
-            <a:r>
-              <a:rPr lang="en-US" sz="1600" dirty="0">
-                <a:latin typeface="Consolas" panose="020B0609020204030204" pitchFamily="49" charset="0"/>
-              </a:rPr>
-              <a:t>promise promise1 fulfilled and passed 10 to its successor</a:t>
-            </a:r>
-          </a:p>
-          <a:p>
-            <a:r>
-              <a:rPr lang="en-US" sz="1600" dirty="0">
-                <a:latin typeface="Consolas" panose="020B0609020204030204" pitchFamily="49" charset="0"/>
-              </a:rPr>
-              <a:t>the second then block received 11</a:t>
-            </a:r>
-          </a:p>
-          <a:p>
-            <a:r>
-              <a:rPr lang="en-US" sz="1600" dirty="0">
-                <a:latin typeface="Consolas" panose="020B0609020204030204" pitchFamily="49" charset="0"/>
-              </a:rPr>
-              <a:t>promise promise2 now running; flag = false</a:t>
-            </a:r>
-          </a:p>
-          <a:p>
-            <a:r>
-              <a:rPr lang="en-US" sz="1600" dirty="0">
-                <a:latin typeface="Consolas" panose="020B0609020204030204" pitchFamily="49" charset="0"/>
-              </a:rPr>
-              <a:t>promise promise2 now rejecting</a:t>
-            </a:r>
-          </a:p>
-          <a:p>
-            <a:r>
-              <a:rPr lang="en-US" sz="1600" dirty="0">
-                <a:latin typeface="Consolas" panose="020B0609020204030204" pitchFamily="49" charset="0"/>
-              </a:rPr>
-              <a:t>promise promise2 rejected and passed "promise promise2 was rejected" to its successor</a:t>
-            </a:r>
-          </a:p>
-          <a:p>
-            <a:r>
-              <a:rPr lang="en-US" sz="1600" dirty="0">
-                <a:solidFill>
-                  <a:schemeClr val="accent4">
-                    <a:lumMod val="75000"/>
-                  </a:schemeClr>
-                </a:solidFill>
-                <a:latin typeface="Consolas" panose="020B0609020204030204" pitchFamily="49" charset="0"/>
-              </a:rPr>
-              <a:t>(continued on next slide)</a:t>
-            </a:r>
-          </a:p>
-        </p:txBody>
-      </p:sp>
-      <p:sp>
-        <p:nvSpPr>
-          <p:cNvPr id="6" name="Rectangle 5">
-            <a:extLst>
-              <a:ext uri="{FF2B5EF4-FFF2-40B4-BE49-F238E27FC236}">
-                <a16:creationId xmlns:a16="http://schemas.microsoft.com/office/drawing/2014/main" id="{61D7DB66-E84B-4BBB-A43E-BB90D316FE85}"/>
-              </a:ext>
-            </a:extLst>
-          </p:cNvPr>
-          <p:cNvSpPr/>
-          <p:nvPr/>
-        </p:nvSpPr>
-        <p:spPr>
-          <a:xfrm>
-            <a:off x="6274190" y="3984367"/>
-            <a:ext cx="5507502" cy="2554545"/>
-          </a:xfrm>
-          <a:prstGeom prst="rect">
-            <a:avLst/>
-          </a:prstGeom>
-          <a:solidFill>
-            <a:schemeClr val="bg1"/>
-          </a:solidFill>
-          <a:ln w="19050">
-            <a:solidFill>
-              <a:schemeClr val="tx1"/>
-            </a:solidFill>
-          </a:ln>
-        </p:spPr>
-        <p:txBody>
-          <a:bodyPr wrap="square">
-            <a:spAutoFit/>
-          </a:bodyPr>
-          <a:lstStyle/>
-          <a:p>
-            <a:r>
-              <a:rPr lang="en-US" sz="1600" dirty="0">
-                <a:solidFill>
-                  <a:schemeClr val="accent4">
-                    <a:lumMod val="75000"/>
-                  </a:schemeClr>
-                </a:solidFill>
-                <a:latin typeface="Consolas" panose="020B0609020204030204" pitchFamily="49" charset="0"/>
-              </a:rPr>
-              <a:t>(continued from preceding slide)</a:t>
-            </a:r>
-          </a:p>
-          <a:p>
-            <a:r>
-              <a:rPr lang="en-US" sz="1600" dirty="0">
-                <a:latin typeface="Consolas" panose="020B0609020204030204" pitchFamily="49" charset="0"/>
-              </a:rPr>
-              <a:t>promise promise1a now running; flag = true</a:t>
-            </a:r>
-          </a:p>
-          <a:p>
-            <a:r>
-              <a:rPr lang="en-US" sz="1600" dirty="0">
-                <a:latin typeface="Consolas" panose="020B0609020204030204" pitchFamily="49" charset="0"/>
-              </a:rPr>
-              <a:t>promise promise1a now fulfilling with 10</a:t>
-            </a:r>
-          </a:p>
-          <a:p>
-            <a:r>
-              <a:rPr lang="en-US" sz="1600" dirty="0">
-                <a:latin typeface="Consolas" panose="020B0609020204030204" pitchFamily="49" charset="0"/>
-              </a:rPr>
-              <a:t>promise promise1a fulfilled and passed 10 to its successor</a:t>
-            </a:r>
-          </a:p>
-          <a:p>
-            <a:r>
-              <a:rPr lang="en-US" sz="1600" dirty="0">
-                <a:latin typeface="Consolas" panose="020B0609020204030204" pitchFamily="49" charset="0"/>
-              </a:rPr>
-              <a:t>the second then block received 11</a:t>
-            </a:r>
-          </a:p>
-          <a:p>
-            <a:r>
-              <a:rPr lang="en-US" sz="1600" dirty="0">
-                <a:latin typeface="Consolas" panose="020B0609020204030204" pitchFamily="49" charset="0"/>
-              </a:rPr>
-              <a:t>promise promise2a now running; flag = false</a:t>
-            </a:r>
-          </a:p>
-          <a:p>
-            <a:r>
-              <a:rPr lang="en-US" sz="1600" dirty="0">
-                <a:latin typeface="Consolas" panose="020B0609020204030204" pitchFamily="49" charset="0"/>
-              </a:rPr>
-              <a:t>promise promise2a now rejecting</a:t>
-            </a:r>
-          </a:p>
-          <a:p>
-            <a:r>
-              <a:rPr lang="en-US" sz="1600" dirty="0">
-                <a:latin typeface="Consolas" panose="020B0609020204030204" pitchFamily="49" charset="0"/>
-              </a:rPr>
-              <a:t>promise promise2a rejected and passed "promise promise2a was rejected" to its successor</a:t>
-            </a:r>
-          </a:p>
-        </p:txBody>
-      </p:sp>
-      <p:sp>
-        <p:nvSpPr>
-          <p:cNvPr id="7" name="Rectangle 6">
-            <a:extLst>
-              <a:ext uri="{FF2B5EF4-FFF2-40B4-BE49-F238E27FC236}">
-                <a16:creationId xmlns:a16="http://schemas.microsoft.com/office/drawing/2014/main" id="{95163412-86B0-494D-98DA-140322F4B1EB}"/>
-              </a:ext>
-            </a:extLst>
-          </p:cNvPr>
-          <p:cNvSpPr/>
-          <p:nvPr/>
-        </p:nvSpPr>
-        <p:spPr>
-          <a:xfrm>
-            <a:off x="8340969" y="2006949"/>
-            <a:ext cx="2863948" cy="1071629"/>
-          </a:xfrm>
-          <a:prstGeom prst="rect">
-            <a:avLst/>
-          </a:prstGeom>
-          <a:solidFill>
-            <a:schemeClr val="accent2">
-              <a:lumMod val="20000"/>
-              <a:lumOff val="80000"/>
-            </a:schemeClr>
-          </a:solidFill>
-          <a:ln>
-            <a:solidFill>
-              <a:srgbClr val="0070C0"/>
-            </a:solidFill>
-          </a:ln>
-        </p:spPr>
-        <p:style>
-          <a:lnRef idx="2">
-            <a:schemeClr val="accent1">
-              <a:shade val="50000"/>
-            </a:schemeClr>
-          </a:lnRef>
-          <a:fillRef idx="1">
-            <a:schemeClr val="accent1"/>
-          </a:fillRef>
-          <a:effectRef idx="0">
-            <a:schemeClr val="accent1"/>
-          </a:effectRef>
-          <a:fontRef idx="minor">
-            <a:schemeClr val="lt1"/>
-          </a:fontRef>
-        </p:style>
-        <p:txBody>
-          <a:bodyPr rtlCol="0" anchor="ctr"/>
-          <a:lstStyle/>
-          <a:p>
-            <a:pPr algn="ctr"/>
-            <a:r>
-              <a:rPr lang="en-US" sz="3200" b="1" dirty="0">
-                <a:solidFill>
-                  <a:schemeClr val="tx1"/>
-                </a:solidFill>
-                <a:latin typeface="Ink Free" panose="03080402000500000000" pitchFamily="66" charset="0"/>
-              </a:rPr>
-              <a:t>Indeed, same behavior!</a:t>
-            </a:r>
-          </a:p>
-        </p:txBody>
-      </p:sp>
-    </p:spTree>
-    <p:extLst>
-      <p:ext uri="{BB962C8B-B14F-4D97-AF65-F5344CB8AC3E}">
-        <p14:creationId xmlns:p14="http://schemas.microsoft.com/office/powerpoint/2010/main" val="2249277706"/>
-      </p:ext>
-    </p:extLst>
-  </p:cSld>
-  <p:clrMapOvr>
-    <a:masterClrMapping/>
-  </p:clrMapOvr>
-  <p:timing>
-    <p:tnLst>
-      <p:par>
-        <p:cTn id="1" dur="indefinite" restart="never" nodeType="tmRoot">
-          <p:childTnLst>
-            <p:seq concurrent="1" nextAc="seek">
-              <p:cTn id="2" dur="indefinite" nodeType="mainSeq">
-                <p:childTnLst>
-                  <p:par>
-                    <p:cTn id="3" fill="hold">
-                      <p:stCondLst>
-                        <p:cond delay="indefinite"/>
-                      </p:stCondLst>
-                      <p:childTnLst>
-                        <p:par>
-                          <p:cTn id="4" fill="hold">
-                            <p:stCondLst>
-                              <p:cond delay="0"/>
-                            </p:stCondLst>
-                            <p:childTnLst>
-                              <p:par>
-                                <p:cTn id="5" presetID="1" presetClass="entr" presetSubtype="0" fill="hold" grpId="0" nodeType="clickEffect">
-                                  <p:stCondLst>
-                                    <p:cond delay="0"/>
-                                  </p:stCondLst>
-                                  <p:childTnLst>
-                                    <p:set>
-                                      <p:cBhvr>
-                                        <p:cTn id="6" dur="1" fill="hold">
-                                          <p:stCondLst>
-                                            <p:cond delay="9"/>
-                                          </p:stCondLst>
-                                        </p:cTn>
-                                        <p:tgtEl>
-                                          <p:spTgt spid="7"/>
-                                        </p:tgtEl>
-                                        <p:attrNameLst>
-                                          <p:attrName>style.visibility</p:attrName>
-                                        </p:attrNameLst>
-                                      </p:cBhvr>
-                                      <p:to>
-                                        <p:strVal val="visible"/>
-                                      </p:to>
-                                    </p:set>
-                                  </p:childTnLst>
-                                </p:cTn>
-                              </p:par>
-                            </p:childTnLst>
-                          </p:cTn>
-                        </p:par>
-                      </p:childTnLst>
-                    </p:cTn>
-                  </p:par>
-                </p:childTnLst>
-              </p:cTn>
-              <p:prevCondLst>
-                <p:cond evt="onPrev" delay="0">
-                  <p:tgtEl>
-                    <p:sldTgt/>
-                  </p:tgtEl>
-                </p:cond>
-              </p:prevCondLst>
-              <p:nextCondLst>
-                <p:cond evt="onNext" delay="0">
-                  <p:tgtEl>
-                    <p:sldTgt/>
-                  </p:tgtEl>
-                </p:cond>
-              </p:nextCondLst>
-            </p:seq>
-          </p:childTnLst>
-        </p:cTn>
-      </p:par>
-    </p:tnLst>
-    <p:bldLst>
-      <p:bldP spid="7" grpId="0" animBg="1"/>
-    </p:bldLst>
-  </p:timing>
-</p:sld>
-</file>
-
-<file path=ppt/slides/slide24.xml><?xml version="1.0" encoding="utf-8"?>
-<p:sld xmlns:a="http://schemas.openxmlformats.org/drawingml/2006/main" xmlns:r="http://schemas.openxmlformats.org/officeDocument/2006/relationships" xmlns:p="http://schemas.openxmlformats.org/presentationml/2006/main">
-  <p:cSld>
-    <p:spTree>
-      <p:nvGrpSpPr>
-        <p:cNvPr id="1" name=""/>
-        <p:cNvGrpSpPr/>
-        <p:nvPr/>
-      </p:nvGrpSpPr>
-      <p:grpSpPr>
-        <a:xfrm>
-          <a:off x="0" y="0"/>
-          <a:ext cx="0" cy="0"/>
-          <a:chOff x="0" y="0"/>
-          <a:chExt cx="0" cy="0"/>
-        </a:xfrm>
-      </p:grpSpPr>
-      <p:sp>
-        <p:nvSpPr>
-          <p:cNvPr id="2" name="Title 1">
-            <a:extLst>
-              <a:ext uri="{FF2B5EF4-FFF2-40B4-BE49-F238E27FC236}">
                 <a16:creationId xmlns:a16="http://schemas.microsoft.com/office/drawing/2014/main" id="{AB41E2B9-BCFF-45D7-91B4-0A233C799DB1}"/>
               </a:ext>
             </a:extLst>
@@ -15842,7 +16760,7 @@
           <a:p>
             <a:r>
               <a:rPr lang="en-US" dirty="0"/>
-              <a:t>Because the promise is created, it is automatically thrown in the pool of handlers to be run when ready</a:t>
+              <a:t>Because a promise is created, it is automatically thrown in the pool of handlers to be run when ready</a:t>
             </a:r>
           </a:p>
           <a:p>
@@ -15888,7 +16806,7 @@
           <a:p>
             <a:fld id="{20F37917-FD3A-4669-9018-DA04BCDD3D75}" type="slidenum">
               <a:rPr lang="en-US" smtClean="0"/>
-              <a:t>24</a:t>
+              <a:t>23</a:t>
             </a:fld>
             <a:endParaRPr lang="en-US"/>
           </a:p>
@@ -15907,7 +16825,7 @@
 </p:sld>
 </file>
 
-<file path=ppt/slides/slide25.xml><?xml version="1.0" encoding="utf-8"?>
+<file path=ppt/slides/slide24.xml><?xml version="1.0" encoding="utf-8"?>
 <p:sld xmlns:a="http://schemas.openxmlformats.org/drawingml/2006/main" xmlns:r="http://schemas.openxmlformats.org/officeDocument/2006/relationships" xmlns:p="http://schemas.openxmlformats.org/presentationml/2006/main">
   <p:cSld>
     <p:spTree>
@@ -16020,7 +16938,7 @@
           <a:p>
             <a:fld id="{20F37917-FD3A-4669-9018-DA04BCDD3D75}" type="slidenum">
               <a:rPr lang="en-US" smtClean="0"/>
-              <a:t>25</a:t>
+              <a:t>24</a:t>
             </a:fld>
             <a:endParaRPr lang="en-US"/>
           </a:p>
@@ -16039,7 +16957,7 @@
 </p:sld>
 </file>
 
-<file path=ppt/slides/slide26.xml><?xml version="1.0" encoding="utf-8"?>
+<file path=ppt/slides/slide25.xml><?xml version="1.0" encoding="utf-8"?>
 <p:sld xmlns:a="http://schemas.openxmlformats.org/drawingml/2006/main" xmlns:r="http://schemas.openxmlformats.org/officeDocument/2006/relationships" xmlns:p="http://schemas.openxmlformats.org/presentationml/2006/main">
   <p:cSld>
     <p:spTree>
@@ -16173,7 +17091,7 @@
             <a:fld id="{86CB4B4D-7CA3-9044-876B-883B54F8677D}" type="slidenum">
               <a:rPr lang="en-US" smtClean="0"/>
               <a:pPr/>
-              <a:t>26</a:t>
+              <a:t>25</a:t>
             </a:fld>
             <a:endParaRPr lang="en-US"/>
           </a:p>
@@ -16192,7 +17110,7 @@
 </p:sld>
 </file>
 
-<file path=ppt/slides/slide27.xml><?xml version="1.0" encoding="utf-8"?>
+<file path=ppt/slides/slide26.xml><?xml version="1.0" encoding="utf-8"?>
 <p:sld xmlns:a="http://schemas.openxmlformats.org/drawingml/2006/main" xmlns:r="http://schemas.openxmlformats.org/officeDocument/2006/relationships" xmlns:p="http://schemas.openxmlformats.org/presentationml/2006/main">
   <p:cSld>
     <p:spTree>
@@ -16258,10 +17176,22 @@
           <a:bodyPr/>
           <a:lstStyle/>
           <a:p>
-            <a:pPr marL="0" indent="0">
-              <a:buNone/>
-            </a:pPr>
-            <a:endParaRPr lang="en-US" dirty="0"/>
+            <a:r>
+              <a:rPr lang="en-US" dirty="0"/>
+              <a:t>Be prepared to explain each line in the output examples</a:t>
+            </a:r>
+          </a:p>
+          <a:p>
+            <a:r>
+              <a:rPr lang="en-US" dirty="0"/>
+              <a:t>Create some examples like the ones here and try to predict what they will do.</a:t>
+            </a:r>
+          </a:p>
+          <a:p>
+            <a:r>
+              <a:rPr lang="en-US" dirty="0"/>
+              <a:t>Think of some good questions to bring to class!</a:t>
+            </a:r>
           </a:p>
         </p:txBody>
       </p:sp>
@@ -16288,7 +17218,7 @@
           <a:p>
             <a:fld id="{20F37917-FD3A-4669-9018-DA04BCDD3D75}" type="slidenum">
               <a:rPr lang="en-US" smtClean="0"/>
-              <a:t>27</a:t>
+              <a:t>26</a:t>
             </a:fld>
             <a:endParaRPr lang="en-US"/>
           </a:p>
@@ -16373,9 +17303,56 @@
           <a:bodyPr/>
           <a:lstStyle/>
           <a:p>
-            <a:pPr marL="0" indent="0">
-              <a:buNone/>
-            </a:pPr>
+            <a:r>
+              <a:rPr lang="en-US" dirty="0"/>
+              <a:t>What happens when a promise is rejected?</a:t>
+            </a:r>
+          </a:p>
+          <a:p>
+            <a:r>
+              <a:rPr lang="en-US" dirty="0"/>
+              <a:t>Creating sequences of actions by writing chains of .</a:t>
+            </a:r>
+            <a:r>
+              <a:rPr lang="en-US" b="1" dirty="0"/>
+              <a:t>then</a:t>
+            </a:r>
+            <a:r>
+              <a:rPr lang="en-US" dirty="0"/>
+              <a:t> and .</a:t>
+            </a:r>
+            <a:r>
+              <a:rPr lang="en-US" b="1" dirty="0"/>
+              <a:t>catch</a:t>
+            </a:r>
+            <a:r>
+              <a:rPr lang="en-US" dirty="0"/>
+              <a:t> blocks</a:t>
+            </a:r>
+          </a:p>
+          <a:p>
+            <a:r>
+              <a:rPr lang="en-US" dirty="0"/>
+              <a:t>Using </a:t>
+            </a:r>
+            <a:r>
+              <a:rPr lang="en-US" b="1" dirty="0"/>
+              <a:t>async</a:t>
+            </a:r>
+            <a:r>
+              <a:rPr lang="en-US" dirty="0"/>
+              <a:t> and </a:t>
+            </a:r>
+            <a:r>
+              <a:rPr lang="en-US" b="1" dirty="0"/>
+              <a:t>await</a:t>
+            </a:r>
+            <a:r>
+              <a:rPr lang="en-US" dirty="0"/>
+              <a:t> to avoid writing these chains.</a:t>
+            </a:r>
+          </a:p>
+          <a:p>
             <a:endParaRPr lang="en-US" dirty="0"/>
           </a:p>
         </p:txBody>
@@ -16423,270 +17400,6 @@
 </file>
 
 <file path=ppt/slides/slide4.xml><?xml version="1.0" encoding="utf-8"?>
-<p:sld xmlns:a="http://schemas.openxmlformats.org/drawingml/2006/main" xmlns:r="http://schemas.openxmlformats.org/officeDocument/2006/relationships" xmlns:p="http://schemas.openxmlformats.org/presentationml/2006/main">
-  <p:cSld>
-    <p:spTree>
-      <p:nvGrpSpPr>
-        <p:cNvPr id="1" name=""/>
-        <p:cNvGrpSpPr/>
-        <p:nvPr/>
-      </p:nvGrpSpPr>
-      <p:grpSpPr>
-        <a:xfrm>
-          <a:off x="0" y="0"/>
-          <a:ext cx="0" cy="0"/>
-          <a:chOff x="0" y="0"/>
-          <a:chExt cx="0" cy="0"/>
-        </a:xfrm>
-      </p:grpSpPr>
-      <p:sp>
-        <p:nvSpPr>
-          <p:cNvPr id="2" name="Title 1">
-            <a:extLst>
-              <a:ext uri="{FF2B5EF4-FFF2-40B4-BE49-F238E27FC236}">
-                <a16:creationId xmlns:a16="http://schemas.microsoft.com/office/drawing/2014/main" id="{866371B6-5576-4D6E-B62E-DDC4EFA69CA3}"/>
-              </a:ext>
-            </a:extLst>
-          </p:cNvPr>
-          <p:cNvSpPr>
-            <a:spLocks noGrp="1"/>
-          </p:cNvSpPr>
-          <p:nvPr>
-            <p:ph type="title"/>
-          </p:nvPr>
-        </p:nvSpPr>
-        <p:spPr/>
-        <p:txBody>
-          <a:bodyPr/>
-          <a:lstStyle/>
-          <a:p>
-            <a:r>
-              <a:rPr lang="en-US" dirty="0"/>
-              <a:t>Review: The </a:t>
-            </a:r>
-            <a:r>
-              <a:rPr lang="en-US" dirty="0" err="1"/>
-              <a:t>Javascript</a:t>
-            </a:r>
-            <a:r>
-              <a:rPr lang="en-US" dirty="0"/>
-              <a:t> runtime maintains a pool of handlers.</a:t>
-            </a:r>
-          </a:p>
-        </p:txBody>
-      </p:sp>
-      <p:sp>
-        <p:nvSpPr>
-          <p:cNvPr id="3" name="Content Placeholder 2">
-            <a:extLst>
-              <a:ext uri="{FF2B5EF4-FFF2-40B4-BE49-F238E27FC236}">
-                <a16:creationId xmlns:a16="http://schemas.microsoft.com/office/drawing/2014/main" id="{87E3707E-0386-4226-844F-89D0672B9087}"/>
-              </a:ext>
-            </a:extLst>
-          </p:cNvPr>
-          <p:cNvSpPr>
-            <a:spLocks noGrp="1"/>
-          </p:cNvSpPr>
-          <p:nvPr>
-            <p:ph idx="1"/>
-          </p:nvPr>
-        </p:nvSpPr>
-        <p:spPr/>
-        <p:txBody>
-          <a:bodyPr/>
-          <a:lstStyle/>
-          <a:p>
-            <a:r>
-              <a:rPr lang="en-US" dirty="0"/>
-              <a:t>At any time, one handler is running and the others are waiting.</a:t>
-            </a:r>
-          </a:p>
-          <a:p>
-            <a:r>
-              <a:rPr lang="en-US" dirty="0"/>
-              <a:t>Each waiting handler has a condition that must be satisfied before it is ready for execution</a:t>
-            </a:r>
-          </a:p>
-          <a:p>
-            <a:r>
-              <a:rPr lang="en-US" dirty="0"/>
-              <a:t>Here's a handler:  it's got its ready condition.  The color of the head tells us whether it's ready for execution: green if it's ready, red if not.</a:t>
-            </a:r>
-          </a:p>
-          <a:p>
-            <a:r>
-              <a:rPr lang="en-US" dirty="0"/>
-              <a:t>This one is not ready.</a:t>
-            </a:r>
-          </a:p>
-        </p:txBody>
-      </p:sp>
-      <p:sp>
-        <p:nvSpPr>
-          <p:cNvPr id="4" name="Slide Number Placeholder 3">
-            <a:extLst>
-              <a:ext uri="{FF2B5EF4-FFF2-40B4-BE49-F238E27FC236}">
-                <a16:creationId xmlns:a16="http://schemas.microsoft.com/office/drawing/2014/main" id="{DD652577-ECB6-49AC-BE3F-60A59EF2FC79}"/>
-              </a:ext>
-            </a:extLst>
-          </p:cNvPr>
-          <p:cNvSpPr>
-            <a:spLocks noGrp="1"/>
-          </p:cNvSpPr>
-          <p:nvPr>
-            <p:ph type="sldNum" sz="quarter" idx="12"/>
-          </p:nvPr>
-        </p:nvSpPr>
-        <p:spPr/>
-        <p:txBody>
-          <a:bodyPr/>
-          <a:lstStyle/>
-          <a:p>
-            <a:fld id="{20F37917-FD3A-4669-9018-DA04BCDD3D75}" type="slidenum">
-              <a:rPr lang="en-US" smtClean="0"/>
-              <a:t>4</a:t>
-            </a:fld>
-            <a:endParaRPr lang="en-US"/>
-          </a:p>
-        </p:txBody>
-      </p:sp>
-      <p:grpSp>
-        <p:nvGrpSpPr>
-          <p:cNvPr id="8" name="Group 7">
-            <a:extLst>
-              <a:ext uri="{FF2B5EF4-FFF2-40B4-BE49-F238E27FC236}">
-                <a16:creationId xmlns:a16="http://schemas.microsoft.com/office/drawing/2014/main" id="{A850CD60-D7FE-4373-99BA-372F9DC6B731}"/>
-              </a:ext>
-            </a:extLst>
-          </p:cNvPr>
-          <p:cNvGrpSpPr/>
-          <p:nvPr/>
-        </p:nvGrpSpPr>
-        <p:grpSpPr>
-          <a:xfrm>
-            <a:off x="9425354" y="2349305"/>
-            <a:ext cx="492369" cy="2286000"/>
-            <a:chOff x="9425354" y="2349305"/>
-            <a:chExt cx="492369" cy="2286000"/>
-          </a:xfrm>
-        </p:grpSpPr>
-        <p:sp>
-          <p:nvSpPr>
-            <p:cNvPr id="9" name="Oval 8">
-              <a:extLst>
-                <a:ext uri="{FF2B5EF4-FFF2-40B4-BE49-F238E27FC236}">
-                  <a16:creationId xmlns:a16="http://schemas.microsoft.com/office/drawing/2014/main" id="{8A756368-AC5F-4E66-A630-75944655AAFD}"/>
-                </a:ext>
-              </a:extLst>
-            </p:cNvPr>
-            <p:cNvSpPr/>
-            <p:nvPr/>
-          </p:nvSpPr>
-          <p:spPr>
-            <a:xfrm>
-              <a:off x="9425354" y="2349305"/>
-              <a:ext cx="492369" cy="492369"/>
-            </a:xfrm>
-            <a:prstGeom prst="ellipse">
-              <a:avLst/>
-            </a:prstGeom>
-            <a:solidFill>
-              <a:srgbClr val="FF0000"/>
-            </a:solidFill>
-            <a:ln w="44450">
-              <a:solidFill>
-                <a:schemeClr val="tx1"/>
-              </a:solidFill>
-            </a:ln>
-          </p:spPr>
-          <p:style>
-            <a:lnRef idx="2">
-              <a:schemeClr val="accent1">
-                <a:shade val="50000"/>
-              </a:schemeClr>
-            </a:lnRef>
-            <a:fillRef idx="1">
-              <a:schemeClr val="accent1"/>
-            </a:fillRef>
-            <a:effectRef idx="0">
-              <a:schemeClr val="accent1"/>
-            </a:effectRef>
-            <a:fontRef idx="minor">
-              <a:schemeClr val="lt1"/>
-            </a:fontRef>
-          </p:style>
-          <p:txBody>
-            <a:bodyPr rtlCol="0" anchor="ctr"/>
-            <a:lstStyle/>
-            <a:p>
-              <a:pPr algn="l"/>
-              <a:endParaRPr lang="en-US" dirty="0">
-                <a:solidFill>
-                  <a:schemeClr val="tx1"/>
-                </a:solidFill>
-              </a:endParaRPr>
-            </a:p>
-          </p:txBody>
-        </p:sp>
-        <p:cxnSp>
-          <p:nvCxnSpPr>
-            <p:cNvPr id="10" name="Straight Connector 9">
-              <a:extLst>
-                <a:ext uri="{FF2B5EF4-FFF2-40B4-BE49-F238E27FC236}">
-                  <a16:creationId xmlns:a16="http://schemas.microsoft.com/office/drawing/2014/main" id="{69F71BBE-38CF-43FC-B5DE-2F19D2FF8D1E}"/>
-                </a:ext>
-              </a:extLst>
-            </p:cNvPr>
-            <p:cNvCxnSpPr>
-              <a:stCxn id="9" idx="4"/>
-            </p:cNvCxnSpPr>
-            <p:nvPr/>
-          </p:nvCxnSpPr>
-          <p:spPr>
-            <a:xfrm flipH="1">
-              <a:off x="9664505" y="2841674"/>
-              <a:ext cx="7034" cy="1793631"/>
-            </a:xfrm>
-            <a:prstGeom prst="line">
-              <a:avLst/>
-            </a:prstGeom>
-            <a:ln w="44450">
-              <a:solidFill>
-                <a:schemeClr val="tx1"/>
-              </a:solidFill>
-              <a:tailEnd type="none" w="lg" len="lg"/>
-            </a:ln>
-          </p:spPr>
-          <p:style>
-            <a:lnRef idx="1">
-              <a:schemeClr val="accent1"/>
-            </a:lnRef>
-            <a:fillRef idx="0">
-              <a:schemeClr val="accent1"/>
-            </a:fillRef>
-            <a:effectRef idx="0">
-              <a:schemeClr val="accent1"/>
-            </a:effectRef>
-            <a:fontRef idx="minor">
-              <a:schemeClr val="tx1"/>
-            </a:fontRef>
-          </p:style>
-        </p:cxnSp>
-      </p:grpSp>
-    </p:spTree>
-    <p:extLst>
-      <p:ext uri="{BB962C8B-B14F-4D97-AF65-F5344CB8AC3E}">
-        <p14:creationId xmlns:p14="http://schemas.microsoft.com/office/powerpoint/2010/main" val="2551904190"/>
-      </p:ext>
-    </p:extLst>
-  </p:cSld>
-  <p:clrMapOvr>
-    <a:masterClrMapping/>
-  </p:clrMapOvr>
-</p:sld>
-</file>
-
-<file path=ppt/slides/slide5.xml><?xml version="1.0" encoding="utf-8"?>
 <p:sld xmlns:a="http://schemas.openxmlformats.org/drawingml/2006/main" xmlns:r="http://schemas.openxmlformats.org/officeDocument/2006/relationships" xmlns:p="http://schemas.openxmlformats.org/presentationml/2006/main">
   <p:cSld>
     <p:spTree>
@@ -16790,7 +17503,15 @@
           <a:p>
             <a:r>
               <a:rPr lang="en-US" dirty="0"/>
-              <a:t>A JavaScript execution state</a:t>
+              <a:t>Review: The </a:t>
+            </a:r>
+            <a:r>
+              <a:rPr lang="en-US" dirty="0" err="1"/>
+              <a:t>Javascript</a:t>
+            </a:r>
+            <a:r>
+              <a:rPr lang="en-US" dirty="0"/>
+              <a:t> runtime maintains a pool of handlers.</a:t>
             </a:r>
           </a:p>
         </p:txBody>
@@ -16818,7 +17539,7 @@
           <a:p>
             <a:fld id="{20F37917-FD3A-4669-9018-DA04BCDD3D75}" type="slidenum">
               <a:rPr lang="en-US" smtClean="0"/>
-              <a:t>5</a:t>
+              <a:t>4</a:t>
             </a:fld>
             <a:endParaRPr lang="en-US"/>
           </a:p>
@@ -17647,7 +18368,7 @@
 </p:sld>
 </file>
 
-<file path=ppt/slides/slide6.xml><?xml version="1.0" encoding="utf-8"?>
+<file path=ppt/slides/slide5.xml><?xml version="1.0" encoding="utf-8"?>
 <p:sld xmlns:a="http://schemas.openxmlformats.org/drawingml/2006/main" xmlns:r="http://schemas.openxmlformats.org/officeDocument/2006/relationships" xmlns:p="http://schemas.openxmlformats.org/presentationml/2006/main">
   <p:cSld>
     <p:spTree>
@@ -17689,7 +18410,7 @@
           <a:p>
             <a:r>
               <a:rPr lang="en-US" sz="2800" dirty="0"/>
-              <a:t>When the running handler completes, the scheduler chooses one of the other ready handlers to execute</a:t>
+              <a:t>When the running event handler completes, the scheduler chooses one of the other ready event handlers to execute</a:t>
             </a:r>
           </a:p>
         </p:txBody>
@@ -17717,7 +18438,7 @@
           <a:p>
             <a:fld id="{20F37917-FD3A-4669-9018-DA04BCDD3D75}" type="slidenum">
               <a:rPr lang="en-US" smtClean="0"/>
-              <a:t>6</a:t>
+              <a:t>5</a:t>
             </a:fld>
             <a:endParaRPr lang="en-US"/>
           </a:p>
@@ -17782,7 +18503,7 @@
                   <a:schemeClr val="tx1"/>
                 </a:solidFill>
               </a:rPr>
-              <a:t>The Pool of Waiting handlers</a:t>
+              <a:t>The Pool of Waiting event handlers</a:t>
             </a:r>
           </a:p>
         </p:txBody>
@@ -17911,10 +18632,386 @@
       </p:grpSp>
       <p:grpSp>
         <p:nvGrpSpPr>
-          <p:cNvPr id="3" name="Group 2">
+          <p:cNvPr id="9" name="Group 8">
             <a:extLst>
               <a:ext uri="{FF2B5EF4-FFF2-40B4-BE49-F238E27FC236}">
-                <a16:creationId xmlns:a16="http://schemas.microsoft.com/office/drawing/2014/main" id="{EBACE086-2315-4BE9-8CB0-0DD9D662FCE9}"/>
+                <a16:creationId xmlns:a16="http://schemas.microsoft.com/office/drawing/2014/main" id="{1E80647D-D6EB-4072-AB8B-C4B501BB8AEB}"/>
+              </a:ext>
+            </a:extLst>
+          </p:cNvPr>
+          <p:cNvGrpSpPr/>
+          <p:nvPr/>
+        </p:nvGrpSpPr>
+        <p:grpSpPr>
+          <a:xfrm>
+            <a:off x="6724426" y="2816470"/>
+            <a:ext cx="492369" cy="2286000"/>
+            <a:chOff x="9425354" y="2349305"/>
+            <a:chExt cx="492369" cy="2286000"/>
+          </a:xfrm>
+          <a:solidFill>
+            <a:srgbClr val="00B050"/>
+          </a:solidFill>
+        </p:grpSpPr>
+        <p:cxnSp>
+          <p:nvCxnSpPr>
+            <p:cNvPr id="10" name="Straight Connector 9">
+              <a:extLst>
+                <a:ext uri="{FF2B5EF4-FFF2-40B4-BE49-F238E27FC236}">
+                  <a16:creationId xmlns:a16="http://schemas.microsoft.com/office/drawing/2014/main" id="{62BBEA76-81FF-40A6-B586-3742C6AE173C}"/>
+                </a:ext>
+              </a:extLst>
+            </p:cNvPr>
+            <p:cNvCxnSpPr>
+              <a:cxnSpLocks/>
+              <a:stCxn id="11" idx="4"/>
+            </p:cNvCxnSpPr>
+            <p:nvPr/>
+          </p:nvCxnSpPr>
+          <p:spPr>
+            <a:xfrm flipH="1">
+              <a:off x="9664505" y="2841674"/>
+              <a:ext cx="7034" cy="1793631"/>
+            </a:xfrm>
+            <a:prstGeom prst="line">
+              <a:avLst/>
+            </a:prstGeom>
+            <a:grpFill/>
+            <a:ln w="44450">
+              <a:solidFill>
+                <a:schemeClr val="tx1"/>
+              </a:solidFill>
+              <a:tailEnd type="none" w="lg" len="lg"/>
+            </a:ln>
+          </p:spPr>
+          <p:style>
+            <a:lnRef idx="1">
+              <a:schemeClr val="accent1"/>
+            </a:lnRef>
+            <a:fillRef idx="0">
+              <a:schemeClr val="accent1"/>
+            </a:fillRef>
+            <a:effectRef idx="0">
+              <a:schemeClr val="accent1"/>
+            </a:effectRef>
+            <a:fontRef idx="minor">
+              <a:schemeClr val="tx1"/>
+            </a:fontRef>
+          </p:style>
+        </p:cxnSp>
+        <p:sp>
+          <p:nvSpPr>
+            <p:cNvPr id="11" name="Oval 10">
+              <a:extLst>
+                <a:ext uri="{FF2B5EF4-FFF2-40B4-BE49-F238E27FC236}">
+                  <a16:creationId xmlns:a16="http://schemas.microsoft.com/office/drawing/2014/main" id="{8E283931-4022-4370-B4D7-872BF5D9EFAD}"/>
+                </a:ext>
+              </a:extLst>
+            </p:cNvPr>
+            <p:cNvSpPr/>
+            <p:nvPr/>
+          </p:nvSpPr>
+          <p:spPr>
+            <a:xfrm>
+              <a:off x="9425354" y="2349305"/>
+              <a:ext cx="492369" cy="492369"/>
+            </a:xfrm>
+            <a:prstGeom prst="ellipse">
+              <a:avLst/>
+            </a:prstGeom>
+            <a:grpFill/>
+            <a:ln w="44450">
+              <a:solidFill>
+                <a:schemeClr val="tx1"/>
+              </a:solidFill>
+            </a:ln>
+          </p:spPr>
+          <p:style>
+            <a:lnRef idx="2">
+              <a:schemeClr val="accent1">
+                <a:shade val="50000"/>
+              </a:schemeClr>
+            </a:lnRef>
+            <a:fillRef idx="1">
+              <a:schemeClr val="accent1"/>
+            </a:fillRef>
+            <a:effectRef idx="0">
+              <a:schemeClr val="accent1"/>
+            </a:effectRef>
+            <a:fontRef idx="minor">
+              <a:schemeClr val="lt1"/>
+            </a:fontRef>
+          </p:style>
+          <p:txBody>
+            <a:bodyPr rtlCol="0" anchor="ctr"/>
+            <a:lstStyle/>
+            <a:p>
+              <a:pPr algn="l"/>
+              <a:endParaRPr lang="en-US" dirty="0">
+                <a:solidFill>
+                  <a:schemeClr val="tx1"/>
+                </a:solidFill>
+              </a:endParaRPr>
+            </a:p>
+          </p:txBody>
+        </p:sp>
+      </p:grpSp>
+      <p:grpSp>
+        <p:nvGrpSpPr>
+          <p:cNvPr id="12" name="Group 11">
+            <a:extLst>
+              <a:ext uri="{FF2B5EF4-FFF2-40B4-BE49-F238E27FC236}">
+                <a16:creationId xmlns:a16="http://schemas.microsoft.com/office/drawing/2014/main" id="{641AB54C-93E1-41E2-B149-5CC7683BF4D5}"/>
+              </a:ext>
+            </a:extLst>
+          </p:cNvPr>
+          <p:cNvGrpSpPr/>
+          <p:nvPr/>
+        </p:nvGrpSpPr>
+        <p:grpSpPr>
+          <a:xfrm>
+            <a:off x="8944922" y="2816470"/>
+            <a:ext cx="492369" cy="2286000"/>
+            <a:chOff x="9425354" y="2349305"/>
+            <a:chExt cx="492369" cy="2286000"/>
+          </a:xfrm>
+          <a:solidFill>
+            <a:srgbClr val="FF0000"/>
+          </a:solidFill>
+        </p:grpSpPr>
+        <p:sp>
+          <p:nvSpPr>
+            <p:cNvPr id="13" name="Oval 12">
+              <a:extLst>
+                <a:ext uri="{FF2B5EF4-FFF2-40B4-BE49-F238E27FC236}">
+                  <a16:creationId xmlns:a16="http://schemas.microsoft.com/office/drawing/2014/main" id="{D6C207F3-73A5-417B-BD96-BD1017859CD3}"/>
+                </a:ext>
+              </a:extLst>
+            </p:cNvPr>
+            <p:cNvSpPr/>
+            <p:nvPr/>
+          </p:nvSpPr>
+          <p:spPr>
+            <a:xfrm>
+              <a:off x="9425354" y="2349305"/>
+              <a:ext cx="492369" cy="492369"/>
+            </a:xfrm>
+            <a:prstGeom prst="ellipse">
+              <a:avLst/>
+            </a:prstGeom>
+            <a:grpFill/>
+            <a:ln w="44450">
+              <a:solidFill>
+                <a:schemeClr val="tx1"/>
+              </a:solidFill>
+            </a:ln>
+          </p:spPr>
+          <p:style>
+            <a:lnRef idx="2">
+              <a:schemeClr val="accent1">
+                <a:shade val="50000"/>
+              </a:schemeClr>
+            </a:lnRef>
+            <a:fillRef idx="1">
+              <a:schemeClr val="accent1"/>
+            </a:fillRef>
+            <a:effectRef idx="0">
+              <a:schemeClr val="accent1"/>
+            </a:effectRef>
+            <a:fontRef idx="minor">
+              <a:schemeClr val="lt1"/>
+            </a:fontRef>
+          </p:style>
+          <p:txBody>
+            <a:bodyPr rtlCol="0" anchor="ctr"/>
+            <a:lstStyle/>
+            <a:p>
+              <a:pPr algn="l"/>
+              <a:endParaRPr lang="en-US" dirty="0">
+                <a:solidFill>
+                  <a:schemeClr val="tx1"/>
+                </a:solidFill>
+              </a:endParaRPr>
+            </a:p>
+          </p:txBody>
+        </p:sp>
+        <p:cxnSp>
+          <p:nvCxnSpPr>
+            <p:cNvPr id="14" name="Straight Connector 13">
+              <a:extLst>
+                <a:ext uri="{FF2B5EF4-FFF2-40B4-BE49-F238E27FC236}">
+                  <a16:creationId xmlns:a16="http://schemas.microsoft.com/office/drawing/2014/main" id="{317B3973-2B49-4F12-9426-57D2604A26E0}"/>
+                </a:ext>
+              </a:extLst>
+            </p:cNvPr>
+            <p:cNvCxnSpPr>
+              <a:stCxn id="13" idx="4"/>
+            </p:cNvCxnSpPr>
+            <p:nvPr/>
+          </p:nvCxnSpPr>
+          <p:spPr>
+            <a:xfrm flipH="1">
+              <a:off x="9664505" y="2841674"/>
+              <a:ext cx="7034" cy="1793631"/>
+            </a:xfrm>
+            <a:prstGeom prst="line">
+              <a:avLst/>
+            </a:prstGeom>
+            <a:grpFill/>
+            <a:ln w="44450">
+              <a:solidFill>
+                <a:schemeClr val="tx1"/>
+              </a:solidFill>
+              <a:tailEnd type="none" w="lg" len="lg"/>
+            </a:ln>
+          </p:spPr>
+          <p:style>
+            <a:lnRef idx="1">
+              <a:schemeClr val="accent1"/>
+            </a:lnRef>
+            <a:fillRef idx="0">
+              <a:schemeClr val="accent1"/>
+            </a:fillRef>
+            <a:effectRef idx="0">
+              <a:schemeClr val="accent1"/>
+            </a:effectRef>
+            <a:fontRef idx="minor">
+              <a:schemeClr val="tx1"/>
+            </a:fontRef>
+          </p:style>
+        </p:cxnSp>
+      </p:grpSp>
+      <p:grpSp>
+        <p:nvGrpSpPr>
+          <p:cNvPr id="15" name="Group 14">
+            <a:extLst>
+              <a:ext uri="{FF2B5EF4-FFF2-40B4-BE49-F238E27FC236}">
+                <a16:creationId xmlns:a16="http://schemas.microsoft.com/office/drawing/2014/main" id="{D3FE9661-2174-4380-AD29-91E23FEDE506}"/>
+              </a:ext>
+            </a:extLst>
+          </p:cNvPr>
+          <p:cNvGrpSpPr/>
+          <p:nvPr/>
+        </p:nvGrpSpPr>
+        <p:grpSpPr>
+          <a:xfrm>
+            <a:off x="10055169" y="2816470"/>
+            <a:ext cx="492369" cy="2286000"/>
+            <a:chOff x="9425354" y="2349305"/>
+            <a:chExt cx="492369" cy="2286000"/>
+          </a:xfrm>
+          <a:solidFill>
+            <a:srgbClr val="FF0000"/>
+          </a:solidFill>
+        </p:grpSpPr>
+        <p:sp>
+          <p:nvSpPr>
+            <p:cNvPr id="16" name="Oval 15">
+              <a:extLst>
+                <a:ext uri="{FF2B5EF4-FFF2-40B4-BE49-F238E27FC236}">
+                  <a16:creationId xmlns:a16="http://schemas.microsoft.com/office/drawing/2014/main" id="{61C4B407-DBC9-4CD3-90C2-3B2B74152D19}"/>
+                </a:ext>
+              </a:extLst>
+            </p:cNvPr>
+            <p:cNvSpPr/>
+            <p:nvPr/>
+          </p:nvSpPr>
+          <p:spPr>
+            <a:xfrm>
+              <a:off x="9425354" y="2349305"/>
+              <a:ext cx="492369" cy="492369"/>
+            </a:xfrm>
+            <a:prstGeom prst="ellipse">
+              <a:avLst/>
+            </a:prstGeom>
+            <a:grpFill/>
+            <a:ln w="44450">
+              <a:solidFill>
+                <a:schemeClr val="tx1"/>
+              </a:solidFill>
+            </a:ln>
+          </p:spPr>
+          <p:style>
+            <a:lnRef idx="2">
+              <a:schemeClr val="accent1">
+                <a:shade val="50000"/>
+              </a:schemeClr>
+            </a:lnRef>
+            <a:fillRef idx="1">
+              <a:schemeClr val="accent1"/>
+            </a:fillRef>
+            <a:effectRef idx="0">
+              <a:schemeClr val="accent1"/>
+            </a:effectRef>
+            <a:fontRef idx="minor">
+              <a:schemeClr val="lt1"/>
+            </a:fontRef>
+          </p:style>
+          <p:txBody>
+            <a:bodyPr rtlCol="0" anchor="ctr"/>
+            <a:lstStyle/>
+            <a:p>
+              <a:pPr algn="l"/>
+              <a:endParaRPr lang="en-US" dirty="0">
+                <a:solidFill>
+                  <a:schemeClr val="tx1"/>
+                </a:solidFill>
+              </a:endParaRPr>
+            </a:p>
+          </p:txBody>
+        </p:sp>
+        <p:cxnSp>
+          <p:nvCxnSpPr>
+            <p:cNvPr id="17" name="Straight Connector 16">
+              <a:extLst>
+                <a:ext uri="{FF2B5EF4-FFF2-40B4-BE49-F238E27FC236}">
+                  <a16:creationId xmlns:a16="http://schemas.microsoft.com/office/drawing/2014/main" id="{39FC7061-B0FD-4532-B944-735DB2CE9051}"/>
+                </a:ext>
+              </a:extLst>
+            </p:cNvPr>
+            <p:cNvCxnSpPr>
+              <a:stCxn id="16" idx="4"/>
+            </p:cNvCxnSpPr>
+            <p:nvPr/>
+          </p:nvCxnSpPr>
+          <p:spPr>
+            <a:xfrm flipH="1">
+              <a:off x="9664505" y="2841674"/>
+              <a:ext cx="7034" cy="1793631"/>
+            </a:xfrm>
+            <a:prstGeom prst="line">
+              <a:avLst/>
+            </a:prstGeom>
+            <a:grpFill/>
+            <a:ln w="44450">
+              <a:solidFill>
+                <a:schemeClr val="tx1"/>
+              </a:solidFill>
+              <a:tailEnd type="none" w="lg" len="lg"/>
+            </a:ln>
+          </p:spPr>
+          <p:style>
+            <a:lnRef idx="1">
+              <a:schemeClr val="accent1"/>
+            </a:lnRef>
+            <a:fillRef idx="0">
+              <a:schemeClr val="accent1"/>
+            </a:fillRef>
+            <a:effectRef idx="0">
+              <a:schemeClr val="accent1"/>
+            </a:effectRef>
+            <a:fontRef idx="minor">
+              <a:schemeClr val="tx1"/>
+            </a:fontRef>
+          </p:style>
+        </p:cxnSp>
+      </p:grpSp>
+      <p:grpSp>
+        <p:nvGrpSpPr>
+          <p:cNvPr id="18" name="Group 17">
+            <a:extLst>
+              <a:ext uri="{FF2B5EF4-FFF2-40B4-BE49-F238E27FC236}">
+                <a16:creationId xmlns:a16="http://schemas.microsoft.com/office/drawing/2014/main" id="{E1CEA52E-9B61-434A-A9E7-7E5F8FB9AE93}"/>
               </a:ext>
             </a:extLst>
           </p:cNvPr>
@@ -17924,636 +19021,240 @@
         <p:grpSpPr>
           <a:xfrm>
             <a:off x="5614178" y="2816470"/>
-            <a:ext cx="4933360" cy="2286000"/>
-            <a:chOff x="5614178" y="2816470"/>
-            <a:chExt cx="4933360" cy="2286000"/>
+            <a:ext cx="492369" cy="2286000"/>
+            <a:chOff x="9425354" y="2349305"/>
+            <a:chExt cx="492369" cy="2286000"/>
           </a:xfrm>
+          <a:solidFill>
+            <a:srgbClr val="FF0000"/>
+          </a:solidFill>
         </p:grpSpPr>
-        <p:grpSp>
-          <p:nvGrpSpPr>
-            <p:cNvPr id="9" name="Group 8">
+        <p:sp>
+          <p:nvSpPr>
+            <p:cNvPr id="19" name="Oval 18">
               <a:extLst>
                 <a:ext uri="{FF2B5EF4-FFF2-40B4-BE49-F238E27FC236}">
-                  <a16:creationId xmlns:a16="http://schemas.microsoft.com/office/drawing/2014/main" id="{1E80647D-D6EB-4072-AB8B-C4B501BB8AEB}"/>
+                  <a16:creationId xmlns:a16="http://schemas.microsoft.com/office/drawing/2014/main" id="{229BBDF2-229F-477E-8347-C972FD66F67E}"/>
                 </a:ext>
               </a:extLst>
             </p:cNvPr>
-            <p:cNvGrpSpPr/>
+            <p:cNvSpPr/>
             <p:nvPr/>
-          </p:nvGrpSpPr>
-          <p:grpSpPr>
+          </p:nvSpPr>
+          <p:spPr>
             <a:xfrm>
-              <a:off x="6724426" y="2816470"/>
-              <a:ext cx="492369" cy="2286000"/>
-              <a:chOff x="9425354" y="2349305"/>
-              <a:chExt cx="492369" cy="2286000"/>
+              <a:off x="9425354" y="2349305"/>
+              <a:ext cx="492369" cy="492369"/>
             </a:xfrm>
-            <a:solidFill>
-              <a:srgbClr val="00B050"/>
-            </a:solidFill>
-          </p:grpSpPr>
-          <p:cxnSp>
-            <p:nvCxnSpPr>
-              <p:cNvPr id="10" name="Straight Connector 9">
-                <a:extLst>
-                  <a:ext uri="{FF2B5EF4-FFF2-40B4-BE49-F238E27FC236}">
-                    <a16:creationId xmlns:a16="http://schemas.microsoft.com/office/drawing/2014/main" id="{62BBEA76-81FF-40A6-B586-3742C6AE173C}"/>
-                  </a:ext>
-                </a:extLst>
-              </p:cNvPr>
-              <p:cNvCxnSpPr>
-                <a:stCxn id="11" idx="4"/>
-              </p:cNvCxnSpPr>
-              <p:nvPr/>
-            </p:nvCxnSpPr>
-            <p:spPr>
-              <a:xfrm flipH="1">
-                <a:off x="9664505" y="2841674"/>
-                <a:ext cx="7034" cy="1793631"/>
-              </a:xfrm>
-              <a:prstGeom prst="line">
-                <a:avLst/>
-              </a:prstGeom>
-              <a:grpFill/>
-              <a:ln w="44450">
+            <a:prstGeom prst="ellipse">
+              <a:avLst/>
+            </a:prstGeom>
+            <a:grpFill/>
+            <a:ln w="44450">
+              <a:solidFill>
+                <a:schemeClr val="tx1"/>
+              </a:solidFill>
+            </a:ln>
+          </p:spPr>
+          <p:style>
+            <a:lnRef idx="2">
+              <a:schemeClr val="accent1">
+                <a:shade val="50000"/>
+              </a:schemeClr>
+            </a:lnRef>
+            <a:fillRef idx="1">
+              <a:schemeClr val="accent1"/>
+            </a:fillRef>
+            <a:effectRef idx="0">
+              <a:schemeClr val="accent1"/>
+            </a:effectRef>
+            <a:fontRef idx="minor">
+              <a:schemeClr val="lt1"/>
+            </a:fontRef>
+          </p:style>
+          <p:txBody>
+            <a:bodyPr rtlCol="0" anchor="ctr"/>
+            <a:lstStyle/>
+            <a:p>
+              <a:pPr algn="l"/>
+              <a:endParaRPr lang="en-US" dirty="0">
                 <a:solidFill>
                   <a:schemeClr val="tx1"/>
                 </a:solidFill>
-                <a:tailEnd type="none" w="lg" len="lg"/>
-              </a:ln>
-            </p:spPr>
-            <p:style>
-              <a:lnRef idx="1">
-                <a:schemeClr val="accent1"/>
-              </a:lnRef>
-              <a:fillRef idx="0">
-                <a:schemeClr val="accent1"/>
-              </a:fillRef>
-              <a:effectRef idx="0">
-                <a:schemeClr val="accent1"/>
-              </a:effectRef>
-              <a:fontRef idx="minor">
-                <a:schemeClr val="tx1"/>
-              </a:fontRef>
-            </p:style>
-          </p:cxnSp>
-          <p:sp>
-            <p:nvSpPr>
-              <p:cNvPr id="11" name="Oval 10">
-                <a:extLst>
-                  <a:ext uri="{FF2B5EF4-FFF2-40B4-BE49-F238E27FC236}">
-                    <a16:creationId xmlns:a16="http://schemas.microsoft.com/office/drawing/2014/main" id="{8E283931-4022-4370-B4D7-872BF5D9EFAD}"/>
-                  </a:ext>
-                </a:extLst>
-              </p:cNvPr>
-              <p:cNvSpPr/>
-              <p:nvPr/>
-            </p:nvSpPr>
-            <p:spPr>
-              <a:xfrm>
-                <a:off x="9425354" y="2349305"/>
-                <a:ext cx="492369" cy="492369"/>
-              </a:xfrm>
-              <a:prstGeom prst="ellipse">
-                <a:avLst/>
-              </a:prstGeom>
-              <a:grpFill/>
-              <a:ln w="44450">
-                <a:solidFill>
-                  <a:schemeClr val="tx1"/>
-                </a:solidFill>
-              </a:ln>
-            </p:spPr>
-            <p:style>
-              <a:lnRef idx="2">
-                <a:schemeClr val="accent1">
-                  <a:shade val="50000"/>
-                </a:schemeClr>
-              </a:lnRef>
-              <a:fillRef idx="1">
-                <a:schemeClr val="accent1"/>
-              </a:fillRef>
-              <a:effectRef idx="0">
-                <a:schemeClr val="accent1"/>
-              </a:effectRef>
-              <a:fontRef idx="minor">
-                <a:schemeClr val="lt1"/>
-              </a:fontRef>
-            </p:style>
-            <p:txBody>
-              <a:bodyPr rtlCol="0" anchor="ctr"/>
-              <a:lstStyle/>
-              <a:p>
-                <a:pPr algn="l"/>
-                <a:endParaRPr lang="en-US" dirty="0">
-                  <a:solidFill>
-                    <a:schemeClr val="tx1"/>
-                  </a:solidFill>
-                </a:endParaRPr>
-              </a:p>
-            </p:txBody>
-          </p:sp>
-        </p:grpSp>
-        <p:grpSp>
-          <p:nvGrpSpPr>
-            <p:cNvPr id="12" name="Group 11">
+              </a:endParaRPr>
+            </a:p>
+          </p:txBody>
+        </p:sp>
+        <p:cxnSp>
+          <p:nvCxnSpPr>
+            <p:cNvPr id="20" name="Straight Connector 19">
               <a:extLst>
                 <a:ext uri="{FF2B5EF4-FFF2-40B4-BE49-F238E27FC236}">
-                  <a16:creationId xmlns:a16="http://schemas.microsoft.com/office/drawing/2014/main" id="{641AB54C-93E1-41E2-B149-5CC7683BF4D5}"/>
+                  <a16:creationId xmlns:a16="http://schemas.microsoft.com/office/drawing/2014/main" id="{D2B45636-EDEB-446E-ADFE-F2504ED661FD}"/>
                 </a:ext>
               </a:extLst>
             </p:cNvPr>
-            <p:cNvGrpSpPr/>
+            <p:cNvCxnSpPr>
+              <a:stCxn id="19" idx="4"/>
+            </p:cNvCxnSpPr>
             <p:nvPr/>
-          </p:nvGrpSpPr>
-          <p:grpSpPr>
-            <a:xfrm>
-              <a:off x="8944922" y="2816470"/>
-              <a:ext cx="492369" cy="2286000"/>
-              <a:chOff x="9425354" y="2349305"/>
-              <a:chExt cx="492369" cy="2286000"/>
+          </p:nvCxnSpPr>
+          <p:spPr>
+            <a:xfrm flipH="1">
+              <a:off x="9664505" y="2841674"/>
+              <a:ext cx="7034" cy="1793631"/>
             </a:xfrm>
-            <a:solidFill>
-              <a:srgbClr val="FF0000"/>
-            </a:solidFill>
-          </p:grpSpPr>
-          <p:sp>
-            <p:nvSpPr>
-              <p:cNvPr id="13" name="Oval 12">
-                <a:extLst>
-                  <a:ext uri="{FF2B5EF4-FFF2-40B4-BE49-F238E27FC236}">
-                    <a16:creationId xmlns:a16="http://schemas.microsoft.com/office/drawing/2014/main" id="{D6C207F3-73A5-417B-BD96-BD1017859CD3}"/>
-                  </a:ext>
-                </a:extLst>
-              </p:cNvPr>
-              <p:cNvSpPr/>
-              <p:nvPr/>
-            </p:nvSpPr>
-            <p:spPr>
-              <a:xfrm>
-                <a:off x="9425354" y="2349305"/>
-                <a:ext cx="492369" cy="492369"/>
-              </a:xfrm>
-              <a:prstGeom prst="ellipse">
-                <a:avLst/>
-              </a:prstGeom>
-              <a:grpFill/>
-              <a:ln w="44450">
-                <a:solidFill>
-                  <a:schemeClr val="tx1"/>
-                </a:solidFill>
-              </a:ln>
-            </p:spPr>
-            <p:style>
-              <a:lnRef idx="2">
-                <a:schemeClr val="accent1">
-                  <a:shade val="50000"/>
-                </a:schemeClr>
-              </a:lnRef>
-              <a:fillRef idx="1">
-                <a:schemeClr val="accent1"/>
-              </a:fillRef>
-              <a:effectRef idx="0">
-                <a:schemeClr val="accent1"/>
-              </a:effectRef>
-              <a:fontRef idx="minor">
-                <a:schemeClr val="lt1"/>
-              </a:fontRef>
-            </p:style>
-            <p:txBody>
-              <a:bodyPr rtlCol="0" anchor="ctr"/>
-              <a:lstStyle/>
-              <a:p>
-                <a:pPr algn="l"/>
-                <a:endParaRPr lang="en-US" dirty="0">
-                  <a:solidFill>
-                    <a:schemeClr val="tx1"/>
-                  </a:solidFill>
-                </a:endParaRPr>
-              </a:p>
-            </p:txBody>
-          </p:sp>
-          <p:cxnSp>
-            <p:nvCxnSpPr>
-              <p:cNvPr id="14" name="Straight Connector 13">
-                <a:extLst>
-                  <a:ext uri="{FF2B5EF4-FFF2-40B4-BE49-F238E27FC236}">
-                    <a16:creationId xmlns:a16="http://schemas.microsoft.com/office/drawing/2014/main" id="{317B3973-2B49-4F12-9426-57D2604A26E0}"/>
-                  </a:ext>
-                </a:extLst>
-              </p:cNvPr>
-              <p:cNvCxnSpPr>
-                <a:stCxn id="13" idx="4"/>
-              </p:cNvCxnSpPr>
-              <p:nvPr/>
-            </p:nvCxnSpPr>
-            <p:spPr>
-              <a:xfrm flipH="1">
-                <a:off x="9664505" y="2841674"/>
-                <a:ext cx="7034" cy="1793631"/>
-              </a:xfrm>
-              <a:prstGeom prst="line">
-                <a:avLst/>
-              </a:prstGeom>
-              <a:grpFill/>
-              <a:ln w="44450">
-                <a:solidFill>
-                  <a:schemeClr val="tx1"/>
-                </a:solidFill>
-                <a:tailEnd type="none" w="lg" len="lg"/>
-              </a:ln>
-            </p:spPr>
-            <p:style>
-              <a:lnRef idx="1">
-                <a:schemeClr val="accent1"/>
-              </a:lnRef>
-              <a:fillRef idx="0">
-                <a:schemeClr val="accent1"/>
-              </a:fillRef>
-              <a:effectRef idx="0">
-                <a:schemeClr val="accent1"/>
-              </a:effectRef>
-              <a:fontRef idx="minor">
+            <a:prstGeom prst="line">
+              <a:avLst/>
+            </a:prstGeom>
+            <a:grpFill/>
+            <a:ln w="44450">
+              <a:solidFill>
                 <a:schemeClr val="tx1"/>
-              </a:fontRef>
-            </p:style>
-          </p:cxnSp>
-        </p:grpSp>
-        <p:grpSp>
-          <p:nvGrpSpPr>
-            <p:cNvPr id="15" name="Group 14">
+              </a:solidFill>
+              <a:tailEnd type="none" w="lg" len="lg"/>
+            </a:ln>
+          </p:spPr>
+          <p:style>
+            <a:lnRef idx="1">
+              <a:schemeClr val="accent1"/>
+            </a:lnRef>
+            <a:fillRef idx="0">
+              <a:schemeClr val="accent1"/>
+            </a:fillRef>
+            <a:effectRef idx="0">
+              <a:schemeClr val="accent1"/>
+            </a:effectRef>
+            <a:fontRef idx="minor">
+              <a:schemeClr val="tx1"/>
+            </a:fontRef>
+          </p:style>
+        </p:cxnSp>
+      </p:grpSp>
+      <p:grpSp>
+        <p:nvGrpSpPr>
+          <p:cNvPr id="21" name="Group 20">
+            <a:extLst>
+              <a:ext uri="{FF2B5EF4-FFF2-40B4-BE49-F238E27FC236}">
+                <a16:creationId xmlns:a16="http://schemas.microsoft.com/office/drawing/2014/main" id="{13028469-8EEC-4220-922D-FC4B9FE7E217}"/>
+              </a:ext>
+            </a:extLst>
+          </p:cNvPr>
+          <p:cNvGrpSpPr/>
+          <p:nvPr/>
+        </p:nvGrpSpPr>
+        <p:grpSpPr>
+          <a:xfrm>
+            <a:off x="7834674" y="2816470"/>
+            <a:ext cx="492369" cy="2286000"/>
+            <a:chOff x="9425354" y="2349305"/>
+            <a:chExt cx="492369" cy="2286000"/>
+          </a:xfrm>
+          <a:solidFill>
+            <a:srgbClr val="00B050"/>
+          </a:solidFill>
+        </p:grpSpPr>
+        <p:sp>
+          <p:nvSpPr>
+            <p:cNvPr id="22" name="Oval 21">
               <a:extLst>
                 <a:ext uri="{FF2B5EF4-FFF2-40B4-BE49-F238E27FC236}">
-                  <a16:creationId xmlns:a16="http://schemas.microsoft.com/office/drawing/2014/main" id="{D3FE9661-2174-4380-AD29-91E23FEDE506}"/>
+                  <a16:creationId xmlns:a16="http://schemas.microsoft.com/office/drawing/2014/main" id="{CA3B4D4A-2EE0-4DE8-8751-3D65077D82BA}"/>
                 </a:ext>
               </a:extLst>
             </p:cNvPr>
-            <p:cNvGrpSpPr/>
+            <p:cNvSpPr/>
             <p:nvPr/>
-          </p:nvGrpSpPr>
-          <p:grpSpPr>
+          </p:nvSpPr>
+          <p:spPr>
             <a:xfrm>
-              <a:off x="10055169" y="2816470"/>
-              <a:ext cx="492369" cy="2286000"/>
-              <a:chOff x="9425354" y="2349305"/>
-              <a:chExt cx="492369" cy="2286000"/>
+              <a:off x="9425354" y="2349305"/>
+              <a:ext cx="492369" cy="492369"/>
             </a:xfrm>
-            <a:solidFill>
-              <a:srgbClr val="FF0000"/>
-            </a:solidFill>
-          </p:grpSpPr>
-          <p:sp>
-            <p:nvSpPr>
-              <p:cNvPr id="16" name="Oval 15">
-                <a:extLst>
-                  <a:ext uri="{FF2B5EF4-FFF2-40B4-BE49-F238E27FC236}">
-                    <a16:creationId xmlns:a16="http://schemas.microsoft.com/office/drawing/2014/main" id="{61C4B407-DBC9-4CD3-90C2-3B2B74152D19}"/>
-                  </a:ext>
-                </a:extLst>
-              </p:cNvPr>
-              <p:cNvSpPr/>
-              <p:nvPr/>
-            </p:nvSpPr>
-            <p:spPr>
-              <a:xfrm>
-                <a:off x="9425354" y="2349305"/>
-                <a:ext cx="492369" cy="492369"/>
-              </a:xfrm>
-              <a:prstGeom prst="ellipse">
-                <a:avLst/>
-              </a:prstGeom>
-              <a:grpFill/>
-              <a:ln w="44450">
+            <a:prstGeom prst="ellipse">
+              <a:avLst/>
+            </a:prstGeom>
+            <a:grpFill/>
+            <a:ln w="44450">
+              <a:solidFill>
+                <a:schemeClr val="tx1"/>
+              </a:solidFill>
+            </a:ln>
+          </p:spPr>
+          <p:style>
+            <a:lnRef idx="2">
+              <a:schemeClr val="accent1">
+                <a:shade val="50000"/>
+              </a:schemeClr>
+            </a:lnRef>
+            <a:fillRef idx="1">
+              <a:schemeClr val="accent1"/>
+            </a:fillRef>
+            <a:effectRef idx="0">
+              <a:schemeClr val="accent1"/>
+            </a:effectRef>
+            <a:fontRef idx="minor">
+              <a:schemeClr val="lt1"/>
+            </a:fontRef>
+          </p:style>
+          <p:txBody>
+            <a:bodyPr rtlCol="0" anchor="ctr"/>
+            <a:lstStyle/>
+            <a:p>
+              <a:pPr algn="l"/>
+              <a:endParaRPr lang="en-US" dirty="0">
                 <a:solidFill>
                   <a:schemeClr val="tx1"/>
                 </a:solidFill>
-              </a:ln>
-            </p:spPr>
-            <p:style>
-              <a:lnRef idx="2">
-                <a:schemeClr val="accent1">
-                  <a:shade val="50000"/>
-                </a:schemeClr>
-              </a:lnRef>
-              <a:fillRef idx="1">
-                <a:schemeClr val="accent1"/>
-              </a:fillRef>
-              <a:effectRef idx="0">
-                <a:schemeClr val="accent1"/>
-              </a:effectRef>
-              <a:fontRef idx="minor">
-                <a:schemeClr val="lt1"/>
-              </a:fontRef>
-            </p:style>
-            <p:txBody>
-              <a:bodyPr rtlCol="0" anchor="ctr"/>
-              <a:lstStyle/>
-              <a:p>
-                <a:pPr algn="l"/>
-                <a:endParaRPr lang="en-US" dirty="0">
-                  <a:solidFill>
-                    <a:schemeClr val="tx1"/>
-                  </a:solidFill>
-                </a:endParaRPr>
-              </a:p>
-            </p:txBody>
-          </p:sp>
-          <p:cxnSp>
-            <p:nvCxnSpPr>
-              <p:cNvPr id="17" name="Straight Connector 16">
-                <a:extLst>
-                  <a:ext uri="{FF2B5EF4-FFF2-40B4-BE49-F238E27FC236}">
-                    <a16:creationId xmlns:a16="http://schemas.microsoft.com/office/drawing/2014/main" id="{39FC7061-B0FD-4532-B944-735DB2CE9051}"/>
-                  </a:ext>
-                </a:extLst>
-              </p:cNvPr>
-              <p:cNvCxnSpPr>
-                <a:stCxn id="16" idx="4"/>
-              </p:cNvCxnSpPr>
-              <p:nvPr/>
-            </p:nvCxnSpPr>
-            <p:spPr>
-              <a:xfrm flipH="1">
-                <a:off x="9664505" y="2841674"/>
-                <a:ext cx="7034" cy="1793631"/>
-              </a:xfrm>
-              <a:prstGeom prst="line">
-                <a:avLst/>
-              </a:prstGeom>
-              <a:grpFill/>
-              <a:ln w="44450">
-                <a:solidFill>
-                  <a:schemeClr val="tx1"/>
-                </a:solidFill>
-                <a:tailEnd type="none" w="lg" len="lg"/>
-              </a:ln>
-            </p:spPr>
-            <p:style>
-              <a:lnRef idx="1">
-                <a:schemeClr val="accent1"/>
-              </a:lnRef>
-              <a:fillRef idx="0">
-                <a:schemeClr val="accent1"/>
-              </a:fillRef>
-              <a:effectRef idx="0">
-                <a:schemeClr val="accent1"/>
-              </a:effectRef>
-              <a:fontRef idx="minor">
-                <a:schemeClr val="tx1"/>
-              </a:fontRef>
-            </p:style>
-          </p:cxnSp>
-        </p:grpSp>
-        <p:grpSp>
-          <p:nvGrpSpPr>
-            <p:cNvPr id="18" name="Group 17">
+              </a:endParaRPr>
+            </a:p>
+          </p:txBody>
+        </p:sp>
+        <p:cxnSp>
+          <p:nvCxnSpPr>
+            <p:cNvPr id="23" name="Straight Connector 22">
               <a:extLst>
                 <a:ext uri="{FF2B5EF4-FFF2-40B4-BE49-F238E27FC236}">
-                  <a16:creationId xmlns:a16="http://schemas.microsoft.com/office/drawing/2014/main" id="{E1CEA52E-9B61-434A-A9E7-7E5F8FB9AE93}"/>
+                  <a16:creationId xmlns:a16="http://schemas.microsoft.com/office/drawing/2014/main" id="{6F9B27E1-DA9B-437A-82DB-92932431C11A}"/>
                 </a:ext>
               </a:extLst>
             </p:cNvPr>
-            <p:cNvGrpSpPr/>
+            <p:cNvCxnSpPr>
+              <a:stCxn id="22" idx="4"/>
+            </p:cNvCxnSpPr>
             <p:nvPr/>
-          </p:nvGrpSpPr>
-          <p:grpSpPr>
-            <a:xfrm>
-              <a:off x="5614178" y="2816470"/>
-              <a:ext cx="492369" cy="2286000"/>
-              <a:chOff x="9425354" y="2349305"/>
-              <a:chExt cx="492369" cy="2286000"/>
+          </p:nvCxnSpPr>
+          <p:spPr>
+            <a:xfrm flipH="1">
+              <a:off x="9664505" y="2841674"/>
+              <a:ext cx="7034" cy="1793631"/>
             </a:xfrm>
-            <a:solidFill>
-              <a:srgbClr val="FF0000"/>
-            </a:solidFill>
-          </p:grpSpPr>
-          <p:sp>
-            <p:nvSpPr>
-              <p:cNvPr id="19" name="Oval 18">
-                <a:extLst>
-                  <a:ext uri="{FF2B5EF4-FFF2-40B4-BE49-F238E27FC236}">
-                    <a16:creationId xmlns:a16="http://schemas.microsoft.com/office/drawing/2014/main" id="{229BBDF2-229F-477E-8347-C972FD66F67E}"/>
-                  </a:ext>
-                </a:extLst>
-              </p:cNvPr>
-              <p:cNvSpPr/>
-              <p:nvPr/>
-            </p:nvSpPr>
-            <p:spPr>
-              <a:xfrm>
-                <a:off x="9425354" y="2349305"/>
-                <a:ext cx="492369" cy="492369"/>
-              </a:xfrm>
-              <a:prstGeom prst="ellipse">
-                <a:avLst/>
-              </a:prstGeom>
-              <a:grpFill/>
-              <a:ln w="44450">
-                <a:solidFill>
-                  <a:schemeClr val="tx1"/>
-                </a:solidFill>
-              </a:ln>
-            </p:spPr>
-            <p:style>
-              <a:lnRef idx="2">
-                <a:schemeClr val="accent1">
-                  <a:shade val="50000"/>
-                </a:schemeClr>
-              </a:lnRef>
-              <a:fillRef idx="1">
-                <a:schemeClr val="accent1"/>
-              </a:fillRef>
-              <a:effectRef idx="0">
-                <a:schemeClr val="accent1"/>
-              </a:effectRef>
-              <a:fontRef idx="minor">
-                <a:schemeClr val="lt1"/>
-              </a:fontRef>
-            </p:style>
-            <p:txBody>
-              <a:bodyPr rtlCol="0" anchor="ctr"/>
-              <a:lstStyle/>
-              <a:p>
-                <a:pPr algn="l"/>
-                <a:endParaRPr lang="en-US" dirty="0">
-                  <a:solidFill>
-                    <a:schemeClr val="tx1"/>
-                  </a:solidFill>
-                </a:endParaRPr>
-              </a:p>
-            </p:txBody>
-          </p:sp>
-          <p:cxnSp>
-            <p:nvCxnSpPr>
-              <p:cNvPr id="20" name="Straight Connector 19">
-                <a:extLst>
-                  <a:ext uri="{FF2B5EF4-FFF2-40B4-BE49-F238E27FC236}">
-                    <a16:creationId xmlns:a16="http://schemas.microsoft.com/office/drawing/2014/main" id="{D2B45636-EDEB-446E-ADFE-F2504ED661FD}"/>
-                  </a:ext>
-                </a:extLst>
-              </p:cNvPr>
-              <p:cNvCxnSpPr>
-                <a:stCxn id="19" idx="4"/>
-              </p:cNvCxnSpPr>
-              <p:nvPr/>
-            </p:nvCxnSpPr>
-            <p:spPr>
-              <a:xfrm flipH="1">
-                <a:off x="9664505" y="2841674"/>
-                <a:ext cx="7034" cy="1793631"/>
-              </a:xfrm>
-              <a:prstGeom prst="line">
-                <a:avLst/>
-              </a:prstGeom>
-              <a:grpFill/>
-              <a:ln w="44450">
-                <a:solidFill>
-                  <a:schemeClr val="tx1"/>
-                </a:solidFill>
-                <a:tailEnd type="none" w="lg" len="lg"/>
-              </a:ln>
-            </p:spPr>
-            <p:style>
-              <a:lnRef idx="1">
-                <a:schemeClr val="accent1"/>
-              </a:lnRef>
-              <a:fillRef idx="0">
-                <a:schemeClr val="accent1"/>
-              </a:fillRef>
-              <a:effectRef idx="0">
-                <a:schemeClr val="accent1"/>
-              </a:effectRef>
-              <a:fontRef idx="minor">
+            <a:prstGeom prst="line">
+              <a:avLst/>
+            </a:prstGeom>
+            <a:grpFill/>
+            <a:ln w="44450">
+              <a:solidFill>
                 <a:schemeClr val="tx1"/>
-              </a:fontRef>
-            </p:style>
-          </p:cxnSp>
-        </p:grpSp>
-        <p:grpSp>
-          <p:nvGrpSpPr>
-            <p:cNvPr id="21" name="Group 20">
-              <a:extLst>
-                <a:ext uri="{FF2B5EF4-FFF2-40B4-BE49-F238E27FC236}">
-                  <a16:creationId xmlns:a16="http://schemas.microsoft.com/office/drawing/2014/main" id="{13028469-8EEC-4220-922D-FC4B9FE7E217}"/>
-                </a:ext>
-              </a:extLst>
-            </p:cNvPr>
-            <p:cNvGrpSpPr/>
-            <p:nvPr/>
-          </p:nvGrpSpPr>
-          <p:grpSpPr>
-            <a:xfrm>
-              <a:off x="7834674" y="2816470"/>
-              <a:ext cx="492369" cy="2286000"/>
-              <a:chOff x="9425354" y="2349305"/>
-              <a:chExt cx="492369" cy="2286000"/>
-            </a:xfrm>
-            <a:solidFill>
-              <a:srgbClr val="00B050"/>
-            </a:solidFill>
-          </p:grpSpPr>
-          <p:sp>
-            <p:nvSpPr>
-              <p:cNvPr id="22" name="Oval 21">
-                <a:extLst>
-                  <a:ext uri="{FF2B5EF4-FFF2-40B4-BE49-F238E27FC236}">
-                    <a16:creationId xmlns:a16="http://schemas.microsoft.com/office/drawing/2014/main" id="{CA3B4D4A-2EE0-4DE8-8751-3D65077D82BA}"/>
-                  </a:ext>
-                </a:extLst>
-              </p:cNvPr>
-              <p:cNvSpPr/>
-              <p:nvPr/>
-            </p:nvSpPr>
-            <p:spPr>
-              <a:xfrm>
-                <a:off x="9425354" y="2349305"/>
-                <a:ext cx="492369" cy="492369"/>
-              </a:xfrm>
-              <a:prstGeom prst="ellipse">
-                <a:avLst/>
-              </a:prstGeom>
-              <a:grpFill/>
-              <a:ln w="44450">
-                <a:solidFill>
-                  <a:schemeClr val="tx1"/>
-                </a:solidFill>
-              </a:ln>
-            </p:spPr>
-            <p:style>
-              <a:lnRef idx="2">
-                <a:schemeClr val="accent1">
-                  <a:shade val="50000"/>
-                </a:schemeClr>
-              </a:lnRef>
-              <a:fillRef idx="1">
-                <a:schemeClr val="accent1"/>
-              </a:fillRef>
-              <a:effectRef idx="0">
-                <a:schemeClr val="accent1"/>
-              </a:effectRef>
-              <a:fontRef idx="minor">
-                <a:schemeClr val="lt1"/>
-              </a:fontRef>
-            </p:style>
-            <p:txBody>
-              <a:bodyPr rtlCol="0" anchor="ctr"/>
-              <a:lstStyle/>
-              <a:p>
-                <a:pPr algn="l"/>
-                <a:endParaRPr lang="en-US" dirty="0">
-                  <a:solidFill>
-                    <a:schemeClr val="tx1"/>
-                  </a:solidFill>
-                </a:endParaRPr>
-              </a:p>
-            </p:txBody>
-          </p:sp>
-          <p:cxnSp>
-            <p:nvCxnSpPr>
-              <p:cNvPr id="23" name="Straight Connector 22">
-                <a:extLst>
-                  <a:ext uri="{FF2B5EF4-FFF2-40B4-BE49-F238E27FC236}">
-                    <a16:creationId xmlns:a16="http://schemas.microsoft.com/office/drawing/2014/main" id="{6F9B27E1-DA9B-437A-82DB-92932431C11A}"/>
-                  </a:ext>
-                </a:extLst>
-              </p:cNvPr>
-              <p:cNvCxnSpPr>
-                <a:stCxn id="22" idx="4"/>
-              </p:cNvCxnSpPr>
-              <p:nvPr/>
-            </p:nvCxnSpPr>
-            <p:spPr>
-              <a:xfrm flipH="1">
-                <a:off x="9664505" y="2841674"/>
-                <a:ext cx="7034" cy="1793631"/>
-              </a:xfrm>
-              <a:prstGeom prst="line">
-                <a:avLst/>
-              </a:prstGeom>
-              <a:grpFill/>
-              <a:ln w="44450">
-                <a:solidFill>
-                  <a:schemeClr val="tx1"/>
-                </a:solidFill>
-                <a:tailEnd type="none" w="lg" len="lg"/>
-              </a:ln>
-            </p:spPr>
-            <p:style>
-              <a:lnRef idx="1">
-                <a:schemeClr val="accent1"/>
-              </a:lnRef>
-              <a:fillRef idx="0">
-                <a:schemeClr val="accent1"/>
-              </a:fillRef>
-              <a:effectRef idx="0">
-                <a:schemeClr val="accent1"/>
-              </a:effectRef>
-              <a:fontRef idx="minor">
-                <a:schemeClr val="tx1"/>
-              </a:fontRef>
-            </p:style>
-          </p:cxnSp>
-        </p:grpSp>
+              </a:solidFill>
+              <a:tailEnd type="none" w="lg" len="lg"/>
+            </a:ln>
+          </p:spPr>
+          <p:style>
+            <a:lnRef idx="1">
+              <a:schemeClr val="accent1"/>
+            </a:lnRef>
+            <a:fillRef idx="0">
+              <a:schemeClr val="accent1"/>
+            </a:fillRef>
+            <a:effectRef idx="0">
+              <a:schemeClr val="accent1"/>
+            </a:effectRef>
+            <a:fontRef idx="minor">
+              <a:schemeClr val="tx1"/>
+            </a:fontRef>
+          </p:style>
+        </p:cxnSp>
       </p:grpSp>
       <p:sp>
         <p:nvSpPr>
@@ -18569,8 +19270,8 @@
         </p:nvSpPr>
         <p:spPr>
           <a:xfrm>
-            <a:off x="690491" y="1953608"/>
-            <a:ext cx="3261360" cy="523220"/>
+            <a:off x="690491" y="1738165"/>
+            <a:ext cx="3261360" cy="954107"/>
           </a:xfrm>
           <a:prstGeom prst="rect">
             <a:avLst/>
@@ -18614,7 +19315,7 @@
                   <a:schemeClr val="tx1"/>
                 </a:solidFill>
               </a:rPr>
-              <a:t>The running handler</a:t>
+              <a:t>The running event handler</a:t>
             </a:r>
           </a:p>
         </p:txBody>
@@ -18622,7 +19323,7 @@
     </p:spTree>
     <p:extLst>
       <p:ext uri="{BB962C8B-B14F-4D97-AF65-F5344CB8AC3E}">
-        <p14:creationId xmlns:p14="http://schemas.microsoft.com/office/powerpoint/2010/main" val="2207191805"/>
+        <p14:creationId xmlns:p14="http://schemas.microsoft.com/office/powerpoint/2010/main" val="438465054"/>
       </p:ext>
     </p:extLst>
   </p:cSld>
@@ -18690,6 +19391,46 @@
                       </p:childTnLst>
                     </p:cTn>
                   </p:par>
+                  <p:par>
+                    <p:cTn id="8" fill="hold">
+                      <p:stCondLst>
+                        <p:cond delay="indefinite"/>
+                      </p:stCondLst>
+                      <p:childTnLst>
+                        <p:par>
+                          <p:cTn id="9" fill="hold">
+                            <p:stCondLst>
+                              <p:cond delay="0"/>
+                            </p:stCondLst>
+                            <p:childTnLst>
+                              <p:par>
+                                <p:cTn id="10" presetID="47" presetClass="path" presetSubtype="0" accel="50000" decel="50000" fill="hold" nodeType="clickEffect">
+                                  <p:stCondLst>
+                                    <p:cond delay="0"/>
+                                  </p:stCondLst>
+                                  <p:childTnLst>
+                                    <p:animMotion origin="layout" path="M 0.00117 -0.00138 C -0.00273 0.06436 -0.01628 0.11227 -0.02995 0.11227 C -0.04349 0.11227 -0.05508 0.06436 -0.05885 -0.00138 C -0.06458 0.06436 -0.07617 0.11227 -0.08984 0.11227 C -0.10338 0.11227 -0.11497 0.06436 -0.11875 -0.00138 C -0.12448 0.06436 -0.1362 0.11227 -0.14961 0.11227 C -0.16328 0.11227 -0.17695 0.06436 -0.1806 -0.00138 C -0.18437 0.06436 -0.19609 0.11227 -0.21159 0.11227 C -0.22318 0.11227 -0.23672 0.06436 -0.24036 -0.00138 C -0.24427 0.06436 -0.25781 0.11227 -0.27148 0.11227 C -0.28503 0.11227 -0.29661 0.06436 -0.30039 -0.00138 C -0.30612 0.06436 -0.31771 0.11227 -0.33138 0.11227 C -0.34492 0.11227 -0.35651 0.06436 -0.36224 -0.00138 C -0.36602 0.06436 -0.3776 0.11227 -0.39115 0.11227 C -0.40482 0.11227 -0.41836 0.06436 -0.42213 -0.00138 C -0.42591 0.06436 -0.4375 0.11227 -0.45299 0.11227 C -0.46667 0.11227 -0.47825 0.06436 -0.4819 -0.00138 " pathEditMode="relative" rAng="0" ptsTypes="AAAAAAAAAAAAAAAAA">
+                                      <p:cBhvr>
+                                        <p:cTn id="11" dur="2000" fill="hold"/>
+                                        <p:tgtEl>
+                                          <p:spTgt spid="21"/>
+                                        </p:tgtEl>
+                                        <p:attrNameLst>
+                                          <p:attrName>ppt_x</p:attrName>
+                                          <p:attrName>ppt_y</p:attrName>
+                                        </p:attrNameLst>
+                                      </p:cBhvr>
+                                      <p:rCtr x="-24154" y="5671"/>
+                                    </p:animMotion>
+                                  </p:childTnLst>
+                                </p:cTn>
+                              </p:par>
+                            </p:childTnLst>
+                          </p:cTn>
+                        </p:par>
+                      </p:childTnLst>
+                    </p:cTn>
+                  </p:par>
                 </p:childTnLst>
               </p:cTn>
               <p:prevCondLst>
@@ -18715,7 +19456,7 @@
 </p:sld>
 </file>
 
-<file path=ppt/slides/slide7.xml><?xml version="1.0" encoding="utf-8"?>
+<file path=ppt/slides/slide6.xml><?xml version="1.0" encoding="utf-8"?>
 <p:sld xmlns:a="http://schemas.openxmlformats.org/drawingml/2006/main" xmlns:r="http://schemas.openxmlformats.org/officeDocument/2006/relationships" xmlns:p="http://schemas.openxmlformats.org/presentationml/2006/main">
   <p:cSld>
     <p:spTree>
@@ -18832,7 +19573,7 @@
           <a:p>
             <a:fld id="{20F37917-FD3A-4669-9018-DA04BCDD3D75}" type="slidenum">
               <a:rPr lang="en-US" smtClean="0"/>
-              <a:t>7</a:t>
+              <a:t>6</a:t>
             </a:fld>
             <a:endParaRPr lang="en-US"/>
           </a:p>
@@ -18910,10 +19651,88 @@
   <p:clrMapOvr>
     <a:masterClrMapping/>
   </p:clrMapOvr>
+  <p:timing>
+    <p:tnLst>
+      <p:par>
+        <p:cTn id="1" dur="indefinite" restart="never" nodeType="tmRoot">
+          <p:childTnLst>
+            <p:seq concurrent="1" nextAc="seek">
+              <p:cTn id="2" dur="indefinite" nodeType="mainSeq">
+                <p:childTnLst>
+                  <p:par>
+                    <p:cTn id="3" fill="hold">
+                      <p:stCondLst>
+                        <p:cond delay="indefinite"/>
+                      </p:stCondLst>
+                      <p:childTnLst>
+                        <p:par>
+                          <p:cTn id="4" fill="hold">
+                            <p:stCondLst>
+                              <p:cond delay="0"/>
+                            </p:stCondLst>
+                            <p:childTnLst>
+                              <p:par>
+                                <p:cTn id="5" presetID="1" presetClass="entr" presetSubtype="0" fill="hold" grpId="0" nodeType="clickEffect">
+                                  <p:stCondLst>
+                                    <p:cond delay="0"/>
+                                  </p:stCondLst>
+                                  <p:childTnLst>
+                                    <p:set>
+                                      <p:cBhvr>
+                                        <p:cTn id="6" dur="1" fill="hold">
+                                          <p:stCondLst>
+                                            <p:cond delay="0"/>
+                                          </p:stCondLst>
+                                        </p:cTn>
+                                        <p:tgtEl>
+                                          <p:spTgt spid="6"/>
+                                        </p:tgtEl>
+                                        <p:attrNameLst>
+                                          <p:attrName>style.visibility</p:attrName>
+                                        </p:attrNameLst>
+                                      </p:cBhvr>
+                                      <p:to>
+                                        <p:strVal val="visible"/>
+                                      </p:to>
+                                    </p:set>
+                                  </p:childTnLst>
+                                </p:cTn>
+                              </p:par>
+                            </p:childTnLst>
+                          </p:cTn>
+                        </p:par>
+                      </p:childTnLst>
+                    </p:cTn>
+                  </p:par>
+                </p:childTnLst>
+              </p:cTn>
+              <p:prevCondLst>
+                <p:cond evt="onPrev" delay="0">
+                  <p:tgtEl>
+                    <p:sldTgt/>
+                  </p:tgtEl>
+                </p:cond>
+              </p:prevCondLst>
+              <p:nextCondLst>
+                <p:cond evt="onNext" delay="0">
+                  <p:tgtEl>
+                    <p:sldTgt/>
+                  </p:tgtEl>
+                </p:cond>
+              </p:nextCondLst>
+            </p:seq>
+          </p:childTnLst>
+        </p:cTn>
+      </p:par>
+    </p:tnLst>
+    <p:bldLst>
+      <p:bldP spid="6" grpId="0" animBg="1"/>
+    </p:bldLst>
+  </p:timing>
 </p:sld>
 </file>
 
-<file path=ppt/slides/slide8.xml><?xml version="1.0" encoding="utf-8"?>
+<file path=ppt/slides/slide7.xml><?xml version="1.0" encoding="utf-8"?>
 <p:sld xmlns:a="http://schemas.openxmlformats.org/drawingml/2006/main" xmlns:r="http://schemas.openxmlformats.org/officeDocument/2006/relationships" xmlns:p="http://schemas.openxmlformats.org/presentationml/2006/main">
   <p:cSld>
     <p:spTree>
@@ -19040,7 +19859,7 @@
           <a:p>
             <a:fld id="{20F37917-FD3A-4669-9018-DA04BCDD3D75}" type="slidenum">
               <a:rPr lang="en-US" smtClean="0"/>
-              <a:t>8</a:t>
+              <a:t>7</a:t>
             </a:fld>
             <a:endParaRPr lang="en-US"/>
           </a:p>
@@ -19283,7 +20102,7 @@
 </p:sld>
 </file>
 
-<file path=ppt/slides/slide9.xml><?xml version="1.0" encoding="utf-8"?>
+<file path=ppt/slides/slide8.xml><?xml version="1.0" encoding="utf-8"?>
 <p:sld xmlns:a="http://schemas.openxmlformats.org/drawingml/2006/main" xmlns:r="http://schemas.openxmlformats.org/officeDocument/2006/relationships" xmlns:p="http://schemas.openxmlformats.org/presentationml/2006/main">
   <p:cSld>
     <p:spTree>
@@ -19351,7 +20170,7 @@
           <a:p>
             <a:fld id="{20F37917-FD3A-4669-9018-DA04BCDD3D75}" type="slidenum">
               <a:rPr lang="en-US" smtClean="0"/>
-              <a:t>9</a:t>
+              <a:t>8</a:t>
             </a:fld>
             <a:endParaRPr lang="en-US"/>
           </a:p>
@@ -20332,6 +21151,149 @@
                                   </p:childTnLst>
                                 </p:cTn>
                               </p:par>
+                              <p:par>
+                                <p:cTn id="7" presetID="1" presetClass="entr" presetSubtype="0" fill="hold" nodeType="withEffect">
+                                  <p:stCondLst>
+                                    <p:cond delay="0"/>
+                                  </p:stCondLst>
+                                  <p:childTnLst>
+                                    <p:set>
+                                      <p:cBhvr>
+                                        <p:cTn id="8" dur="1" fill="hold">
+                                          <p:stCondLst>
+                                            <p:cond delay="0"/>
+                                          </p:stCondLst>
+                                        </p:cTn>
+                                        <p:tgtEl>
+                                          <p:spTgt spid="18"/>
+                                        </p:tgtEl>
+                                        <p:attrNameLst>
+                                          <p:attrName>style.visibility</p:attrName>
+                                        </p:attrNameLst>
+                                      </p:cBhvr>
+                                      <p:to>
+                                        <p:strVal val="visible"/>
+                                      </p:to>
+                                    </p:set>
+                                  </p:childTnLst>
+                                </p:cTn>
+                              </p:par>
+                              <p:par>
+                                <p:cTn id="9" presetID="1" presetClass="entr" presetSubtype="0" fill="hold" nodeType="withEffect">
+                                  <p:stCondLst>
+                                    <p:cond delay="0"/>
+                                  </p:stCondLst>
+                                  <p:childTnLst>
+                                    <p:set>
+                                      <p:cBhvr>
+                                        <p:cTn id="10" dur="1" fill="hold">
+                                          <p:stCondLst>
+                                            <p:cond delay="0"/>
+                                          </p:stCondLst>
+                                        </p:cTn>
+                                        <p:tgtEl>
+                                          <p:spTgt spid="15"/>
+                                        </p:tgtEl>
+                                        <p:attrNameLst>
+                                          <p:attrName>style.visibility</p:attrName>
+                                        </p:attrNameLst>
+                                      </p:cBhvr>
+                                      <p:to>
+                                        <p:strVal val="visible"/>
+                                      </p:to>
+                                    </p:set>
+                                  </p:childTnLst>
+                                </p:cTn>
+                              </p:par>
+                            </p:childTnLst>
+                          </p:cTn>
+                        </p:par>
+                      </p:childTnLst>
+                    </p:cTn>
+                  </p:par>
+                  <p:par>
+                    <p:cTn id="11" fill="hold">
+                      <p:stCondLst>
+                        <p:cond delay="indefinite"/>
+                      </p:stCondLst>
+                      <p:childTnLst>
+                        <p:par>
+                          <p:cTn id="12" fill="hold">
+                            <p:stCondLst>
+                              <p:cond delay="0"/>
+                            </p:stCondLst>
+                            <p:childTnLst>
+                              <p:par>
+                                <p:cTn id="13" presetID="1" presetClass="entr" presetSubtype="0" fill="hold" grpId="0" nodeType="clickEffect">
+                                  <p:stCondLst>
+                                    <p:cond delay="0"/>
+                                  </p:stCondLst>
+                                  <p:childTnLst>
+                                    <p:set>
+                                      <p:cBhvr>
+                                        <p:cTn id="14" dur="1" fill="hold">
+                                          <p:stCondLst>
+                                            <p:cond delay="0"/>
+                                          </p:stCondLst>
+                                        </p:cTn>
+                                        <p:tgtEl>
+                                          <p:spTgt spid="7"/>
+                                        </p:tgtEl>
+                                        <p:attrNameLst>
+                                          <p:attrName>style.visibility</p:attrName>
+                                        </p:attrNameLst>
+                                      </p:cBhvr>
+                                      <p:to>
+                                        <p:strVal val="visible"/>
+                                      </p:to>
+                                    </p:set>
+                                  </p:childTnLst>
+                                </p:cTn>
+                              </p:par>
+                            </p:childTnLst>
+                          </p:cTn>
+                        </p:par>
+                        <p:par>
+                          <p:cTn id="15" fill="hold">
+                            <p:stCondLst>
+                              <p:cond delay="0"/>
+                            </p:stCondLst>
+                            <p:childTnLst>
+                              <p:par>
+                                <p:cTn id="16" presetID="10" presetClass="entr" presetSubtype="0" fill="hold" grpId="0" nodeType="afterEffect">
+                                  <p:stCondLst>
+                                    <p:cond delay="500"/>
+                                  </p:stCondLst>
+                                  <p:childTnLst>
+                                    <p:set>
+                                      <p:cBhvr>
+                                        <p:cTn id="17" dur="1" fill="hold">
+                                          <p:stCondLst>
+                                            <p:cond delay="0"/>
+                                          </p:stCondLst>
+                                        </p:cTn>
+                                        <p:tgtEl>
+                                          <p:spTgt spid="6"/>
+                                        </p:tgtEl>
+                                        <p:attrNameLst>
+                                          <p:attrName>style.visibility</p:attrName>
+                                        </p:attrNameLst>
+                                      </p:cBhvr>
+                                      <p:to>
+                                        <p:strVal val="visible"/>
+                                      </p:to>
+                                    </p:set>
+                                    <p:animEffect transition="in" filter="fade">
+                                      <p:cBhvr>
+                                        <p:cTn id="18" dur="500"/>
+                                        <p:tgtEl>
+                                          <p:spTgt spid="6"/>
+                                        </p:tgtEl>
+                                      </p:cBhvr>
+                                    </p:animEffect>
+                                  </p:childTnLst>
+                                </p:cTn>
+                              </p:par>
                             </p:childTnLst>
                           </p:cTn>
                         </p:par>
@@ -20360,9 +21322,132 @@
       </p:par>
     </p:tnLst>
     <p:bldLst>
+      <p:bldP spid="7" grpId="0" animBg="1"/>
+      <p:bldP spid="6" grpId="0" animBg="1"/>
       <p:bldP spid="14" grpId="0" animBg="1"/>
     </p:bldLst>
   </p:timing>
+</p:sld>
+</file>
+
+<file path=ppt/slides/slide9.xml><?xml version="1.0" encoding="utf-8"?>
+<p:sld xmlns:a="http://schemas.openxmlformats.org/drawingml/2006/main" xmlns:r="http://schemas.openxmlformats.org/officeDocument/2006/relationships" xmlns:p="http://schemas.openxmlformats.org/presentationml/2006/main">
+  <p:cSld>
+    <p:spTree>
+      <p:nvGrpSpPr>
+        <p:cNvPr id="1" name=""/>
+        <p:cNvGrpSpPr/>
+        <p:nvPr/>
+      </p:nvGrpSpPr>
+      <p:grpSpPr>
+        <a:xfrm>
+          <a:off x="0" y="0"/>
+          <a:ext cx="0" cy="0"/>
+          <a:chOff x="0" y="0"/>
+          <a:chExt cx="0" cy="0"/>
+        </a:xfrm>
+      </p:grpSpPr>
+      <p:sp>
+        <p:nvSpPr>
+          <p:cNvPr id="2" name="Title 1">
+            <a:extLst>
+              <a:ext uri="{FF2B5EF4-FFF2-40B4-BE49-F238E27FC236}">
+                <a16:creationId xmlns:a16="http://schemas.microsoft.com/office/drawing/2014/main" id="{32CA20D4-2727-4BB3-841F-E04211F3CE56}"/>
+              </a:ext>
+            </a:extLst>
+          </p:cNvPr>
+          <p:cNvSpPr>
+            <a:spLocks noGrp="1"/>
+          </p:cNvSpPr>
+          <p:nvPr>
+            <p:ph type="title"/>
+          </p:nvPr>
+        </p:nvSpPr>
+        <p:spPr/>
+        <p:txBody>
+          <a:bodyPr/>
+          <a:lstStyle/>
+          <a:p>
+            <a:r>
+              <a:rPr lang="en-US" dirty="0"/>
+              <a:t>What happened here?</a:t>
+            </a:r>
+          </a:p>
+        </p:txBody>
+      </p:sp>
+      <p:sp>
+        <p:nvSpPr>
+          <p:cNvPr id="3" name="Content Placeholder 2">
+            <a:extLst>
+              <a:ext uri="{FF2B5EF4-FFF2-40B4-BE49-F238E27FC236}">
+                <a16:creationId xmlns:a16="http://schemas.microsoft.com/office/drawing/2014/main" id="{F63C6E13-161A-430E-974C-C58B20ACA6DC}"/>
+              </a:ext>
+            </a:extLst>
+          </p:cNvPr>
+          <p:cNvSpPr>
+            <a:spLocks noGrp="1"/>
+          </p:cNvSpPr>
+          <p:nvPr>
+            <p:ph idx="1"/>
+          </p:nvPr>
+        </p:nvSpPr>
+        <p:spPr/>
+        <p:txBody>
+          <a:bodyPr/>
+          <a:lstStyle/>
+          <a:p>
+            <a:r>
+              <a:rPr lang="en-US" dirty="0"/>
+              <a:t>.then handlers only handle promises that succeed</a:t>
+            </a:r>
+          </a:p>
+          <a:p>
+            <a:r>
+              <a:rPr lang="en-US" dirty="0"/>
+              <a:t>To handle failure, you need a .catch() handler</a:t>
+            </a:r>
+          </a:p>
+        </p:txBody>
+      </p:sp>
+      <p:sp>
+        <p:nvSpPr>
+          <p:cNvPr id="4" name="Slide Number Placeholder 3">
+            <a:extLst>
+              <a:ext uri="{FF2B5EF4-FFF2-40B4-BE49-F238E27FC236}">
+                <a16:creationId xmlns:a16="http://schemas.microsoft.com/office/drawing/2014/main" id="{35AB5398-3202-49BA-8722-16B6EA0D50D5}"/>
+              </a:ext>
+            </a:extLst>
+          </p:cNvPr>
+          <p:cNvSpPr>
+            <a:spLocks noGrp="1"/>
+          </p:cNvSpPr>
+          <p:nvPr>
+            <p:ph type="sldNum" sz="quarter" idx="12"/>
+          </p:nvPr>
+        </p:nvSpPr>
+        <p:spPr/>
+        <p:txBody>
+          <a:bodyPr/>
+          <a:lstStyle/>
+          <a:p>
+            <a:fld id="{20F37917-FD3A-4669-9018-DA04BCDD3D75}" type="slidenum">
+              <a:rPr lang="en-US" smtClean="0"/>
+              <a:t>9</a:t>
+            </a:fld>
+            <a:endParaRPr lang="en-US"/>
+          </a:p>
+        </p:txBody>
+      </p:sp>
+    </p:spTree>
+    <p:extLst>
+      <p:ext uri="{BB962C8B-B14F-4D97-AF65-F5344CB8AC3E}">
+        <p14:creationId xmlns:p14="http://schemas.microsoft.com/office/powerpoint/2010/main" val="3244481782"/>
+      </p:ext>
+    </p:extLst>
+  </p:cSld>
+  <p:clrMapOvr>
+    <a:masterClrMapping/>
+  </p:clrMapOvr>
 </p:sld>
 </file>
 
